--- a/Main_Talk.pptx
+++ b/Main_Talk.pptx
@@ -5,21 +5,31 @@
     <p:sldMasterId id="2147483648" r:id="rId1"/>
   </p:sldMasterIdLst>
   <p:notesMasterIdLst>
-    <p:notesMasterId r:id="rId11"/>
+    <p:notesMasterId r:id="rId21"/>
   </p:notesMasterIdLst>
   <p:handoutMasterIdLst>
-    <p:handoutMasterId r:id="rId12"/>
+    <p:handoutMasterId r:id="rId22"/>
   </p:handoutMasterIdLst>
   <p:sldIdLst>
     <p:sldId id="274" r:id="rId2"/>
     <p:sldId id="281" r:id="rId3"/>
-    <p:sldId id="282" r:id="rId4"/>
-    <p:sldId id="276" r:id="rId5"/>
-    <p:sldId id="275" r:id="rId6"/>
-    <p:sldId id="277" r:id="rId7"/>
-    <p:sldId id="278" r:id="rId8"/>
-    <p:sldId id="279" r:id="rId9"/>
-    <p:sldId id="280" r:id="rId10"/>
+    <p:sldId id="286" r:id="rId4"/>
+    <p:sldId id="285" r:id="rId5"/>
+    <p:sldId id="288" r:id="rId6"/>
+    <p:sldId id="291" r:id="rId7"/>
+    <p:sldId id="289" r:id="rId8"/>
+    <p:sldId id="290" r:id="rId9"/>
+    <p:sldId id="292" r:id="rId10"/>
+    <p:sldId id="293" r:id="rId11"/>
+    <p:sldId id="282" r:id="rId12"/>
+    <p:sldId id="294" r:id="rId13"/>
+    <p:sldId id="276" r:id="rId14"/>
+    <p:sldId id="287" r:id="rId15"/>
+    <p:sldId id="275" r:id="rId16"/>
+    <p:sldId id="277" r:id="rId17"/>
+    <p:sldId id="278" r:id="rId18"/>
+    <p:sldId id="279" r:id="rId19"/>
+    <p:sldId id="280" r:id="rId20"/>
   </p:sldIdLst>
   <p:sldSz cx="9144000" cy="6858000" type="screen4x3"/>
   <p:notesSz cx="6858000" cy="9144000"/>
@@ -125,8 +135,18 @@
           <p14:sldIdLst>
             <p14:sldId id="274"/>
             <p14:sldId id="281"/>
+            <p14:sldId id="286"/>
+            <p14:sldId id="285"/>
+            <p14:sldId id="288"/>
+            <p14:sldId id="291"/>
+            <p14:sldId id="289"/>
+            <p14:sldId id="290"/>
+            <p14:sldId id="292"/>
+            <p14:sldId id="293"/>
             <p14:sldId id="282"/>
+            <p14:sldId id="294"/>
             <p14:sldId id="276"/>
+            <p14:sldId id="287"/>
             <p14:sldId id="275"/>
             <p14:sldId id="277"/>
             <p14:sldId id="278"/>
@@ -2993,7 +3013,7 @@
           <a:p>
             <a:fld id="{5103D7F7-97BD-49D0-B9CE-923848E1B6BB}" type="datetimeFigureOut">
               <a:rPr lang="en-GB" smtClean="0"/>
-              <a:t>04/11/2021</a:t>
+              <a:t>09/11/2021</a:t>
             </a:fld>
             <a:endParaRPr lang="en-GB"/>
           </a:p>
@@ -3158,7 +3178,7 @@
           <a:p>
             <a:fld id="{A499F530-07A8-46BE-9947-7EAEE02BA5B0}" type="datetimeFigureOut">
               <a:rPr lang="en-GB" smtClean="0"/>
-              <a:t>04/11/2021</a:t>
+              <a:t>09/11/2021</a:t>
             </a:fld>
             <a:endParaRPr lang="en-GB"/>
           </a:p>
@@ -3510,6 +3530,426 @@
 </p:notes>
 </file>
 
+<file path=ppt/notesSlides/notesSlide10.xml><?xml version="1.0" encoding="utf-8"?>
+<p:notes xmlns:a="http://schemas.openxmlformats.org/drawingml/2006/main" xmlns:r="http://schemas.openxmlformats.org/officeDocument/2006/relationships" xmlns:p="http://schemas.openxmlformats.org/presentationml/2006/main">
+  <p:cSld>
+    <p:spTree>
+      <p:nvGrpSpPr>
+        <p:cNvPr id="1" name=""/>
+        <p:cNvGrpSpPr/>
+        <p:nvPr/>
+      </p:nvGrpSpPr>
+      <p:grpSpPr>
+        <a:xfrm>
+          <a:off x="0" y="0"/>
+          <a:ext cx="0" cy="0"/>
+          <a:chOff x="0" y="0"/>
+          <a:chExt cx="0" cy="0"/>
+        </a:xfrm>
+      </p:grpSpPr>
+      <p:sp>
+        <p:nvSpPr>
+          <p:cNvPr id="2" name="Slide Image Placeholder 1"/>
+          <p:cNvSpPr>
+            <a:spLocks noGrp="1" noRot="1" noChangeAspect="1"/>
+          </p:cNvSpPr>
+          <p:nvPr>
+            <p:ph type="sldImg"/>
+          </p:nvPr>
+        </p:nvSpPr>
+        <p:spPr/>
+      </p:sp>
+      <p:sp>
+        <p:nvSpPr>
+          <p:cNvPr id="3" name="Notes Placeholder 2"/>
+          <p:cNvSpPr>
+            <a:spLocks noGrp="1"/>
+          </p:cNvSpPr>
+          <p:nvPr>
+            <p:ph type="body" idx="1"/>
+          </p:nvPr>
+        </p:nvSpPr>
+        <p:spPr/>
+        <p:txBody>
+          <a:bodyPr/>
+          <a:lstStyle/>
+          <a:p>
+            <a:endParaRPr lang="en-GB" dirty="0"/>
+          </a:p>
+        </p:txBody>
+      </p:sp>
+      <p:sp>
+        <p:nvSpPr>
+          <p:cNvPr id="4" name="Slide Number Placeholder 3"/>
+          <p:cNvSpPr>
+            <a:spLocks noGrp="1"/>
+          </p:cNvSpPr>
+          <p:nvPr>
+            <p:ph type="sldNum" sz="quarter" idx="5"/>
+          </p:nvPr>
+        </p:nvSpPr>
+        <p:spPr/>
+        <p:txBody>
+          <a:bodyPr/>
+          <a:lstStyle/>
+          <a:p>
+            <a:fld id="{7204B598-E45D-4A7B-A7D5-81F06E7383AD}" type="slidenum">
+              <a:rPr lang="en-GB" smtClean="0"/>
+              <a:t>10</a:t>
+            </a:fld>
+            <a:endParaRPr lang="en-GB"/>
+          </a:p>
+        </p:txBody>
+      </p:sp>
+    </p:spTree>
+    <p:extLst>
+      <p:ext uri="{BB962C8B-B14F-4D97-AF65-F5344CB8AC3E}">
+        <p14:creationId xmlns:p14="http://schemas.microsoft.com/office/powerpoint/2010/main" val="1591708837"/>
+      </p:ext>
+    </p:extLst>
+  </p:cSld>
+  <p:clrMapOvr>
+    <a:masterClrMapping/>
+  </p:clrMapOvr>
+</p:notes>
+</file>
+
+<file path=ppt/notesSlides/notesSlide11.xml><?xml version="1.0" encoding="utf-8"?>
+<p:notes xmlns:a="http://schemas.openxmlformats.org/drawingml/2006/main" xmlns:r="http://schemas.openxmlformats.org/officeDocument/2006/relationships" xmlns:p="http://schemas.openxmlformats.org/presentationml/2006/main">
+  <p:cSld>
+    <p:spTree>
+      <p:nvGrpSpPr>
+        <p:cNvPr id="1" name=""/>
+        <p:cNvGrpSpPr/>
+        <p:nvPr/>
+      </p:nvGrpSpPr>
+      <p:grpSpPr>
+        <a:xfrm>
+          <a:off x="0" y="0"/>
+          <a:ext cx="0" cy="0"/>
+          <a:chOff x="0" y="0"/>
+          <a:chExt cx="0" cy="0"/>
+        </a:xfrm>
+      </p:grpSpPr>
+      <p:sp>
+        <p:nvSpPr>
+          <p:cNvPr id="2" name="Slide Image Placeholder 1"/>
+          <p:cNvSpPr>
+            <a:spLocks noGrp="1" noRot="1" noChangeAspect="1"/>
+          </p:cNvSpPr>
+          <p:nvPr>
+            <p:ph type="sldImg"/>
+          </p:nvPr>
+        </p:nvSpPr>
+        <p:spPr/>
+      </p:sp>
+      <p:sp>
+        <p:nvSpPr>
+          <p:cNvPr id="3" name="Notes Placeholder 2"/>
+          <p:cNvSpPr>
+            <a:spLocks noGrp="1"/>
+          </p:cNvSpPr>
+          <p:nvPr>
+            <p:ph type="body" idx="1"/>
+          </p:nvPr>
+        </p:nvSpPr>
+        <p:spPr/>
+        <p:txBody>
+          <a:bodyPr/>
+          <a:lstStyle/>
+          <a:p>
+            <a:endParaRPr lang="en-GB" dirty="0"/>
+          </a:p>
+        </p:txBody>
+      </p:sp>
+      <p:sp>
+        <p:nvSpPr>
+          <p:cNvPr id="4" name="Slide Number Placeholder 3"/>
+          <p:cNvSpPr>
+            <a:spLocks noGrp="1"/>
+          </p:cNvSpPr>
+          <p:nvPr>
+            <p:ph type="sldNum" sz="quarter" idx="5"/>
+          </p:nvPr>
+        </p:nvSpPr>
+        <p:spPr/>
+        <p:txBody>
+          <a:bodyPr/>
+          <a:lstStyle/>
+          <a:p>
+            <a:fld id="{7204B598-E45D-4A7B-A7D5-81F06E7383AD}" type="slidenum">
+              <a:rPr lang="en-GB" smtClean="0"/>
+              <a:t>11</a:t>
+            </a:fld>
+            <a:endParaRPr lang="en-GB"/>
+          </a:p>
+        </p:txBody>
+      </p:sp>
+    </p:spTree>
+    <p:extLst>
+      <p:ext uri="{BB962C8B-B14F-4D97-AF65-F5344CB8AC3E}">
+        <p14:creationId xmlns:p14="http://schemas.microsoft.com/office/powerpoint/2010/main" val="2572182442"/>
+      </p:ext>
+    </p:extLst>
+  </p:cSld>
+  <p:clrMapOvr>
+    <a:masterClrMapping/>
+  </p:clrMapOvr>
+</p:notes>
+</file>
+
+<file path=ppt/notesSlides/notesSlide12.xml><?xml version="1.0" encoding="utf-8"?>
+<p:notes xmlns:a="http://schemas.openxmlformats.org/drawingml/2006/main" xmlns:r="http://schemas.openxmlformats.org/officeDocument/2006/relationships" xmlns:p="http://schemas.openxmlformats.org/presentationml/2006/main">
+  <p:cSld>
+    <p:spTree>
+      <p:nvGrpSpPr>
+        <p:cNvPr id="1" name=""/>
+        <p:cNvGrpSpPr/>
+        <p:nvPr/>
+      </p:nvGrpSpPr>
+      <p:grpSpPr>
+        <a:xfrm>
+          <a:off x="0" y="0"/>
+          <a:ext cx="0" cy="0"/>
+          <a:chOff x="0" y="0"/>
+          <a:chExt cx="0" cy="0"/>
+        </a:xfrm>
+      </p:grpSpPr>
+      <p:sp>
+        <p:nvSpPr>
+          <p:cNvPr id="2" name="Slide Image Placeholder 1"/>
+          <p:cNvSpPr>
+            <a:spLocks noGrp="1" noRot="1" noChangeAspect="1"/>
+          </p:cNvSpPr>
+          <p:nvPr>
+            <p:ph type="sldImg"/>
+          </p:nvPr>
+        </p:nvSpPr>
+        <p:spPr/>
+      </p:sp>
+      <p:sp>
+        <p:nvSpPr>
+          <p:cNvPr id="3" name="Notes Placeholder 2"/>
+          <p:cNvSpPr>
+            <a:spLocks noGrp="1"/>
+          </p:cNvSpPr>
+          <p:nvPr>
+            <p:ph type="body" idx="1"/>
+          </p:nvPr>
+        </p:nvSpPr>
+        <p:spPr/>
+        <p:txBody>
+          <a:bodyPr/>
+          <a:lstStyle/>
+          <a:p>
+            <a:endParaRPr lang="en-GB" dirty="0"/>
+          </a:p>
+        </p:txBody>
+      </p:sp>
+      <p:sp>
+        <p:nvSpPr>
+          <p:cNvPr id="4" name="Slide Number Placeholder 3"/>
+          <p:cNvSpPr>
+            <a:spLocks noGrp="1"/>
+          </p:cNvSpPr>
+          <p:nvPr>
+            <p:ph type="sldNum" sz="quarter" idx="5"/>
+          </p:nvPr>
+        </p:nvSpPr>
+        <p:spPr/>
+        <p:txBody>
+          <a:bodyPr/>
+          <a:lstStyle/>
+          <a:p>
+            <a:fld id="{7204B598-E45D-4A7B-A7D5-81F06E7383AD}" type="slidenum">
+              <a:rPr lang="en-GB" smtClean="0"/>
+              <a:t>12</a:t>
+            </a:fld>
+            <a:endParaRPr lang="en-GB"/>
+          </a:p>
+        </p:txBody>
+      </p:sp>
+    </p:spTree>
+    <p:extLst>
+      <p:ext uri="{BB962C8B-B14F-4D97-AF65-F5344CB8AC3E}">
+        <p14:creationId xmlns:p14="http://schemas.microsoft.com/office/powerpoint/2010/main" val="2261044530"/>
+      </p:ext>
+    </p:extLst>
+  </p:cSld>
+  <p:clrMapOvr>
+    <a:masterClrMapping/>
+  </p:clrMapOvr>
+</p:notes>
+</file>
+
+<file path=ppt/notesSlides/notesSlide13.xml><?xml version="1.0" encoding="utf-8"?>
+<p:notes xmlns:a="http://schemas.openxmlformats.org/drawingml/2006/main" xmlns:r="http://schemas.openxmlformats.org/officeDocument/2006/relationships" xmlns:p="http://schemas.openxmlformats.org/presentationml/2006/main">
+  <p:cSld>
+    <p:spTree>
+      <p:nvGrpSpPr>
+        <p:cNvPr id="1" name=""/>
+        <p:cNvGrpSpPr/>
+        <p:nvPr/>
+      </p:nvGrpSpPr>
+      <p:grpSpPr>
+        <a:xfrm>
+          <a:off x="0" y="0"/>
+          <a:ext cx="0" cy="0"/>
+          <a:chOff x="0" y="0"/>
+          <a:chExt cx="0" cy="0"/>
+        </a:xfrm>
+      </p:grpSpPr>
+      <p:sp>
+        <p:nvSpPr>
+          <p:cNvPr id="2" name="Slide Image Placeholder 1"/>
+          <p:cNvSpPr>
+            <a:spLocks noGrp="1" noRot="1" noChangeAspect="1"/>
+          </p:cNvSpPr>
+          <p:nvPr>
+            <p:ph type="sldImg"/>
+          </p:nvPr>
+        </p:nvSpPr>
+        <p:spPr/>
+      </p:sp>
+      <p:sp>
+        <p:nvSpPr>
+          <p:cNvPr id="3" name="Notes Placeholder 2"/>
+          <p:cNvSpPr>
+            <a:spLocks noGrp="1"/>
+          </p:cNvSpPr>
+          <p:nvPr>
+            <p:ph type="body" idx="1"/>
+          </p:nvPr>
+        </p:nvSpPr>
+        <p:spPr/>
+        <p:txBody>
+          <a:bodyPr/>
+          <a:lstStyle/>
+          <a:p>
+            <a:endParaRPr lang="en-GB" dirty="0"/>
+          </a:p>
+        </p:txBody>
+      </p:sp>
+      <p:sp>
+        <p:nvSpPr>
+          <p:cNvPr id="4" name="Slide Number Placeholder 3"/>
+          <p:cNvSpPr>
+            <a:spLocks noGrp="1"/>
+          </p:cNvSpPr>
+          <p:nvPr>
+            <p:ph type="sldNum" sz="quarter" idx="5"/>
+          </p:nvPr>
+        </p:nvSpPr>
+        <p:spPr/>
+        <p:txBody>
+          <a:bodyPr/>
+          <a:lstStyle/>
+          <a:p>
+            <a:fld id="{7204B598-E45D-4A7B-A7D5-81F06E7383AD}" type="slidenum">
+              <a:rPr lang="en-GB" smtClean="0"/>
+              <a:t>14</a:t>
+            </a:fld>
+            <a:endParaRPr lang="en-GB"/>
+          </a:p>
+        </p:txBody>
+      </p:sp>
+    </p:spTree>
+    <p:extLst>
+      <p:ext uri="{BB962C8B-B14F-4D97-AF65-F5344CB8AC3E}">
+        <p14:creationId xmlns:p14="http://schemas.microsoft.com/office/powerpoint/2010/main" val="540420763"/>
+      </p:ext>
+    </p:extLst>
+  </p:cSld>
+  <p:clrMapOvr>
+    <a:masterClrMapping/>
+  </p:clrMapOvr>
+</p:notes>
+</file>
+
+<file path=ppt/notesSlides/notesSlide14.xml><?xml version="1.0" encoding="utf-8"?>
+<p:notes xmlns:a="http://schemas.openxmlformats.org/drawingml/2006/main" xmlns:r="http://schemas.openxmlformats.org/officeDocument/2006/relationships" xmlns:p="http://schemas.openxmlformats.org/presentationml/2006/main">
+  <p:cSld>
+    <p:spTree>
+      <p:nvGrpSpPr>
+        <p:cNvPr id="1" name=""/>
+        <p:cNvGrpSpPr/>
+        <p:nvPr/>
+      </p:nvGrpSpPr>
+      <p:grpSpPr>
+        <a:xfrm>
+          <a:off x="0" y="0"/>
+          <a:ext cx="0" cy="0"/>
+          <a:chOff x="0" y="0"/>
+          <a:chExt cx="0" cy="0"/>
+        </a:xfrm>
+      </p:grpSpPr>
+      <p:sp>
+        <p:nvSpPr>
+          <p:cNvPr id="2" name="Slide Image Placeholder 1"/>
+          <p:cNvSpPr>
+            <a:spLocks noGrp="1" noRot="1" noChangeAspect="1"/>
+          </p:cNvSpPr>
+          <p:nvPr>
+            <p:ph type="sldImg"/>
+          </p:nvPr>
+        </p:nvSpPr>
+        <p:spPr/>
+      </p:sp>
+      <p:sp>
+        <p:nvSpPr>
+          <p:cNvPr id="3" name="Notes Placeholder 2"/>
+          <p:cNvSpPr>
+            <a:spLocks noGrp="1"/>
+          </p:cNvSpPr>
+          <p:nvPr>
+            <p:ph type="body" idx="1"/>
+          </p:nvPr>
+        </p:nvSpPr>
+        <p:spPr/>
+        <p:txBody>
+          <a:bodyPr/>
+          <a:lstStyle/>
+          <a:p>
+            <a:endParaRPr lang="en-GB" dirty="0"/>
+          </a:p>
+        </p:txBody>
+      </p:sp>
+      <p:sp>
+        <p:nvSpPr>
+          <p:cNvPr id="4" name="Slide Number Placeholder 3"/>
+          <p:cNvSpPr>
+            <a:spLocks noGrp="1"/>
+          </p:cNvSpPr>
+          <p:nvPr>
+            <p:ph type="sldNum" sz="quarter" idx="5"/>
+          </p:nvPr>
+        </p:nvSpPr>
+        <p:spPr/>
+        <p:txBody>
+          <a:bodyPr/>
+          <a:lstStyle/>
+          <a:p>
+            <a:fld id="{7204B598-E45D-4A7B-A7D5-81F06E7383AD}" type="slidenum">
+              <a:rPr lang="en-GB" smtClean="0"/>
+              <a:t>15</a:t>
+            </a:fld>
+            <a:endParaRPr lang="en-GB"/>
+          </a:p>
+        </p:txBody>
+      </p:sp>
+    </p:spTree>
+    <p:extLst>
+      <p:ext uri="{BB962C8B-B14F-4D97-AF65-F5344CB8AC3E}">
+        <p14:creationId xmlns:p14="http://schemas.microsoft.com/office/powerpoint/2010/main" val="717923723"/>
+      </p:ext>
+    </p:extLst>
+  </p:cSld>
+  <p:clrMapOvr>
+    <a:masterClrMapping/>
+  </p:clrMapOvr>
+</p:notes>
+</file>
+
 <file path=ppt/notesSlides/notesSlide2.xml><?xml version="1.0" encoding="utf-8"?>
 <p:notes xmlns:a="http://schemas.openxmlformats.org/drawingml/2006/main" xmlns:r="http://schemas.openxmlformats.org/officeDocument/2006/relationships" xmlns:p="http://schemas.openxmlformats.org/presentationml/2006/main">
   <p:cSld>
@@ -3668,7 +4108,7 @@
     </p:spTree>
     <p:extLst>
       <p:ext uri="{BB962C8B-B14F-4D97-AF65-F5344CB8AC3E}">
-        <p14:creationId xmlns:p14="http://schemas.microsoft.com/office/powerpoint/2010/main" val="2572182442"/>
+        <p14:creationId xmlns:p14="http://schemas.microsoft.com/office/powerpoint/2010/main" val="3557347841"/>
       </p:ext>
     </p:extLst>
   </p:cSld>
@@ -3743,6 +4183,90 @@
           <a:p>
             <a:fld id="{7204B598-E45D-4A7B-A7D5-81F06E7383AD}" type="slidenum">
               <a:rPr lang="en-GB" smtClean="0"/>
+              <a:t>4</a:t>
+            </a:fld>
+            <a:endParaRPr lang="en-GB"/>
+          </a:p>
+        </p:txBody>
+      </p:sp>
+    </p:spTree>
+    <p:extLst>
+      <p:ext uri="{BB962C8B-B14F-4D97-AF65-F5344CB8AC3E}">
+        <p14:creationId xmlns:p14="http://schemas.microsoft.com/office/powerpoint/2010/main" val="4258201611"/>
+      </p:ext>
+    </p:extLst>
+  </p:cSld>
+  <p:clrMapOvr>
+    <a:masterClrMapping/>
+  </p:clrMapOvr>
+</p:notes>
+</file>
+
+<file path=ppt/notesSlides/notesSlide5.xml><?xml version="1.0" encoding="utf-8"?>
+<p:notes xmlns:a="http://schemas.openxmlformats.org/drawingml/2006/main" xmlns:r="http://schemas.openxmlformats.org/officeDocument/2006/relationships" xmlns:p="http://schemas.openxmlformats.org/presentationml/2006/main">
+  <p:cSld>
+    <p:spTree>
+      <p:nvGrpSpPr>
+        <p:cNvPr id="1" name=""/>
+        <p:cNvGrpSpPr/>
+        <p:nvPr/>
+      </p:nvGrpSpPr>
+      <p:grpSpPr>
+        <a:xfrm>
+          <a:off x="0" y="0"/>
+          <a:ext cx="0" cy="0"/>
+          <a:chOff x="0" y="0"/>
+          <a:chExt cx="0" cy="0"/>
+        </a:xfrm>
+      </p:grpSpPr>
+      <p:sp>
+        <p:nvSpPr>
+          <p:cNvPr id="2" name="Slide Image Placeholder 1"/>
+          <p:cNvSpPr>
+            <a:spLocks noGrp="1" noRot="1" noChangeAspect="1"/>
+          </p:cNvSpPr>
+          <p:nvPr>
+            <p:ph type="sldImg"/>
+          </p:nvPr>
+        </p:nvSpPr>
+        <p:spPr/>
+      </p:sp>
+      <p:sp>
+        <p:nvSpPr>
+          <p:cNvPr id="3" name="Notes Placeholder 2"/>
+          <p:cNvSpPr>
+            <a:spLocks noGrp="1"/>
+          </p:cNvSpPr>
+          <p:nvPr>
+            <p:ph type="body" idx="1"/>
+          </p:nvPr>
+        </p:nvSpPr>
+        <p:spPr/>
+        <p:txBody>
+          <a:bodyPr/>
+          <a:lstStyle/>
+          <a:p>
+            <a:endParaRPr lang="en-GB" dirty="0"/>
+          </a:p>
+        </p:txBody>
+      </p:sp>
+      <p:sp>
+        <p:nvSpPr>
+          <p:cNvPr id="4" name="Slide Number Placeholder 3"/>
+          <p:cNvSpPr>
+            <a:spLocks noGrp="1"/>
+          </p:cNvSpPr>
+          <p:nvPr>
+            <p:ph type="sldNum" sz="quarter" idx="5"/>
+          </p:nvPr>
+        </p:nvSpPr>
+        <p:spPr/>
+        <p:txBody>
+          <a:bodyPr/>
+          <a:lstStyle/>
+          <a:p>
+            <a:fld id="{7204B598-E45D-4A7B-A7D5-81F06E7383AD}" type="slidenum">
+              <a:rPr lang="en-GB" smtClean="0"/>
               <a:t>5</a:t>
             </a:fld>
             <a:endParaRPr lang="en-GB"/>
@@ -3752,7 +4276,343 @@
     </p:spTree>
     <p:extLst>
       <p:ext uri="{BB962C8B-B14F-4D97-AF65-F5344CB8AC3E}">
-        <p14:creationId xmlns:p14="http://schemas.microsoft.com/office/powerpoint/2010/main" val="717923723"/>
+        <p14:creationId xmlns:p14="http://schemas.microsoft.com/office/powerpoint/2010/main" val="2526285729"/>
+      </p:ext>
+    </p:extLst>
+  </p:cSld>
+  <p:clrMapOvr>
+    <a:masterClrMapping/>
+  </p:clrMapOvr>
+</p:notes>
+</file>
+
+<file path=ppt/notesSlides/notesSlide6.xml><?xml version="1.0" encoding="utf-8"?>
+<p:notes xmlns:a="http://schemas.openxmlformats.org/drawingml/2006/main" xmlns:r="http://schemas.openxmlformats.org/officeDocument/2006/relationships" xmlns:p="http://schemas.openxmlformats.org/presentationml/2006/main">
+  <p:cSld>
+    <p:spTree>
+      <p:nvGrpSpPr>
+        <p:cNvPr id="1" name=""/>
+        <p:cNvGrpSpPr/>
+        <p:nvPr/>
+      </p:nvGrpSpPr>
+      <p:grpSpPr>
+        <a:xfrm>
+          <a:off x="0" y="0"/>
+          <a:ext cx="0" cy="0"/>
+          <a:chOff x="0" y="0"/>
+          <a:chExt cx="0" cy="0"/>
+        </a:xfrm>
+      </p:grpSpPr>
+      <p:sp>
+        <p:nvSpPr>
+          <p:cNvPr id="2" name="Slide Image Placeholder 1"/>
+          <p:cNvSpPr>
+            <a:spLocks noGrp="1" noRot="1" noChangeAspect="1"/>
+          </p:cNvSpPr>
+          <p:nvPr>
+            <p:ph type="sldImg"/>
+          </p:nvPr>
+        </p:nvSpPr>
+        <p:spPr/>
+      </p:sp>
+      <p:sp>
+        <p:nvSpPr>
+          <p:cNvPr id="3" name="Notes Placeholder 2"/>
+          <p:cNvSpPr>
+            <a:spLocks noGrp="1"/>
+          </p:cNvSpPr>
+          <p:nvPr>
+            <p:ph type="body" idx="1"/>
+          </p:nvPr>
+        </p:nvSpPr>
+        <p:spPr/>
+        <p:txBody>
+          <a:bodyPr/>
+          <a:lstStyle/>
+          <a:p>
+            <a:endParaRPr lang="en-GB" dirty="0"/>
+          </a:p>
+        </p:txBody>
+      </p:sp>
+      <p:sp>
+        <p:nvSpPr>
+          <p:cNvPr id="4" name="Slide Number Placeholder 3"/>
+          <p:cNvSpPr>
+            <a:spLocks noGrp="1"/>
+          </p:cNvSpPr>
+          <p:nvPr>
+            <p:ph type="sldNum" sz="quarter" idx="5"/>
+          </p:nvPr>
+        </p:nvSpPr>
+        <p:spPr/>
+        <p:txBody>
+          <a:bodyPr/>
+          <a:lstStyle/>
+          <a:p>
+            <a:fld id="{7204B598-E45D-4A7B-A7D5-81F06E7383AD}" type="slidenum">
+              <a:rPr lang="en-GB" smtClean="0"/>
+              <a:t>6</a:t>
+            </a:fld>
+            <a:endParaRPr lang="en-GB"/>
+          </a:p>
+        </p:txBody>
+      </p:sp>
+    </p:spTree>
+    <p:extLst>
+      <p:ext uri="{BB962C8B-B14F-4D97-AF65-F5344CB8AC3E}">
+        <p14:creationId xmlns:p14="http://schemas.microsoft.com/office/powerpoint/2010/main" val="1370512925"/>
+      </p:ext>
+    </p:extLst>
+  </p:cSld>
+  <p:clrMapOvr>
+    <a:masterClrMapping/>
+  </p:clrMapOvr>
+</p:notes>
+</file>
+
+<file path=ppt/notesSlides/notesSlide7.xml><?xml version="1.0" encoding="utf-8"?>
+<p:notes xmlns:a="http://schemas.openxmlformats.org/drawingml/2006/main" xmlns:r="http://schemas.openxmlformats.org/officeDocument/2006/relationships" xmlns:p="http://schemas.openxmlformats.org/presentationml/2006/main">
+  <p:cSld>
+    <p:spTree>
+      <p:nvGrpSpPr>
+        <p:cNvPr id="1" name=""/>
+        <p:cNvGrpSpPr/>
+        <p:nvPr/>
+      </p:nvGrpSpPr>
+      <p:grpSpPr>
+        <a:xfrm>
+          <a:off x="0" y="0"/>
+          <a:ext cx="0" cy="0"/>
+          <a:chOff x="0" y="0"/>
+          <a:chExt cx="0" cy="0"/>
+        </a:xfrm>
+      </p:grpSpPr>
+      <p:sp>
+        <p:nvSpPr>
+          <p:cNvPr id="2" name="Slide Image Placeholder 1"/>
+          <p:cNvSpPr>
+            <a:spLocks noGrp="1" noRot="1" noChangeAspect="1"/>
+          </p:cNvSpPr>
+          <p:nvPr>
+            <p:ph type="sldImg"/>
+          </p:nvPr>
+        </p:nvSpPr>
+        <p:spPr/>
+      </p:sp>
+      <p:sp>
+        <p:nvSpPr>
+          <p:cNvPr id="3" name="Notes Placeholder 2"/>
+          <p:cNvSpPr>
+            <a:spLocks noGrp="1"/>
+          </p:cNvSpPr>
+          <p:nvPr>
+            <p:ph type="body" idx="1"/>
+          </p:nvPr>
+        </p:nvSpPr>
+        <p:spPr/>
+        <p:txBody>
+          <a:bodyPr/>
+          <a:lstStyle/>
+          <a:p>
+            <a:endParaRPr lang="en-GB" dirty="0"/>
+          </a:p>
+        </p:txBody>
+      </p:sp>
+      <p:sp>
+        <p:nvSpPr>
+          <p:cNvPr id="4" name="Slide Number Placeholder 3"/>
+          <p:cNvSpPr>
+            <a:spLocks noGrp="1"/>
+          </p:cNvSpPr>
+          <p:nvPr>
+            <p:ph type="sldNum" sz="quarter" idx="5"/>
+          </p:nvPr>
+        </p:nvSpPr>
+        <p:spPr/>
+        <p:txBody>
+          <a:bodyPr/>
+          <a:lstStyle/>
+          <a:p>
+            <a:fld id="{7204B598-E45D-4A7B-A7D5-81F06E7383AD}" type="slidenum">
+              <a:rPr lang="en-GB" smtClean="0"/>
+              <a:t>7</a:t>
+            </a:fld>
+            <a:endParaRPr lang="en-GB"/>
+          </a:p>
+        </p:txBody>
+      </p:sp>
+    </p:spTree>
+    <p:extLst>
+      <p:ext uri="{BB962C8B-B14F-4D97-AF65-F5344CB8AC3E}">
+        <p14:creationId xmlns:p14="http://schemas.microsoft.com/office/powerpoint/2010/main" val="2474374759"/>
+      </p:ext>
+    </p:extLst>
+  </p:cSld>
+  <p:clrMapOvr>
+    <a:masterClrMapping/>
+  </p:clrMapOvr>
+</p:notes>
+</file>
+
+<file path=ppt/notesSlides/notesSlide8.xml><?xml version="1.0" encoding="utf-8"?>
+<p:notes xmlns:a="http://schemas.openxmlformats.org/drawingml/2006/main" xmlns:r="http://schemas.openxmlformats.org/officeDocument/2006/relationships" xmlns:p="http://schemas.openxmlformats.org/presentationml/2006/main">
+  <p:cSld>
+    <p:spTree>
+      <p:nvGrpSpPr>
+        <p:cNvPr id="1" name=""/>
+        <p:cNvGrpSpPr/>
+        <p:nvPr/>
+      </p:nvGrpSpPr>
+      <p:grpSpPr>
+        <a:xfrm>
+          <a:off x="0" y="0"/>
+          <a:ext cx="0" cy="0"/>
+          <a:chOff x="0" y="0"/>
+          <a:chExt cx="0" cy="0"/>
+        </a:xfrm>
+      </p:grpSpPr>
+      <p:sp>
+        <p:nvSpPr>
+          <p:cNvPr id="2" name="Slide Image Placeholder 1"/>
+          <p:cNvSpPr>
+            <a:spLocks noGrp="1" noRot="1" noChangeAspect="1"/>
+          </p:cNvSpPr>
+          <p:nvPr>
+            <p:ph type="sldImg"/>
+          </p:nvPr>
+        </p:nvSpPr>
+        <p:spPr/>
+      </p:sp>
+      <p:sp>
+        <p:nvSpPr>
+          <p:cNvPr id="3" name="Notes Placeholder 2"/>
+          <p:cNvSpPr>
+            <a:spLocks noGrp="1"/>
+          </p:cNvSpPr>
+          <p:nvPr>
+            <p:ph type="body" idx="1"/>
+          </p:nvPr>
+        </p:nvSpPr>
+        <p:spPr/>
+        <p:txBody>
+          <a:bodyPr/>
+          <a:lstStyle/>
+          <a:p>
+            <a:endParaRPr lang="en-GB" dirty="0"/>
+          </a:p>
+        </p:txBody>
+      </p:sp>
+      <p:sp>
+        <p:nvSpPr>
+          <p:cNvPr id="4" name="Slide Number Placeholder 3"/>
+          <p:cNvSpPr>
+            <a:spLocks noGrp="1"/>
+          </p:cNvSpPr>
+          <p:nvPr>
+            <p:ph type="sldNum" sz="quarter" idx="5"/>
+          </p:nvPr>
+        </p:nvSpPr>
+        <p:spPr/>
+        <p:txBody>
+          <a:bodyPr/>
+          <a:lstStyle/>
+          <a:p>
+            <a:fld id="{7204B598-E45D-4A7B-A7D5-81F06E7383AD}" type="slidenum">
+              <a:rPr lang="en-GB" smtClean="0"/>
+              <a:t>8</a:t>
+            </a:fld>
+            <a:endParaRPr lang="en-GB"/>
+          </a:p>
+        </p:txBody>
+      </p:sp>
+    </p:spTree>
+    <p:extLst>
+      <p:ext uri="{BB962C8B-B14F-4D97-AF65-F5344CB8AC3E}">
+        <p14:creationId xmlns:p14="http://schemas.microsoft.com/office/powerpoint/2010/main" val="430129750"/>
+      </p:ext>
+    </p:extLst>
+  </p:cSld>
+  <p:clrMapOvr>
+    <a:masterClrMapping/>
+  </p:clrMapOvr>
+</p:notes>
+</file>
+
+<file path=ppt/notesSlides/notesSlide9.xml><?xml version="1.0" encoding="utf-8"?>
+<p:notes xmlns:a="http://schemas.openxmlformats.org/drawingml/2006/main" xmlns:r="http://schemas.openxmlformats.org/officeDocument/2006/relationships" xmlns:p="http://schemas.openxmlformats.org/presentationml/2006/main">
+  <p:cSld>
+    <p:spTree>
+      <p:nvGrpSpPr>
+        <p:cNvPr id="1" name=""/>
+        <p:cNvGrpSpPr/>
+        <p:nvPr/>
+      </p:nvGrpSpPr>
+      <p:grpSpPr>
+        <a:xfrm>
+          <a:off x="0" y="0"/>
+          <a:ext cx="0" cy="0"/>
+          <a:chOff x="0" y="0"/>
+          <a:chExt cx="0" cy="0"/>
+        </a:xfrm>
+      </p:grpSpPr>
+      <p:sp>
+        <p:nvSpPr>
+          <p:cNvPr id="2" name="Slide Image Placeholder 1"/>
+          <p:cNvSpPr>
+            <a:spLocks noGrp="1" noRot="1" noChangeAspect="1"/>
+          </p:cNvSpPr>
+          <p:nvPr>
+            <p:ph type="sldImg"/>
+          </p:nvPr>
+        </p:nvSpPr>
+        <p:spPr/>
+      </p:sp>
+      <p:sp>
+        <p:nvSpPr>
+          <p:cNvPr id="3" name="Notes Placeholder 2"/>
+          <p:cNvSpPr>
+            <a:spLocks noGrp="1"/>
+          </p:cNvSpPr>
+          <p:nvPr>
+            <p:ph type="body" idx="1"/>
+          </p:nvPr>
+        </p:nvSpPr>
+        <p:spPr/>
+        <p:txBody>
+          <a:bodyPr/>
+          <a:lstStyle/>
+          <a:p>
+            <a:endParaRPr lang="en-GB" dirty="0"/>
+          </a:p>
+        </p:txBody>
+      </p:sp>
+      <p:sp>
+        <p:nvSpPr>
+          <p:cNvPr id="4" name="Slide Number Placeholder 3"/>
+          <p:cNvSpPr>
+            <a:spLocks noGrp="1"/>
+          </p:cNvSpPr>
+          <p:nvPr>
+            <p:ph type="sldNum" sz="quarter" idx="5"/>
+          </p:nvPr>
+        </p:nvSpPr>
+        <p:spPr/>
+        <p:txBody>
+          <a:bodyPr/>
+          <a:lstStyle/>
+          <a:p>
+            <a:fld id="{7204B598-E45D-4A7B-A7D5-81F06E7383AD}" type="slidenum">
+              <a:rPr lang="en-GB" smtClean="0"/>
+              <a:t>9</a:t>
+            </a:fld>
+            <a:endParaRPr lang="en-GB"/>
+          </a:p>
+        </p:txBody>
+      </p:sp>
+    </p:spTree>
+    <p:extLst>
+      <p:ext uri="{BB962C8B-B14F-4D97-AF65-F5344CB8AC3E}">
+        <p14:creationId xmlns:p14="http://schemas.microsoft.com/office/powerpoint/2010/main" val="4193168441"/>
       </p:ext>
     </p:extLst>
   </p:cSld>
@@ -4063,7 +4923,7 @@
           <a:p>
             <a:fld id="{C47C3808-D0E5-4D15-A9FF-8BA6ECFFB88B}" type="datetimeFigureOut">
               <a:rPr lang="en-GB" smtClean="0"/>
-              <a:t>04/11/2021</a:t>
+              <a:t>09/11/2021</a:t>
             </a:fld>
             <a:endParaRPr lang="en-GB"/>
           </a:p>
@@ -4283,7 +5143,7 @@
           <a:p>
             <a:fld id="{C47C3808-D0E5-4D15-A9FF-8BA6ECFFB88B}" type="datetimeFigureOut">
               <a:rPr lang="en-GB" smtClean="0"/>
-              <a:t>04/11/2021</a:t>
+              <a:t>09/11/2021</a:t>
             </a:fld>
             <a:endParaRPr lang="en-GB"/>
           </a:p>
@@ -4579,7 +5439,7 @@
           <a:p>
             <a:fld id="{C47C3808-D0E5-4D15-A9FF-8BA6ECFFB88B}" type="datetimeFigureOut">
               <a:rPr lang="en-GB" smtClean="0"/>
-              <a:t>04/11/2021</a:t>
+              <a:t>09/11/2021</a:t>
             </a:fld>
             <a:endParaRPr lang="en-GB"/>
           </a:p>
@@ -4887,7 +5747,7 @@
           <a:p>
             <a:fld id="{C47C3808-D0E5-4D15-A9FF-8BA6ECFFB88B}" type="datetimeFigureOut">
               <a:rPr lang="en-GB" smtClean="0"/>
-              <a:t>04/11/2021</a:t>
+              <a:t>09/11/2021</a:t>
             </a:fld>
             <a:endParaRPr lang="en-GB"/>
           </a:p>
@@ -5029,7 +5889,7 @@
           <a:p>
             <a:fld id="{C47C3808-D0E5-4D15-A9FF-8BA6ECFFB88B}" type="datetimeFigureOut">
               <a:rPr lang="en-GB" smtClean="0"/>
-              <a:t>04/11/2021</a:t>
+              <a:t>09/11/2021</a:t>
             </a:fld>
             <a:endParaRPr lang="en-GB"/>
           </a:p>
@@ -5342,7 +6202,7 @@
           <a:p>
             <a:fld id="{C47C3808-D0E5-4D15-A9FF-8BA6ECFFB88B}" type="datetimeFigureOut">
               <a:rPr lang="en-GB" smtClean="0"/>
-              <a:t>04/11/2021</a:t>
+              <a:t>09/11/2021</a:t>
             </a:fld>
             <a:endParaRPr lang="en-GB"/>
           </a:p>
@@ -5610,7 +6470,7 @@
           <a:p>
             <a:fld id="{C47C3808-D0E5-4D15-A9FF-8BA6ECFFB88B}" type="datetimeFigureOut">
               <a:rPr lang="en-GB" smtClean="0"/>
-              <a:t>04/11/2021</a:t>
+              <a:t>09/11/2021</a:t>
             </a:fld>
             <a:endParaRPr lang="en-GB"/>
           </a:p>
@@ -5814,7 +6674,7 @@
             <a:fld id="{C47C3808-D0E5-4D15-A9FF-8BA6ECFFB88B}" type="datetimeFigureOut">
               <a:rPr lang="en-GB" smtClean="0"/>
               <a:pPr/>
-              <a:t>04/11/2021</a:t>
+              <a:t>09/11/2021</a:t>
             </a:fld>
             <a:endParaRPr lang="en-GB" dirty="0"/>
           </a:p>
@@ -6303,8 +7163,8 @@
         </p:nvSpPr>
         <p:spPr>
           <a:xfrm>
-            <a:off x="0" y="6443710"/>
-            <a:ext cx="9144000" cy="414290"/>
+            <a:off x="0" y="6326231"/>
+            <a:ext cx="9144000" cy="531769"/>
           </a:xfrm>
           <a:prstGeom prst="rect">
             <a:avLst/>
@@ -6353,12 +7213,12 @@
         </p:nvSpPr>
         <p:spPr>
           <a:xfrm>
-            <a:off x="1581902" y="6454046"/>
-            <a:ext cx="5980195" cy="531769"/>
+            <a:off x="1581902" y="6326232"/>
+            <a:ext cx="5980195" cy="531768"/>
           </a:xfrm>
         </p:spPr>
         <p:txBody>
-          <a:bodyPr>
+          <a:bodyPr tIns="0" bIns="0" anchor="ctr" anchorCtr="0">
             <a:normAutofit/>
           </a:bodyPr>
           <a:lstStyle/>
@@ -6371,7 +7231,25 @@
                 </a:solidFill>
                 <a:latin typeface="Alegreya Sans" panose="00000500000000000000" pitchFamily="2" charset="0"/>
               </a:rPr>
-              <a:t>Kata Benedek  </a:t>
+              <a:t>Kata </a:t>
+            </a:r>
+            <a:r>
+              <a:rPr lang="en-GB" sz="2000" dirty="0" err="1">
+                <a:solidFill>
+                  <a:schemeClr val="bg1"/>
+                </a:solidFill>
+                <a:latin typeface="Alegreya Sans" panose="00000500000000000000" pitchFamily="2" charset="0"/>
+              </a:rPr>
+              <a:t>Benedek</a:t>
+            </a:r>
+            <a:r>
+              <a:rPr lang="en-GB" sz="2000" dirty="0">
+                <a:solidFill>
+                  <a:schemeClr val="bg1"/>
+                </a:solidFill>
+                <a:latin typeface="Alegreya Sans" panose="00000500000000000000" pitchFamily="2" charset="0"/>
+              </a:rPr>
+              <a:t>  </a:t>
             </a:r>
             <a:r>
               <a:rPr lang="en-GB" sz="2000" b="1" dirty="0">
@@ -6436,9 +7314,6 @@
               </a:rPr>
               <a:t>Lewis Russell </a:t>
             </a:r>
-          </a:p>
-          <a:p>
-            <a:endParaRPr lang="en-GB" sz="2000" dirty="0"/>
           </a:p>
         </p:txBody>
       </p:sp>
@@ -6558,13 +7433,22 @@
   <p:clrMapOvr>
     <a:masterClrMapping/>
   </p:clrMapOvr>
-  <p:transition spd="slow">
-    <p:comb/>
-  </p:transition>
+  <mc:AlternateContent xmlns:mc="http://schemas.openxmlformats.org/markup-compatibility/2006">
+    <mc:Choice xmlns:p14="http://schemas.microsoft.com/office/powerpoint/2010/main" Requires="p14">
+      <p:transition spd="slow" p14:dur="1300">
+        <p14:reveal/>
+      </p:transition>
+    </mc:Choice>
+    <mc:Fallback>
+      <p:transition spd="slow">
+        <p:fade/>
+      </p:transition>
+    </mc:Fallback>
+  </mc:AlternateContent>
 </p:sld>
 </file>
 
-<file path=ppt/slides/slide2.xml><?xml version="1.0" encoding="utf-8"?>
+<file path=ppt/slides/slide10.xml><?xml version="1.0" encoding="utf-8"?>
 <p:sld xmlns:a="http://schemas.openxmlformats.org/drawingml/2006/main" xmlns:r="http://schemas.openxmlformats.org/officeDocument/2006/relationships" xmlns:p="http://schemas.openxmlformats.org/presentationml/2006/main">
   <p:cSld>
     <p:spTree>
@@ -6581,6 +7465,58 @@
           <a:chExt cx="0" cy="0"/>
         </a:xfrm>
       </p:grpSpPr>
+      <p:sp>
+        <p:nvSpPr>
+          <p:cNvPr id="10" name="Rectangle 9">
+            <a:extLst>
+              <a:ext uri="{FF2B5EF4-FFF2-40B4-BE49-F238E27FC236}">
+                <a16:creationId xmlns:a16="http://schemas.microsoft.com/office/drawing/2014/main" id="{FB81B96C-2B02-476F-A472-51925FF800F5}"/>
+              </a:ext>
+            </a:extLst>
+          </p:cNvPr>
+          <p:cNvSpPr/>
+          <p:nvPr/>
+        </p:nvSpPr>
+        <p:spPr>
+          <a:xfrm>
+            <a:off x="0" y="6326231"/>
+            <a:ext cx="9144000" cy="531769"/>
+          </a:xfrm>
+          <a:prstGeom prst="rect">
+            <a:avLst/>
+          </a:prstGeom>
+          <a:solidFill>
+            <a:srgbClr val="5D9732"/>
+          </a:solidFill>
+          <a:ln>
+            <a:noFill/>
+          </a:ln>
+        </p:spPr>
+        <p:style>
+          <a:lnRef idx="2">
+            <a:schemeClr val="accent1">
+              <a:shade val="50000"/>
+            </a:schemeClr>
+          </a:lnRef>
+          <a:fillRef idx="1">
+            <a:schemeClr val="accent1"/>
+          </a:fillRef>
+          <a:effectRef idx="0">
+            <a:schemeClr val="accent1"/>
+          </a:effectRef>
+          <a:fontRef idx="minor">
+            <a:schemeClr val="lt1"/>
+          </a:fontRef>
+        </p:style>
+        <p:txBody>
+          <a:bodyPr rtlCol="0" anchor="ctr"/>
+          <a:lstStyle/>
+          <a:p>
+            <a:pPr algn="ctr"/>
+            <a:endParaRPr lang="en-GB"/>
+          </a:p>
+        </p:txBody>
+      </p:sp>
       <p:sp>
         <p:nvSpPr>
           <p:cNvPr id="9" name="Rectangle 8">
@@ -6660,60 +7596,8 @@
                 <a:latin typeface="Alegreya Sans" panose="00000500000000000000" pitchFamily="2" charset="0"/>
                 <a:ea typeface="Malgun Gothic" panose="020B0503020000020004" pitchFamily="34" charset="-127"/>
               </a:rPr>
-              <a:t>What does this mean?</a:t>
-            </a:r>
-          </a:p>
-        </p:txBody>
-      </p:sp>
-      <p:sp>
-        <p:nvSpPr>
-          <p:cNvPr id="5" name="Rectangle 4">
-            <a:extLst>
-              <a:ext uri="{FF2B5EF4-FFF2-40B4-BE49-F238E27FC236}">
-                <a16:creationId xmlns:a16="http://schemas.microsoft.com/office/drawing/2014/main" id="{D84E8369-9490-41D6-ADEB-ACEA707279C7}"/>
-              </a:ext>
-            </a:extLst>
-          </p:cNvPr>
-          <p:cNvSpPr/>
-          <p:nvPr/>
-        </p:nvSpPr>
-        <p:spPr>
-          <a:xfrm>
-            <a:off x="0" y="6443710"/>
-            <a:ext cx="9144000" cy="414290"/>
-          </a:xfrm>
-          <a:prstGeom prst="rect">
-            <a:avLst/>
-          </a:prstGeom>
-          <a:solidFill>
-            <a:srgbClr val="5D9732"/>
-          </a:solidFill>
-          <a:ln>
-            <a:noFill/>
-          </a:ln>
-        </p:spPr>
-        <p:style>
-          <a:lnRef idx="2">
-            <a:schemeClr val="accent1">
-              <a:shade val="50000"/>
-            </a:schemeClr>
-          </a:lnRef>
-          <a:fillRef idx="1">
-            <a:schemeClr val="accent1"/>
-          </a:fillRef>
-          <a:effectRef idx="0">
-            <a:schemeClr val="accent1"/>
-          </a:effectRef>
-          <a:fontRef idx="minor">
-            <a:schemeClr val="lt1"/>
-          </a:fontRef>
-        </p:style>
-        <p:txBody>
-          <a:bodyPr rtlCol="0" anchor="ctr"/>
-          <a:lstStyle/>
-          <a:p>
-            <a:pPr algn="ctr"/>
-            <a:endParaRPr lang="en-GB"/>
+              <a:t>Finance</a:t>
+            </a:r>
           </a:p>
         </p:txBody>
       </p:sp>
@@ -6785,7 +7669,7 @@
         <p:spPr>
           <a:xfrm>
             <a:off x="432048" y="1484784"/>
-            <a:ext cx="2627784" cy="461665"/>
+            <a:ext cx="6732240" cy="1938992"/>
           </a:xfrm>
           <a:prstGeom prst="rect">
             <a:avLst/>
@@ -6810,95 +7694,215 @@
                 <a:latin typeface="Alegreya Sans" panose="00000500000000000000" pitchFamily="2" charset="0"/>
                 <a:ea typeface="Malgun Gothic" panose="020B0503020000020004" pitchFamily="34" charset="-127"/>
               </a:rPr>
-              <a:t>Joule Expansion?</a:t>
-            </a:r>
-            <a:endParaRPr lang="en-GB" sz="2800" dirty="0">
-              <a:latin typeface="Alegreya Sans" panose="00000500000000000000" pitchFamily="2" charset="0"/>
-              <a:ea typeface="Malgun Gothic" panose="020B0503020000020004" pitchFamily="34" charset="-127"/>
-            </a:endParaRPr>
-          </a:p>
-        </p:txBody>
-      </p:sp>
-      <p:sp>
-        <p:nvSpPr>
-          <p:cNvPr id="13" name="TextBox 12">
-            <a:extLst>
-              <a:ext uri="{FF2B5EF4-FFF2-40B4-BE49-F238E27FC236}">
-                <a16:creationId xmlns:a16="http://schemas.microsoft.com/office/drawing/2014/main" id="{D281734B-02E6-4BB7-AEE4-00806DDD4240}"/>
-              </a:ext>
-            </a:extLst>
-          </p:cNvPr>
-          <p:cNvSpPr txBox="1"/>
-          <p:nvPr/>
-        </p:nvSpPr>
-        <p:spPr>
-          <a:xfrm>
-            <a:off x="432048" y="3429000"/>
-            <a:ext cx="5076056" cy="830997"/>
-          </a:xfrm>
-          <a:prstGeom prst="rect">
-            <a:avLst/>
-          </a:prstGeom>
-          <a:noFill/>
-        </p:spPr>
-        <p:txBody>
-          <a:bodyPr wrap="square" rtlCol="0">
-            <a:spAutoFit/>
-          </a:bodyPr>
-          <a:lstStyle/>
-          <a:p>
-            <a:pPr marL="285750" indent="-285750">
+              <a:t>$$$$</a:t>
+            </a:r>
+            <a:r>
+              <a:rPr lang="en-GB" sz="2400" dirty="0">
+                <a:solidFill>
+                  <a:srgbClr val="5D9732"/>
+                </a:solidFill>
+                <a:latin typeface="Alegreya Sans" panose="00000500000000000000" pitchFamily="2" charset="0"/>
+                <a:ea typeface="Malgun Gothic" panose="020B0503020000020004" pitchFamily="34" charset="-127"/>
+              </a:rPr>
+              <a:t>…</a:t>
+            </a:r>
+          </a:p>
+          <a:p>
+            <a:pPr marL="1200150" lvl="2" indent="-285750">
               <a:buClr>
                 <a:srgbClr val="5D9732"/>
               </a:buClr>
               <a:buFont typeface="Wingdings" panose="05000000000000000000" pitchFamily="2" charset="2"/>
               <a:buChar char="Ø"/>
             </a:pPr>
-            <a:r>
-              <a:rPr lang="en-GB" sz="2400" dirty="0">
-                <a:latin typeface="Alegreya Sans" panose="00000500000000000000" pitchFamily="2" charset="0"/>
-                <a:ea typeface="Malgun Gothic" panose="020B0503020000020004" pitchFamily="34" charset="-127"/>
-              </a:rPr>
-              <a:t>Multicell Atomic Quantum Memory (MAQM, aka </a:t>
-            </a:r>
-            <a:r>
-              <a:rPr lang="en-GB" sz="2400" dirty="0" err="1">
-                <a:latin typeface="Alegreya Sans" panose="00000500000000000000" pitchFamily="2" charset="0"/>
-                <a:ea typeface="Malgun Gothic" panose="020B0503020000020004" pitchFamily="34" charset="-127"/>
-              </a:rPr>
-              <a:t>qRAM</a:t>
-            </a:r>
-            <a:r>
-              <a:rPr lang="en-GB" sz="2400" dirty="0">
-                <a:latin typeface="Alegreya Sans" panose="00000500000000000000" pitchFamily="2" charset="0"/>
-                <a:ea typeface="Malgun Gothic" panose="020B0503020000020004" pitchFamily="34" charset="-127"/>
-              </a:rPr>
-              <a:t>)?</a:t>
-            </a:r>
-            <a:endParaRPr lang="en-GB" sz="2800" dirty="0">
+            <a:endParaRPr lang="en-GB" sz="2400" dirty="0">
               <a:latin typeface="Alegreya Sans" panose="00000500000000000000" pitchFamily="2" charset="0"/>
               <a:ea typeface="Malgun Gothic" panose="020B0503020000020004" pitchFamily="34" charset="-127"/>
             </a:endParaRPr>
           </a:p>
+          <a:p>
+            <a:pPr marL="1200150" lvl="2" indent="-285750">
+              <a:buClr>
+                <a:srgbClr val="5D9732"/>
+              </a:buClr>
+              <a:buFont typeface="Wingdings" panose="05000000000000000000" pitchFamily="2" charset="2"/>
+              <a:buChar char="Ø"/>
+            </a:pPr>
+            <a:endParaRPr lang="en-GB" sz="2400" dirty="0">
+              <a:latin typeface="Alegreya Sans" panose="00000500000000000000" pitchFamily="2" charset="0"/>
+              <a:ea typeface="Malgun Gothic" panose="020B0503020000020004" pitchFamily="34" charset="-127"/>
+            </a:endParaRPr>
+          </a:p>
+          <a:p>
+            <a:pPr marL="1200150" lvl="2" indent="-285750">
+              <a:buClr>
+                <a:srgbClr val="5D9732"/>
+              </a:buClr>
+              <a:buFont typeface="Wingdings" panose="05000000000000000000" pitchFamily="2" charset="2"/>
+              <a:buChar char="Ø"/>
+            </a:pPr>
+            <a:endParaRPr lang="en-GB" sz="2400" dirty="0">
+              <a:latin typeface="Alegreya Sans" panose="00000500000000000000" pitchFamily="2" charset="0"/>
+              <a:ea typeface="Malgun Gothic" panose="020B0503020000020004" pitchFamily="34" charset="-127"/>
+            </a:endParaRPr>
+          </a:p>
+          <a:p>
+            <a:pPr marL="1200150" lvl="2" indent="-285750">
+              <a:buClr>
+                <a:srgbClr val="5D9732"/>
+              </a:buClr>
+              <a:buFont typeface="Wingdings" panose="05000000000000000000" pitchFamily="2" charset="2"/>
+              <a:buChar char="Ø"/>
+            </a:pPr>
+            <a:endParaRPr lang="en-GB" sz="2400" dirty="0">
+              <a:latin typeface="Alegreya Sans" panose="00000500000000000000" pitchFamily="2" charset="0"/>
+              <a:ea typeface="Malgun Gothic" panose="020B0503020000020004" pitchFamily="34" charset="-127"/>
+            </a:endParaRPr>
+          </a:p>
+        </p:txBody>
+      </p:sp>
+      <p:sp>
+        <p:nvSpPr>
+          <p:cNvPr id="8" name="Subtitle 2">
+            <a:extLst>
+              <a:ext uri="{FF2B5EF4-FFF2-40B4-BE49-F238E27FC236}">
+                <a16:creationId xmlns:a16="http://schemas.microsoft.com/office/drawing/2014/main" id="{E51E2B93-3696-471D-94EB-612CA436A13C}"/>
+              </a:ext>
+            </a:extLst>
+          </p:cNvPr>
+          <p:cNvSpPr>
+            <a:spLocks noGrp="1"/>
+          </p:cNvSpPr>
+          <p:nvPr>
+            <p:ph type="subTitle" idx="1"/>
+          </p:nvPr>
+        </p:nvSpPr>
+        <p:spPr>
+          <a:xfrm>
+            <a:off x="1096731" y="6326231"/>
+            <a:ext cx="6950537" cy="531769"/>
+          </a:xfrm>
+        </p:spPr>
+        <p:txBody>
+          <a:bodyPr tIns="90000" anchor="ctr" anchorCtr="0">
+            <a:normAutofit fontScale="85000" lnSpcReduction="10000"/>
+          </a:bodyPr>
+          <a:lstStyle/>
+          <a:p>
+            <a:pPr algn="ctr"/>
+            <a:r>
+              <a:rPr lang="en-GB" sz="2000" dirty="0">
+                <a:solidFill>
+                  <a:schemeClr val="bg1"/>
+                </a:solidFill>
+                <a:latin typeface="Alegreya Sans" panose="00000500000000000000" pitchFamily="2" charset="0"/>
+              </a:rPr>
+              <a:t>MITIGATING JOULE EXPANSION IN MULTICELL ATOMIC QUANTUM MEMORY</a:t>
+            </a:r>
+          </a:p>
         </p:txBody>
       </p:sp>
     </p:spTree>
     <p:extLst>
       <p:ext uri="{BB962C8B-B14F-4D97-AF65-F5344CB8AC3E}">
-        <p14:creationId xmlns:p14="http://schemas.microsoft.com/office/powerpoint/2010/main" val="3759654096"/>
+        <p14:creationId xmlns:p14="http://schemas.microsoft.com/office/powerpoint/2010/main" val="3442103442"/>
       </p:ext>
     </p:extLst>
   </p:cSld>
   <p:clrMapOvr>
     <a:masterClrMapping/>
   </p:clrMapOvr>
-  <p:transition spd="slow">
-    <p:comb/>
-  </p:transition>
+  <mc:AlternateContent xmlns:mc="http://schemas.openxmlformats.org/markup-compatibility/2006">
+    <mc:Choice xmlns:p14="http://schemas.microsoft.com/office/powerpoint/2010/main" Requires="p14">
+      <p:transition p14:dur="10"/>
+    </mc:Choice>
+    <mc:Fallback>
+      <p:transition/>
+    </mc:Fallback>
+  </mc:AlternateContent>
+  <p:timing>
+    <p:tnLst>
+      <p:par>
+        <p:cTn id="1" dur="indefinite" restart="never" nodeType="tmRoot">
+          <p:childTnLst>
+            <p:seq concurrent="1" nextAc="seek">
+              <p:cTn id="2" dur="indefinite" nodeType="mainSeq">
+                <p:childTnLst>
+                  <p:par>
+                    <p:cTn id="3" fill="hold">
+                      <p:stCondLst>
+                        <p:cond delay="indefinite"/>
+                      </p:stCondLst>
+                      <p:childTnLst>
+                        <p:par>
+                          <p:cTn id="4" fill="hold">
+                            <p:stCondLst>
+                              <p:cond delay="0"/>
+                            </p:stCondLst>
+                            <p:childTnLst>
+                              <p:par>
+                                <p:cTn id="5" presetID="1" presetClass="entr" presetSubtype="0" fill="hold" nodeType="clickEffect">
+                                  <p:stCondLst>
+                                    <p:cond delay="0"/>
+                                  </p:stCondLst>
+                                  <p:childTnLst>
+                                    <p:set>
+                                      <p:cBhvr>
+                                        <p:cTn id="6" dur="1" fill="hold">
+                                          <p:stCondLst>
+                                            <p:cond delay="0"/>
+                                          </p:stCondLst>
+                                        </p:cTn>
+                                        <p:tgtEl>
+                                          <p:spTgt spid="12">
+                                            <p:txEl>
+                                              <p:pRg st="0" end="0"/>
+                                            </p:txEl>
+                                          </p:spTgt>
+                                        </p:tgtEl>
+                                        <p:attrNameLst>
+                                          <p:attrName>style.visibility</p:attrName>
+                                        </p:attrNameLst>
+                                      </p:cBhvr>
+                                      <p:to>
+                                        <p:strVal val="visible"/>
+                                      </p:to>
+                                    </p:set>
+                                  </p:childTnLst>
+                                </p:cTn>
+                              </p:par>
+                            </p:childTnLst>
+                          </p:cTn>
+                        </p:par>
+                      </p:childTnLst>
+                    </p:cTn>
+                  </p:par>
+                </p:childTnLst>
+              </p:cTn>
+              <p:prevCondLst>
+                <p:cond evt="onPrev" delay="0">
+                  <p:tgtEl>
+                    <p:sldTgt/>
+                  </p:tgtEl>
+                </p:cond>
+              </p:prevCondLst>
+              <p:nextCondLst>
+                <p:cond evt="onNext" delay="0">
+                  <p:tgtEl>
+                    <p:sldTgt/>
+                  </p:tgtEl>
+                </p:cond>
+              </p:nextCondLst>
+            </p:seq>
+          </p:childTnLst>
+        </p:cTn>
+      </p:par>
+    </p:tnLst>
+  </p:timing>
 </p:sld>
 </file>
 
-<file path=ppt/slides/slide3.xml><?xml version="1.0" encoding="utf-8"?>
+<file path=ppt/slides/slide11.xml><?xml version="1.0" encoding="utf-8"?>
 <p:sld xmlns:a="http://schemas.openxmlformats.org/drawingml/2006/main" xmlns:r="http://schemas.openxmlformats.org/officeDocument/2006/relationships" xmlns:p="http://schemas.openxmlformats.org/presentationml/2006/main">
   <p:cSld>
     <p:spTree>
@@ -7001,58 +8005,6 @@
       </p:sp>
       <p:sp>
         <p:nvSpPr>
-          <p:cNvPr id="5" name="Rectangle 4">
-            <a:extLst>
-              <a:ext uri="{FF2B5EF4-FFF2-40B4-BE49-F238E27FC236}">
-                <a16:creationId xmlns:a16="http://schemas.microsoft.com/office/drawing/2014/main" id="{D84E8369-9490-41D6-ADEB-ACEA707279C7}"/>
-              </a:ext>
-            </a:extLst>
-          </p:cNvPr>
-          <p:cNvSpPr/>
-          <p:nvPr/>
-        </p:nvSpPr>
-        <p:spPr>
-          <a:xfrm>
-            <a:off x="0" y="6443710"/>
-            <a:ext cx="9144000" cy="414290"/>
-          </a:xfrm>
-          <a:prstGeom prst="rect">
-            <a:avLst/>
-          </a:prstGeom>
-          <a:solidFill>
-            <a:srgbClr val="5D9732"/>
-          </a:solidFill>
-          <a:ln>
-            <a:noFill/>
-          </a:ln>
-        </p:spPr>
-        <p:style>
-          <a:lnRef idx="2">
-            <a:schemeClr val="accent1">
-              <a:shade val="50000"/>
-            </a:schemeClr>
-          </a:lnRef>
-          <a:fillRef idx="1">
-            <a:schemeClr val="accent1"/>
-          </a:fillRef>
-          <a:effectRef idx="0">
-            <a:schemeClr val="accent1"/>
-          </a:effectRef>
-          <a:fontRef idx="minor">
-            <a:schemeClr val="lt1"/>
-          </a:fontRef>
-        </p:style>
-        <p:txBody>
-          <a:bodyPr rtlCol="0" anchor="ctr"/>
-          <a:lstStyle/>
-          <a:p>
-            <a:pPr algn="ctr"/>
-            <a:endParaRPr lang="en-GB"/>
-          </a:p>
-        </p:txBody>
-      </p:sp>
-      <p:sp>
-        <p:nvSpPr>
           <p:cNvPr id="18" name="Rectangle 17">
             <a:extLst>
               <a:ext uri="{FF2B5EF4-FFF2-40B4-BE49-F238E27FC236}">
@@ -7119,7 +8071,7 @@
         <p:spPr>
           <a:xfrm>
             <a:off x="432048" y="1484784"/>
-            <a:ext cx="2627784" cy="4216539"/>
+            <a:ext cx="8250128" cy="4462760"/>
           </a:xfrm>
           <a:prstGeom prst="rect">
             <a:avLst/>
@@ -7140,11 +8092,8 @@
               <a:buAutoNum type="arabicPeriod"/>
             </a:pPr>
             <a:r>
-              <a:rPr lang="en-GB" sz="2400" dirty="0">
-                <a:latin typeface="Alegreya Sans" panose="00000500000000000000" pitchFamily="2" charset="0"/>
-                <a:ea typeface="Malgun Gothic" panose="020B0503020000020004" pitchFamily="34" charset="-127"/>
-              </a:rPr>
-              <a:t>Gg</a:t>
+              <a:rPr lang="en-GB" sz="1600" dirty="0"/>
+              <a:t>C. Li, S. Zhang, Y.-K. Wu, N. Jiang, Y.-F. Pu, and L.-M. Duan. Multicell atomic quantum memory as a hardware-efficient quantum repeater node. PRX Quantum, 2:040307, Oct 2021.</a:t>
             </a:r>
           </a:p>
           <a:p>
@@ -7156,12 +8105,37 @@
               <a:buAutoNum type="arabicPeriod"/>
             </a:pPr>
             <a:r>
-              <a:rPr lang="en-GB" sz="2400" dirty="0">
-                <a:latin typeface="Alegreya Sans" panose="00000500000000000000" pitchFamily="2" charset="0"/>
-                <a:ea typeface="Malgun Gothic" panose="020B0503020000020004" pitchFamily="34" charset="-127"/>
-              </a:rPr>
-              <a:t>Gg</a:t>
-            </a:r>
+              <a:rPr lang="en-GB" sz="1600" dirty="0"/>
+              <a:t>Wang Y, </a:t>
+            </a:r>
+            <a:r>
+              <a:rPr lang="en-GB" sz="1600" dirty="0" err="1"/>
+              <a:t>Shevate</a:t>
+            </a:r>
+            <a:r>
+              <a:rPr lang="en-GB" sz="1600" dirty="0"/>
+              <a:t> S, </a:t>
+            </a:r>
+            <a:r>
+              <a:rPr lang="en-GB" sz="1600" dirty="0" err="1"/>
+              <a:t>Wintermantel</a:t>
+            </a:r>
+            <a:r>
+              <a:rPr lang="en-GB" sz="1600" dirty="0"/>
+              <a:t> T M, et al. Preparation of hundreds of microscopic atomic ensembles in optical tweezer arrays. </a:t>
+            </a:r>
+            <a:r>
+              <a:rPr lang="en-GB" sz="1600" dirty="0" err="1"/>
+              <a:t>npj</a:t>
+            </a:r>
+            <a:r>
+              <a:rPr lang="en-GB" sz="1600" dirty="0"/>
+              <a:t> Quantum Inf, 6, 54, June 2020.</a:t>
+            </a:r>
+            <a:endParaRPr lang="en-GB" sz="1600" dirty="0">
+              <a:latin typeface="Alegreya Sans" panose="00000500000000000000" pitchFamily="2" charset="0"/>
+              <a:ea typeface="Malgun Gothic" panose="020B0503020000020004" pitchFamily="34" charset="-127"/>
+            </a:endParaRPr>
           </a:p>
           <a:p>
             <a:pPr marL="514350" indent="-514350">
@@ -7172,12 +8146,21 @@
               <a:buAutoNum type="arabicPeriod"/>
             </a:pPr>
             <a:r>
-              <a:rPr lang="en-GB" sz="2400" dirty="0">
-                <a:latin typeface="Alegreya Sans" panose="00000500000000000000" pitchFamily="2" charset="0"/>
-                <a:ea typeface="Malgun Gothic" panose="020B0503020000020004" pitchFamily="34" charset="-127"/>
-              </a:rPr>
-              <a:t>Gg</a:t>
-            </a:r>
+              <a:rPr lang="en-GB" sz="1600" dirty="0"/>
+              <a:t>Ryo </a:t>
+            </a:r>
+            <a:r>
+              <a:rPr lang="en-GB" sz="1600" dirty="0" err="1"/>
+              <a:t>Asaka</a:t>
+            </a:r>
+            <a:r>
+              <a:rPr lang="en-GB" sz="1600" dirty="0"/>
+              <a:t> et al. Quantum random access memory via quantum walk. Quantum Sci. Technol., 6:035004, May 2021.</a:t>
+            </a:r>
+            <a:endParaRPr lang="en-GB" sz="1600" dirty="0">
+              <a:latin typeface="Alegreya Sans" panose="00000500000000000000" pitchFamily="2" charset="0"/>
+              <a:ea typeface="Malgun Gothic" panose="020B0503020000020004" pitchFamily="34" charset="-127"/>
+            </a:endParaRPr>
           </a:p>
           <a:p>
             <a:pPr marL="514350" indent="-514350">
@@ -7188,12 +8171,13 @@
               <a:buAutoNum type="arabicPeriod"/>
             </a:pPr>
             <a:r>
-              <a:rPr lang="en-GB" sz="2400" dirty="0">
-                <a:latin typeface="Alegreya Sans" panose="00000500000000000000" pitchFamily="2" charset="0"/>
-                <a:ea typeface="Malgun Gothic" panose="020B0503020000020004" pitchFamily="34" charset="-127"/>
-              </a:rPr>
-              <a:t>Gg</a:t>
-            </a:r>
+              <a:rPr lang="en-GB" sz="1600" dirty="0"/>
+              <a:t>Daniel J. Bernstein and Tanja Lange. Post-quantum cryptography. Nature, 549:188–194, September 2017.</a:t>
+            </a:r>
+            <a:endParaRPr lang="en-GB" sz="1600" dirty="0">
+              <a:latin typeface="Alegreya Sans" panose="00000500000000000000" pitchFamily="2" charset="0"/>
+              <a:ea typeface="Malgun Gothic" panose="020B0503020000020004" pitchFamily="34" charset="-127"/>
+            </a:endParaRPr>
           </a:p>
           <a:p>
             <a:pPr marL="514350" indent="-514350">
@@ -7204,12 +8188,13 @@
               <a:buAutoNum type="arabicPeriod"/>
             </a:pPr>
             <a:r>
-              <a:rPr lang="en-GB" sz="2400" dirty="0">
-                <a:latin typeface="Alegreya Sans" panose="00000500000000000000" pitchFamily="2" charset="0"/>
-                <a:ea typeface="Malgun Gothic" panose="020B0503020000020004" pitchFamily="34" charset="-127"/>
-              </a:rPr>
-              <a:t>Gg</a:t>
-            </a:r>
+              <a:rPr lang="en-GB" sz="1600" dirty="0"/>
+              <a:t>Charles H. Bennett and Gilles Brassard. Quantum cryptography: Public key distribution and coin tossing. Theoretical Computer Science, Theoretical Aspects of Quantum Cryptography – celebrating 30 years of BB84, 560:7–11, 2014.</a:t>
+            </a:r>
+            <a:endParaRPr lang="en-GB" sz="1600" dirty="0">
+              <a:latin typeface="Alegreya Sans" panose="00000500000000000000" pitchFamily="2" charset="0"/>
+              <a:ea typeface="Malgun Gothic" panose="020B0503020000020004" pitchFamily="34" charset="-127"/>
+            </a:endParaRPr>
           </a:p>
           <a:p>
             <a:pPr marL="514350" indent="-514350">
@@ -7220,7 +8205,7 @@
               <a:buAutoNum type="arabicPeriod"/>
             </a:pPr>
             <a:r>
-              <a:rPr lang="en-GB" sz="2400" dirty="0">
+              <a:rPr lang="en-GB" sz="1600" dirty="0">
                 <a:latin typeface="Alegreya Sans" panose="00000500000000000000" pitchFamily="2" charset="0"/>
                 <a:ea typeface="Malgun Gothic" panose="020B0503020000020004" pitchFamily="34" charset="-127"/>
               </a:rPr>
@@ -7236,7 +8221,7 @@
               <a:buAutoNum type="arabicPeriod"/>
             </a:pPr>
             <a:r>
-              <a:rPr lang="en-GB" sz="2400" dirty="0">
+              <a:rPr lang="en-GB" sz="1600" dirty="0">
                 <a:latin typeface="Alegreya Sans" panose="00000500000000000000" pitchFamily="2" charset="0"/>
                 <a:ea typeface="Malgun Gothic" panose="020B0503020000020004" pitchFamily="34" charset="-127"/>
               </a:rPr>
@@ -7252,7 +8237,7 @@
               <a:buAutoNum type="arabicPeriod"/>
             </a:pPr>
             <a:r>
-              <a:rPr lang="en-GB" sz="2400" dirty="0">
+              <a:rPr lang="en-GB" sz="1600" dirty="0">
                 <a:latin typeface="Alegreya Sans" panose="00000500000000000000" pitchFamily="2" charset="0"/>
                 <a:ea typeface="Malgun Gothic" panose="020B0503020000020004" pitchFamily="34" charset="-127"/>
               </a:rPr>
@@ -7260,36 +8245,15 @@
             </a:r>
           </a:p>
           <a:p>
-            <a:pPr marL="514350" indent="-514350">
+            <a:pPr>
               <a:buClr>
                 <a:srgbClr val="5D9732"/>
               </a:buClr>
-              <a:buFont typeface="+mj-lt"/>
-              <a:buAutoNum type="arabicPeriod"/>
             </a:pPr>
-            <a:r>
-              <a:rPr lang="en-GB" sz="2400" dirty="0">
-                <a:latin typeface="Alegreya Sans" panose="00000500000000000000" pitchFamily="2" charset="0"/>
-                <a:ea typeface="Malgun Gothic" panose="020B0503020000020004" pitchFamily="34" charset="-127"/>
-              </a:rPr>
-              <a:t>Gg</a:t>
-            </a:r>
-          </a:p>
-          <a:p>
-            <a:pPr marL="514350" indent="-514350">
-              <a:buClr>
-                <a:srgbClr val="5D9732"/>
-              </a:buClr>
-              <a:buFont typeface="+mj-lt"/>
-              <a:buAutoNum type="arabicPeriod"/>
-            </a:pPr>
-            <a:r>
-              <a:rPr lang="en-GB" sz="2400" dirty="0">
-                <a:latin typeface="Alegreya Sans" panose="00000500000000000000" pitchFamily="2" charset="0"/>
-                <a:ea typeface="Malgun Gothic" panose="020B0503020000020004" pitchFamily="34" charset="-127"/>
-              </a:rPr>
-              <a:t>Gg</a:t>
-            </a:r>
+            <a:endParaRPr lang="en-GB" sz="1600" dirty="0">
+              <a:latin typeface="Alegreya Sans" panose="00000500000000000000" pitchFamily="2" charset="0"/>
+              <a:ea typeface="Malgun Gothic" panose="020B0503020000020004" pitchFamily="34" charset="-127"/>
+            </a:endParaRPr>
           </a:p>
           <a:p>
             <a:pPr marL="514350" indent="-514350">
@@ -7306,6 +8270,99 @@
           </a:p>
         </p:txBody>
       </p:sp>
+      <p:sp>
+        <p:nvSpPr>
+          <p:cNvPr id="8" name="Rectangle 7">
+            <a:extLst>
+              <a:ext uri="{FF2B5EF4-FFF2-40B4-BE49-F238E27FC236}">
+                <a16:creationId xmlns:a16="http://schemas.microsoft.com/office/drawing/2014/main" id="{48B38DFA-837C-47B1-A93D-0EC43117A48D}"/>
+              </a:ext>
+            </a:extLst>
+          </p:cNvPr>
+          <p:cNvSpPr/>
+          <p:nvPr/>
+        </p:nvSpPr>
+        <p:spPr>
+          <a:xfrm>
+            <a:off x="0" y="6326231"/>
+            <a:ext cx="9144000" cy="531769"/>
+          </a:xfrm>
+          <a:prstGeom prst="rect">
+            <a:avLst/>
+          </a:prstGeom>
+          <a:solidFill>
+            <a:srgbClr val="5D9732"/>
+          </a:solidFill>
+          <a:ln>
+            <a:noFill/>
+          </a:ln>
+        </p:spPr>
+        <p:style>
+          <a:lnRef idx="2">
+            <a:schemeClr val="accent1">
+              <a:shade val="50000"/>
+            </a:schemeClr>
+          </a:lnRef>
+          <a:fillRef idx="1">
+            <a:schemeClr val="accent1"/>
+          </a:fillRef>
+          <a:effectRef idx="0">
+            <a:schemeClr val="accent1"/>
+          </a:effectRef>
+          <a:fontRef idx="minor">
+            <a:schemeClr val="lt1"/>
+          </a:fontRef>
+        </p:style>
+        <p:txBody>
+          <a:bodyPr rtlCol="0" anchor="ctr"/>
+          <a:lstStyle/>
+          <a:p>
+            <a:pPr algn="ctr"/>
+            <a:endParaRPr lang="en-GB"/>
+          </a:p>
+        </p:txBody>
+      </p:sp>
+      <p:sp>
+        <p:nvSpPr>
+          <p:cNvPr id="11" name="Subtitle 2">
+            <a:extLst>
+              <a:ext uri="{FF2B5EF4-FFF2-40B4-BE49-F238E27FC236}">
+                <a16:creationId xmlns:a16="http://schemas.microsoft.com/office/drawing/2014/main" id="{BB40B53D-DF1F-45C3-B7E0-5A3D2A4BB956}"/>
+              </a:ext>
+            </a:extLst>
+          </p:cNvPr>
+          <p:cNvSpPr>
+            <a:spLocks noGrp="1"/>
+          </p:cNvSpPr>
+          <p:nvPr>
+            <p:ph type="subTitle" idx="1"/>
+          </p:nvPr>
+        </p:nvSpPr>
+        <p:spPr>
+          <a:xfrm>
+            <a:off x="1096731" y="6326231"/>
+            <a:ext cx="6950537" cy="531769"/>
+          </a:xfrm>
+        </p:spPr>
+        <p:txBody>
+          <a:bodyPr tIns="90000" anchor="ctr" anchorCtr="0">
+            <a:normAutofit fontScale="85000" lnSpcReduction="10000"/>
+          </a:bodyPr>
+          <a:lstStyle/>
+          <a:p>
+            <a:pPr algn="ctr"/>
+            <a:r>
+              <a:rPr lang="en-GB" sz="2000" dirty="0">
+                <a:solidFill>
+                  <a:schemeClr val="bg1"/>
+                </a:solidFill>
+                <a:latin typeface="Alegreya Sans" panose="00000500000000000000" pitchFamily="2" charset="0"/>
+              </a:rPr>
+              <a:t>MITIGATING JOULE EXPANSION IN MULTICELL ATOMIC QUANTUM MEMORY</a:t>
+            </a:r>
+          </a:p>
+        </p:txBody>
+      </p:sp>
     </p:spTree>
     <p:extLst>
       <p:ext uri="{BB962C8B-B14F-4D97-AF65-F5344CB8AC3E}">
@@ -7316,13 +8373,18 @@
   <p:clrMapOvr>
     <a:masterClrMapping/>
   </p:clrMapOvr>
-  <p:transition spd="slow">
-    <p:comb/>
-  </p:transition>
+  <mc:AlternateContent xmlns:mc="http://schemas.openxmlformats.org/markup-compatibility/2006">
+    <mc:Choice xmlns:p14="http://schemas.microsoft.com/office/powerpoint/2010/main" Requires="p14">
+      <p:transition p14:dur="0"/>
+    </mc:Choice>
+    <mc:Fallback>
+      <p:transition/>
+    </mc:Fallback>
+  </mc:AlternateContent>
 </p:sld>
 </file>
 
-<file path=ppt/slides/slide4.xml><?xml version="1.0" encoding="utf-8"?>
+<file path=ppt/slides/slide12.xml><?xml version="1.0" encoding="utf-8"?>
 <p:sld xmlns:a="http://schemas.openxmlformats.org/drawingml/2006/main" xmlns:r="http://schemas.openxmlformats.org/officeDocument/2006/relationships" xmlns:p="http://schemas.openxmlformats.org/presentationml/2006/main">
   <p:cSld>
     <p:spTree>
@@ -7341,6 +8403,460 @@
       </p:grpSpPr>
       <p:sp>
         <p:nvSpPr>
+          <p:cNvPr id="10" name="Rectangle 9">
+            <a:extLst>
+              <a:ext uri="{FF2B5EF4-FFF2-40B4-BE49-F238E27FC236}">
+                <a16:creationId xmlns:a16="http://schemas.microsoft.com/office/drawing/2014/main" id="{FB81B96C-2B02-476F-A472-51925FF800F5}"/>
+              </a:ext>
+            </a:extLst>
+          </p:cNvPr>
+          <p:cNvSpPr/>
+          <p:nvPr/>
+        </p:nvSpPr>
+        <p:spPr>
+          <a:xfrm>
+            <a:off x="0" y="6326231"/>
+            <a:ext cx="9144000" cy="531769"/>
+          </a:xfrm>
+          <a:prstGeom prst="rect">
+            <a:avLst/>
+          </a:prstGeom>
+          <a:solidFill>
+            <a:srgbClr val="5D9732"/>
+          </a:solidFill>
+          <a:ln>
+            <a:noFill/>
+          </a:ln>
+        </p:spPr>
+        <p:style>
+          <a:lnRef idx="2">
+            <a:schemeClr val="accent1">
+              <a:shade val="50000"/>
+            </a:schemeClr>
+          </a:lnRef>
+          <a:fillRef idx="1">
+            <a:schemeClr val="accent1"/>
+          </a:fillRef>
+          <a:effectRef idx="0">
+            <a:schemeClr val="accent1"/>
+          </a:effectRef>
+          <a:fontRef idx="minor">
+            <a:schemeClr val="lt1"/>
+          </a:fontRef>
+        </p:style>
+        <p:txBody>
+          <a:bodyPr rtlCol="0" anchor="ctr"/>
+          <a:lstStyle/>
+          <a:p>
+            <a:pPr algn="ctr"/>
+            <a:endParaRPr lang="en-GB"/>
+          </a:p>
+        </p:txBody>
+      </p:sp>
+      <p:sp>
+        <p:nvSpPr>
+          <p:cNvPr id="9" name="Rectangle 8">
+            <a:extLst>
+              <a:ext uri="{FF2B5EF4-FFF2-40B4-BE49-F238E27FC236}">
+                <a16:creationId xmlns:a16="http://schemas.microsoft.com/office/drawing/2014/main" id="{DFC374E1-6D4E-4F6C-8705-D42E43DBC7CA}"/>
+              </a:ext>
+            </a:extLst>
+          </p:cNvPr>
+          <p:cNvSpPr/>
+          <p:nvPr/>
+        </p:nvSpPr>
+        <p:spPr>
+          <a:xfrm>
+            <a:off x="0" y="0"/>
+            <a:ext cx="7615988" cy="1041833"/>
+          </a:xfrm>
+          <a:prstGeom prst="rect">
+            <a:avLst/>
+          </a:prstGeom>
+          <a:solidFill>
+            <a:srgbClr val="5D9732">
+              <a:alpha val="50000"/>
+            </a:srgbClr>
+          </a:solidFill>
+          <a:ln>
+            <a:noFill/>
+          </a:ln>
+        </p:spPr>
+        <p:style>
+          <a:lnRef idx="2">
+            <a:schemeClr val="accent1">
+              <a:shade val="50000"/>
+            </a:schemeClr>
+          </a:lnRef>
+          <a:fillRef idx="1">
+            <a:schemeClr val="accent1"/>
+          </a:fillRef>
+          <a:effectRef idx="0">
+            <a:schemeClr val="accent1"/>
+          </a:effectRef>
+          <a:fontRef idx="minor">
+            <a:schemeClr val="lt1"/>
+          </a:fontRef>
+        </p:style>
+        <p:txBody>
+          <a:bodyPr rtlCol="0" anchor="ctr"/>
+          <a:lstStyle/>
+          <a:p>
+            <a:endParaRPr lang="en-GB" dirty="0"/>
+          </a:p>
+        </p:txBody>
+      </p:sp>
+      <p:sp>
+        <p:nvSpPr>
+          <p:cNvPr id="2" name="Title 1"/>
+          <p:cNvSpPr>
+            <a:spLocks noGrp="1"/>
+          </p:cNvSpPr>
+          <p:nvPr>
+            <p:ph type="ctrTitle"/>
+          </p:nvPr>
+        </p:nvSpPr>
+        <p:spPr>
+          <a:xfrm>
+            <a:off x="0" y="27512"/>
+            <a:ext cx="7615988" cy="1014321"/>
+          </a:xfrm>
+        </p:spPr>
+        <p:txBody>
+          <a:bodyPr anchor="ctr"/>
+          <a:lstStyle/>
+          <a:p>
+            <a:pPr algn="ctr"/>
+            <a:r>
+              <a:rPr lang="en-GB" sz="2800" b="1" dirty="0">
+                <a:latin typeface="Alegreya Sans" panose="00000500000000000000" pitchFamily="2" charset="0"/>
+                <a:ea typeface="Malgun Gothic" panose="020B0503020000020004" pitchFamily="34" charset="-127"/>
+              </a:rPr>
+              <a:t>Summary</a:t>
+            </a:r>
+          </a:p>
+        </p:txBody>
+      </p:sp>
+      <p:sp>
+        <p:nvSpPr>
+          <p:cNvPr id="18" name="Rectangle 17">
+            <a:extLst>
+              <a:ext uri="{FF2B5EF4-FFF2-40B4-BE49-F238E27FC236}">
+                <a16:creationId xmlns:a16="http://schemas.microsoft.com/office/drawing/2014/main" id="{0D832764-832B-42B4-8FEF-8544C93A11C4}"/>
+              </a:ext>
+            </a:extLst>
+          </p:cNvPr>
+          <p:cNvSpPr/>
+          <p:nvPr/>
+        </p:nvSpPr>
+        <p:spPr>
+          <a:xfrm>
+            <a:off x="8682176" y="0"/>
+            <a:ext cx="461824" cy="1041833"/>
+          </a:xfrm>
+          <a:prstGeom prst="rect">
+            <a:avLst/>
+          </a:prstGeom>
+          <a:solidFill>
+            <a:srgbClr val="5D9732">
+              <a:alpha val="50000"/>
+            </a:srgbClr>
+          </a:solidFill>
+          <a:ln>
+            <a:noFill/>
+          </a:ln>
+        </p:spPr>
+        <p:style>
+          <a:lnRef idx="2">
+            <a:schemeClr val="accent1">
+              <a:shade val="50000"/>
+            </a:schemeClr>
+          </a:lnRef>
+          <a:fillRef idx="1">
+            <a:schemeClr val="accent1"/>
+          </a:fillRef>
+          <a:effectRef idx="0">
+            <a:schemeClr val="accent1"/>
+          </a:effectRef>
+          <a:fontRef idx="minor">
+            <a:schemeClr val="lt1"/>
+          </a:fontRef>
+        </p:style>
+        <p:txBody>
+          <a:bodyPr rtlCol="0" anchor="ctr"/>
+          <a:lstStyle/>
+          <a:p>
+            <a:endParaRPr lang="en-GB" dirty="0"/>
+          </a:p>
+        </p:txBody>
+      </p:sp>
+      <p:sp>
+        <p:nvSpPr>
+          <p:cNvPr id="12" name="TextBox 11">
+            <a:extLst>
+              <a:ext uri="{FF2B5EF4-FFF2-40B4-BE49-F238E27FC236}">
+                <a16:creationId xmlns:a16="http://schemas.microsoft.com/office/drawing/2014/main" id="{1647925E-1FC6-42F7-A717-C4157600B088}"/>
+              </a:ext>
+            </a:extLst>
+          </p:cNvPr>
+          <p:cNvSpPr txBox="1"/>
+          <p:nvPr/>
+        </p:nvSpPr>
+        <p:spPr>
+          <a:xfrm>
+            <a:off x="432048" y="1484784"/>
+            <a:ext cx="6732240" cy="1938992"/>
+          </a:xfrm>
+          <a:prstGeom prst="rect">
+            <a:avLst/>
+          </a:prstGeom>
+          <a:noFill/>
+        </p:spPr>
+        <p:txBody>
+          <a:bodyPr wrap="square" rtlCol="0">
+            <a:spAutoFit/>
+          </a:bodyPr>
+          <a:lstStyle/>
+          <a:p>
+            <a:pPr marL="285750" indent="-285750">
+              <a:buClr>
+                <a:srgbClr val="5D9732"/>
+              </a:buClr>
+              <a:buFont typeface="Wingdings" panose="05000000000000000000" pitchFamily="2" charset="2"/>
+              <a:buChar char="Ø"/>
+            </a:pPr>
+            <a:r>
+              <a:rPr lang="en-GB" sz="2400" dirty="0">
+                <a:latin typeface="Alegreya Sans" panose="00000500000000000000" pitchFamily="2" charset="0"/>
+                <a:ea typeface="Malgun Gothic" panose="020B0503020000020004" pitchFamily="34" charset="-127"/>
+              </a:rPr>
+              <a:t>Boom</a:t>
+            </a:r>
+            <a:r>
+              <a:rPr lang="en-GB" sz="2400" dirty="0">
+                <a:solidFill>
+                  <a:srgbClr val="5D9732"/>
+                </a:solidFill>
+                <a:latin typeface="Alegreya Sans" panose="00000500000000000000" pitchFamily="2" charset="0"/>
+                <a:ea typeface="Malgun Gothic" panose="020B0503020000020004" pitchFamily="34" charset="-127"/>
+              </a:rPr>
+              <a:t>…</a:t>
+            </a:r>
+          </a:p>
+          <a:p>
+            <a:pPr marL="1200150" lvl="2" indent="-285750">
+              <a:buClr>
+                <a:srgbClr val="5D9732"/>
+              </a:buClr>
+              <a:buFont typeface="Wingdings" panose="05000000000000000000" pitchFamily="2" charset="2"/>
+              <a:buChar char="Ø"/>
+            </a:pPr>
+            <a:endParaRPr lang="en-GB" sz="2400" dirty="0">
+              <a:latin typeface="Alegreya Sans" panose="00000500000000000000" pitchFamily="2" charset="0"/>
+              <a:ea typeface="Malgun Gothic" panose="020B0503020000020004" pitchFamily="34" charset="-127"/>
+            </a:endParaRPr>
+          </a:p>
+          <a:p>
+            <a:pPr marL="1200150" lvl="2" indent="-285750">
+              <a:buClr>
+                <a:srgbClr val="5D9732"/>
+              </a:buClr>
+              <a:buFont typeface="Wingdings" panose="05000000000000000000" pitchFamily="2" charset="2"/>
+              <a:buChar char="Ø"/>
+            </a:pPr>
+            <a:endParaRPr lang="en-GB" sz="2400" dirty="0">
+              <a:latin typeface="Alegreya Sans" panose="00000500000000000000" pitchFamily="2" charset="0"/>
+              <a:ea typeface="Malgun Gothic" panose="020B0503020000020004" pitchFamily="34" charset="-127"/>
+            </a:endParaRPr>
+          </a:p>
+          <a:p>
+            <a:pPr marL="1200150" lvl="2" indent="-285750">
+              <a:buClr>
+                <a:srgbClr val="5D9732"/>
+              </a:buClr>
+              <a:buFont typeface="Wingdings" panose="05000000000000000000" pitchFamily="2" charset="2"/>
+              <a:buChar char="Ø"/>
+            </a:pPr>
+            <a:endParaRPr lang="en-GB" sz="2400" dirty="0">
+              <a:latin typeface="Alegreya Sans" panose="00000500000000000000" pitchFamily="2" charset="0"/>
+              <a:ea typeface="Malgun Gothic" panose="020B0503020000020004" pitchFamily="34" charset="-127"/>
+            </a:endParaRPr>
+          </a:p>
+          <a:p>
+            <a:pPr marL="1200150" lvl="2" indent="-285750">
+              <a:buClr>
+                <a:srgbClr val="5D9732"/>
+              </a:buClr>
+              <a:buFont typeface="Wingdings" panose="05000000000000000000" pitchFamily="2" charset="2"/>
+              <a:buChar char="Ø"/>
+            </a:pPr>
+            <a:endParaRPr lang="en-GB" sz="2400" dirty="0">
+              <a:latin typeface="Alegreya Sans" panose="00000500000000000000" pitchFamily="2" charset="0"/>
+              <a:ea typeface="Malgun Gothic" panose="020B0503020000020004" pitchFamily="34" charset="-127"/>
+            </a:endParaRPr>
+          </a:p>
+        </p:txBody>
+      </p:sp>
+      <p:sp>
+        <p:nvSpPr>
+          <p:cNvPr id="8" name="Subtitle 2">
+            <a:extLst>
+              <a:ext uri="{FF2B5EF4-FFF2-40B4-BE49-F238E27FC236}">
+                <a16:creationId xmlns:a16="http://schemas.microsoft.com/office/drawing/2014/main" id="{E51E2B93-3696-471D-94EB-612CA436A13C}"/>
+              </a:ext>
+            </a:extLst>
+          </p:cNvPr>
+          <p:cNvSpPr>
+            <a:spLocks noGrp="1"/>
+          </p:cNvSpPr>
+          <p:nvPr>
+            <p:ph type="subTitle" idx="1"/>
+          </p:nvPr>
+        </p:nvSpPr>
+        <p:spPr>
+          <a:xfrm>
+            <a:off x="1096731" y="6326231"/>
+            <a:ext cx="6950537" cy="531769"/>
+          </a:xfrm>
+        </p:spPr>
+        <p:txBody>
+          <a:bodyPr tIns="90000" anchor="ctr" anchorCtr="0">
+            <a:normAutofit fontScale="85000" lnSpcReduction="10000"/>
+          </a:bodyPr>
+          <a:lstStyle/>
+          <a:p>
+            <a:pPr algn="ctr"/>
+            <a:r>
+              <a:rPr lang="en-GB" sz="2000" dirty="0">
+                <a:solidFill>
+                  <a:schemeClr val="bg1"/>
+                </a:solidFill>
+                <a:latin typeface="Alegreya Sans" panose="00000500000000000000" pitchFamily="2" charset="0"/>
+              </a:rPr>
+              <a:t>MITIGATING JOULE EXPANSION IN MULTICELL ATOMIC QUANTUM MEMORY</a:t>
+            </a:r>
+          </a:p>
+        </p:txBody>
+      </p:sp>
+    </p:spTree>
+    <p:extLst>
+      <p:ext uri="{BB962C8B-B14F-4D97-AF65-F5344CB8AC3E}">
+        <p14:creationId xmlns:p14="http://schemas.microsoft.com/office/powerpoint/2010/main" val="4012649088"/>
+      </p:ext>
+    </p:extLst>
+  </p:cSld>
+  <p:clrMapOvr>
+    <a:masterClrMapping/>
+  </p:clrMapOvr>
+  <mc:AlternateContent xmlns:mc="http://schemas.openxmlformats.org/markup-compatibility/2006">
+    <mc:Choice xmlns:p14="http://schemas.microsoft.com/office/powerpoint/2010/main" Requires="p14">
+      <p:transition p14:dur="10"/>
+    </mc:Choice>
+    <mc:Fallback>
+      <p:transition/>
+    </mc:Fallback>
+  </mc:AlternateContent>
+  <p:timing>
+    <p:tnLst>
+      <p:par>
+        <p:cTn id="1" dur="indefinite" restart="never" nodeType="tmRoot">
+          <p:childTnLst>
+            <p:seq concurrent="1" nextAc="seek">
+              <p:cTn id="2" dur="indefinite" nodeType="mainSeq">
+                <p:childTnLst>
+                  <p:par>
+                    <p:cTn id="3" fill="hold">
+                      <p:stCondLst>
+                        <p:cond delay="indefinite"/>
+                      </p:stCondLst>
+                      <p:childTnLst>
+                        <p:par>
+                          <p:cTn id="4" fill="hold">
+                            <p:stCondLst>
+                              <p:cond delay="0"/>
+                            </p:stCondLst>
+                            <p:childTnLst>
+                              <p:par>
+                                <p:cTn id="5" presetID="1" presetClass="entr" presetSubtype="0" fill="hold" nodeType="clickEffect">
+                                  <p:stCondLst>
+                                    <p:cond delay="0"/>
+                                  </p:stCondLst>
+                                  <p:childTnLst>
+                                    <p:set>
+                                      <p:cBhvr>
+                                        <p:cTn id="6" dur="1" fill="hold">
+                                          <p:stCondLst>
+                                            <p:cond delay="0"/>
+                                          </p:stCondLst>
+                                        </p:cTn>
+                                        <p:tgtEl>
+                                          <p:spTgt spid="12">
+                                            <p:txEl>
+                                              <p:pRg st="0" end="0"/>
+                                            </p:txEl>
+                                          </p:spTgt>
+                                        </p:tgtEl>
+                                        <p:attrNameLst>
+                                          <p:attrName>style.visibility</p:attrName>
+                                        </p:attrNameLst>
+                                      </p:cBhvr>
+                                      <p:to>
+                                        <p:strVal val="visible"/>
+                                      </p:to>
+                                    </p:set>
+                                  </p:childTnLst>
+                                </p:cTn>
+                              </p:par>
+                            </p:childTnLst>
+                          </p:cTn>
+                        </p:par>
+                      </p:childTnLst>
+                    </p:cTn>
+                  </p:par>
+                </p:childTnLst>
+              </p:cTn>
+              <p:prevCondLst>
+                <p:cond evt="onPrev" delay="0">
+                  <p:tgtEl>
+                    <p:sldTgt/>
+                  </p:tgtEl>
+                </p:cond>
+              </p:prevCondLst>
+              <p:nextCondLst>
+                <p:cond evt="onNext" delay="0">
+                  <p:tgtEl>
+                    <p:sldTgt/>
+                  </p:tgtEl>
+                </p:cond>
+              </p:nextCondLst>
+            </p:seq>
+          </p:childTnLst>
+        </p:cTn>
+      </p:par>
+    </p:tnLst>
+  </p:timing>
+</p:sld>
+</file>
+
+<file path=ppt/slides/slide13.xml><?xml version="1.0" encoding="utf-8"?>
+<p:sld xmlns:a="http://schemas.openxmlformats.org/drawingml/2006/main" xmlns:r="http://schemas.openxmlformats.org/officeDocument/2006/relationships" xmlns:p="http://schemas.openxmlformats.org/presentationml/2006/main">
+  <p:cSld>
+    <p:spTree>
+      <p:nvGrpSpPr>
+        <p:cNvPr id="1" name=""/>
+        <p:cNvGrpSpPr/>
+        <p:nvPr/>
+      </p:nvGrpSpPr>
+      <p:grpSpPr>
+        <a:xfrm>
+          <a:off x="0" y="0"/>
+          <a:ext cx="0" cy="0"/>
+          <a:chOff x="0" y="0"/>
+          <a:chExt cx="0" cy="0"/>
+        </a:xfrm>
+      </p:grpSpPr>
+      <p:sp>
+        <p:nvSpPr>
           <p:cNvPr id="2" name="TextBox 1">
             <a:extLst>
               <a:ext uri="{FF2B5EF4-FFF2-40B4-BE49-F238E27FC236}">
@@ -7384,22 +8900,460 @@
   <p:clrMapOvr>
     <a:masterClrMapping/>
   </p:clrMapOvr>
-  <mc:AlternateContent xmlns:mc="http://schemas.openxmlformats.org/markup-compatibility/2006" xmlns:p14="http://schemas.microsoft.com/office/powerpoint/2010/main">
-    <mc:Choice Requires="p14">
-      <p:transition spd="slow" p14:dur="1600">
-        <p14:prism isInverted="1"/>
-      </p:transition>
+  <mc:AlternateContent xmlns:mc="http://schemas.openxmlformats.org/markup-compatibility/2006">
+    <mc:Choice xmlns:p14="http://schemas.microsoft.com/office/powerpoint/2010/main" Requires="p14">
+      <p:transition p14:dur="0"/>
     </mc:Choice>
-    <mc:Fallback xmlns="">
-      <p:transition spd="slow">
-        <p:fade/>
-      </p:transition>
+    <mc:Fallback>
+      <p:transition/>
     </mc:Fallback>
   </mc:AlternateContent>
 </p:sld>
 </file>
 
-<file path=ppt/slides/slide5.xml><?xml version="1.0" encoding="utf-8"?>
+<file path=ppt/slides/slide14.xml><?xml version="1.0" encoding="utf-8"?>
+<p:sld xmlns:a="http://schemas.openxmlformats.org/drawingml/2006/main" xmlns:r="http://schemas.openxmlformats.org/officeDocument/2006/relationships" xmlns:p="http://schemas.openxmlformats.org/presentationml/2006/main">
+  <p:cSld>
+    <p:spTree>
+      <p:nvGrpSpPr>
+        <p:cNvPr id="1" name=""/>
+        <p:cNvGrpSpPr/>
+        <p:nvPr/>
+      </p:nvGrpSpPr>
+      <p:grpSpPr>
+        <a:xfrm>
+          <a:off x="0" y="0"/>
+          <a:ext cx="0" cy="0"/>
+          <a:chOff x="0" y="0"/>
+          <a:chExt cx="0" cy="0"/>
+        </a:xfrm>
+      </p:grpSpPr>
+      <p:sp>
+        <p:nvSpPr>
+          <p:cNvPr id="10" name="Rectangle 9">
+            <a:extLst>
+              <a:ext uri="{FF2B5EF4-FFF2-40B4-BE49-F238E27FC236}">
+                <a16:creationId xmlns:a16="http://schemas.microsoft.com/office/drawing/2014/main" id="{FB81B96C-2B02-476F-A472-51925FF800F5}"/>
+              </a:ext>
+            </a:extLst>
+          </p:cNvPr>
+          <p:cNvSpPr/>
+          <p:nvPr/>
+        </p:nvSpPr>
+        <p:spPr>
+          <a:xfrm>
+            <a:off x="0" y="6326231"/>
+            <a:ext cx="9144000" cy="531769"/>
+          </a:xfrm>
+          <a:prstGeom prst="rect">
+            <a:avLst/>
+          </a:prstGeom>
+          <a:solidFill>
+            <a:srgbClr val="5D9732"/>
+          </a:solidFill>
+          <a:ln>
+            <a:noFill/>
+          </a:ln>
+        </p:spPr>
+        <p:style>
+          <a:lnRef idx="2">
+            <a:schemeClr val="accent1">
+              <a:shade val="50000"/>
+            </a:schemeClr>
+          </a:lnRef>
+          <a:fillRef idx="1">
+            <a:schemeClr val="accent1"/>
+          </a:fillRef>
+          <a:effectRef idx="0">
+            <a:schemeClr val="accent1"/>
+          </a:effectRef>
+          <a:fontRef idx="minor">
+            <a:schemeClr val="lt1"/>
+          </a:fontRef>
+        </p:style>
+        <p:txBody>
+          <a:bodyPr rtlCol="0" anchor="ctr"/>
+          <a:lstStyle/>
+          <a:p>
+            <a:pPr algn="ctr"/>
+            <a:endParaRPr lang="en-GB"/>
+          </a:p>
+        </p:txBody>
+      </p:sp>
+      <p:sp>
+        <p:nvSpPr>
+          <p:cNvPr id="9" name="Rectangle 8">
+            <a:extLst>
+              <a:ext uri="{FF2B5EF4-FFF2-40B4-BE49-F238E27FC236}">
+                <a16:creationId xmlns:a16="http://schemas.microsoft.com/office/drawing/2014/main" id="{DFC374E1-6D4E-4F6C-8705-D42E43DBC7CA}"/>
+              </a:ext>
+            </a:extLst>
+          </p:cNvPr>
+          <p:cNvSpPr/>
+          <p:nvPr/>
+        </p:nvSpPr>
+        <p:spPr>
+          <a:xfrm>
+            <a:off x="0" y="0"/>
+            <a:ext cx="7615988" cy="1041833"/>
+          </a:xfrm>
+          <a:prstGeom prst="rect">
+            <a:avLst/>
+          </a:prstGeom>
+          <a:solidFill>
+            <a:srgbClr val="5D9732">
+              <a:alpha val="50000"/>
+            </a:srgbClr>
+          </a:solidFill>
+          <a:ln>
+            <a:noFill/>
+          </a:ln>
+        </p:spPr>
+        <p:style>
+          <a:lnRef idx="2">
+            <a:schemeClr val="accent1">
+              <a:shade val="50000"/>
+            </a:schemeClr>
+          </a:lnRef>
+          <a:fillRef idx="1">
+            <a:schemeClr val="accent1"/>
+          </a:fillRef>
+          <a:effectRef idx="0">
+            <a:schemeClr val="accent1"/>
+          </a:effectRef>
+          <a:fontRef idx="minor">
+            <a:schemeClr val="lt1"/>
+          </a:fontRef>
+        </p:style>
+        <p:txBody>
+          <a:bodyPr rtlCol="0" anchor="ctr"/>
+          <a:lstStyle/>
+          <a:p>
+            <a:endParaRPr lang="en-GB" dirty="0"/>
+          </a:p>
+        </p:txBody>
+      </p:sp>
+      <p:sp>
+        <p:nvSpPr>
+          <p:cNvPr id="2" name="Title 1"/>
+          <p:cNvSpPr>
+            <a:spLocks noGrp="1"/>
+          </p:cNvSpPr>
+          <p:nvPr>
+            <p:ph type="ctrTitle"/>
+          </p:nvPr>
+        </p:nvSpPr>
+        <p:spPr>
+          <a:xfrm>
+            <a:off x="0" y="27512"/>
+            <a:ext cx="7615988" cy="1014321"/>
+          </a:xfrm>
+        </p:spPr>
+        <p:txBody>
+          <a:bodyPr anchor="ctr"/>
+          <a:lstStyle/>
+          <a:p>
+            <a:pPr algn="ctr"/>
+            <a:r>
+              <a:rPr lang="en-GB" sz="2800" b="1" dirty="0">
+                <a:latin typeface="Alegreya Sans" panose="00000500000000000000" pitchFamily="2" charset="0"/>
+                <a:ea typeface="Malgun Gothic" panose="020B0503020000020004" pitchFamily="34" charset="-127"/>
+              </a:rPr>
+              <a:t>What does this mean?</a:t>
+            </a:r>
+          </a:p>
+        </p:txBody>
+      </p:sp>
+      <p:sp>
+        <p:nvSpPr>
+          <p:cNvPr id="18" name="Rectangle 17">
+            <a:extLst>
+              <a:ext uri="{FF2B5EF4-FFF2-40B4-BE49-F238E27FC236}">
+                <a16:creationId xmlns:a16="http://schemas.microsoft.com/office/drawing/2014/main" id="{0D832764-832B-42B4-8FEF-8544C93A11C4}"/>
+              </a:ext>
+            </a:extLst>
+          </p:cNvPr>
+          <p:cNvSpPr/>
+          <p:nvPr/>
+        </p:nvSpPr>
+        <p:spPr>
+          <a:xfrm>
+            <a:off x="8682176" y="0"/>
+            <a:ext cx="461824" cy="1041833"/>
+          </a:xfrm>
+          <a:prstGeom prst="rect">
+            <a:avLst/>
+          </a:prstGeom>
+          <a:solidFill>
+            <a:srgbClr val="5D9732">
+              <a:alpha val="50000"/>
+            </a:srgbClr>
+          </a:solidFill>
+          <a:ln>
+            <a:noFill/>
+          </a:ln>
+        </p:spPr>
+        <p:style>
+          <a:lnRef idx="2">
+            <a:schemeClr val="accent1">
+              <a:shade val="50000"/>
+            </a:schemeClr>
+          </a:lnRef>
+          <a:fillRef idx="1">
+            <a:schemeClr val="accent1"/>
+          </a:fillRef>
+          <a:effectRef idx="0">
+            <a:schemeClr val="accent1"/>
+          </a:effectRef>
+          <a:fontRef idx="minor">
+            <a:schemeClr val="lt1"/>
+          </a:fontRef>
+        </p:style>
+        <p:txBody>
+          <a:bodyPr rtlCol="0" anchor="ctr"/>
+          <a:lstStyle/>
+          <a:p>
+            <a:endParaRPr lang="en-GB" dirty="0"/>
+          </a:p>
+        </p:txBody>
+      </p:sp>
+      <p:sp>
+        <p:nvSpPr>
+          <p:cNvPr id="12" name="TextBox 11">
+            <a:extLst>
+              <a:ext uri="{FF2B5EF4-FFF2-40B4-BE49-F238E27FC236}">
+                <a16:creationId xmlns:a16="http://schemas.microsoft.com/office/drawing/2014/main" id="{1647925E-1FC6-42F7-A717-C4157600B088}"/>
+              </a:ext>
+            </a:extLst>
+          </p:cNvPr>
+          <p:cNvSpPr txBox="1"/>
+          <p:nvPr/>
+        </p:nvSpPr>
+        <p:spPr>
+          <a:xfrm>
+            <a:off x="432048" y="1484784"/>
+            <a:ext cx="7092280" cy="3046988"/>
+          </a:xfrm>
+          <a:prstGeom prst="rect">
+            <a:avLst/>
+          </a:prstGeom>
+          <a:noFill/>
+        </p:spPr>
+        <p:txBody>
+          <a:bodyPr wrap="square" rtlCol="0">
+            <a:spAutoFit/>
+          </a:bodyPr>
+          <a:lstStyle/>
+          <a:p>
+            <a:pPr marL="285750" indent="-285750">
+              <a:buClr>
+                <a:srgbClr val="5D9732"/>
+              </a:buClr>
+              <a:buFont typeface="Wingdings" panose="05000000000000000000" pitchFamily="2" charset="2"/>
+              <a:buChar char="Ø"/>
+            </a:pPr>
+            <a:r>
+              <a:rPr lang="en-GB" sz="2400" dirty="0">
+                <a:latin typeface="Alegreya Sans" panose="00000500000000000000" pitchFamily="2" charset="0"/>
+                <a:ea typeface="Malgun Gothic" panose="020B0503020000020004" pitchFamily="34" charset="-127"/>
+              </a:rPr>
+              <a:t>What we aim to do?</a:t>
+            </a:r>
+          </a:p>
+          <a:p>
+            <a:pPr marL="285750" indent="-285750">
+              <a:buClr>
+                <a:srgbClr val="5D9732"/>
+              </a:buClr>
+              <a:buFont typeface="Wingdings" panose="05000000000000000000" pitchFamily="2" charset="2"/>
+              <a:buChar char="Ø"/>
+            </a:pPr>
+            <a:endParaRPr lang="en-GB" sz="2400" dirty="0">
+              <a:latin typeface="Alegreya Sans" panose="00000500000000000000" pitchFamily="2" charset="0"/>
+              <a:ea typeface="Malgun Gothic" panose="020B0503020000020004" pitchFamily="34" charset="-127"/>
+            </a:endParaRPr>
+          </a:p>
+          <a:p>
+            <a:pPr>
+              <a:buClr>
+                <a:srgbClr val="5D9732"/>
+              </a:buClr>
+            </a:pPr>
+            <a:r>
+              <a:rPr lang="en-GB" sz="2400" dirty="0">
+                <a:latin typeface="Alegreya Sans" panose="00000500000000000000" pitchFamily="2" charset="0"/>
+                <a:ea typeface="Malgun Gothic" panose="020B0503020000020004" pitchFamily="34" charset="-127"/>
+              </a:rPr>
+              <a:t>	</a:t>
+            </a:r>
+            <a:r>
+              <a:rPr lang="en-GB" sz="2400" b="1" dirty="0">
+                <a:solidFill>
+                  <a:srgbClr val="5D9732"/>
+                </a:solidFill>
+                <a:latin typeface="Alegreya Sans" panose="00000500000000000000" pitchFamily="2" charset="0"/>
+                <a:ea typeface="Malgun Gothic" panose="020B0503020000020004" pitchFamily="34" charset="-127"/>
+              </a:rPr>
+              <a:t>……</a:t>
+            </a:r>
+            <a:r>
+              <a:rPr lang="en-GB" sz="2400" dirty="0">
+                <a:latin typeface="Alegreya Sans" panose="00000500000000000000" pitchFamily="2" charset="0"/>
+                <a:ea typeface="Malgun Gothic" panose="020B0503020000020004" pitchFamily="34" charset="-127"/>
+              </a:rPr>
+              <a:t> Reduce the free expansion rate of the 2D atomic multicell array within a quantum repeater, applied within a MAQM Module</a:t>
+            </a:r>
+          </a:p>
+          <a:p>
+            <a:pPr marL="1200150" lvl="2" indent="-285750">
+              <a:buClr>
+                <a:srgbClr val="5D9732"/>
+              </a:buClr>
+              <a:buFont typeface="Wingdings" panose="05000000000000000000" pitchFamily="2" charset="2"/>
+              <a:buChar char="Ø"/>
+            </a:pPr>
+            <a:endParaRPr lang="en-GB" sz="2400" dirty="0">
+              <a:latin typeface="Alegreya Sans" panose="00000500000000000000" pitchFamily="2" charset="0"/>
+              <a:ea typeface="Malgun Gothic" panose="020B0503020000020004" pitchFamily="34" charset="-127"/>
+            </a:endParaRPr>
+          </a:p>
+          <a:p>
+            <a:pPr marL="1200150" lvl="2" indent="-285750">
+              <a:buClr>
+                <a:srgbClr val="5D9732"/>
+              </a:buClr>
+              <a:buFont typeface="Wingdings" panose="05000000000000000000" pitchFamily="2" charset="2"/>
+              <a:buChar char="Ø"/>
+            </a:pPr>
+            <a:endParaRPr lang="en-GB" sz="2400" dirty="0">
+              <a:latin typeface="Alegreya Sans" panose="00000500000000000000" pitchFamily="2" charset="0"/>
+              <a:ea typeface="Malgun Gothic" panose="020B0503020000020004" pitchFamily="34" charset="-127"/>
+            </a:endParaRPr>
+          </a:p>
+          <a:p>
+            <a:pPr marL="1200150" lvl="2" indent="-285750">
+              <a:buClr>
+                <a:srgbClr val="5D9732"/>
+              </a:buClr>
+              <a:buFont typeface="Wingdings" panose="05000000000000000000" pitchFamily="2" charset="2"/>
+              <a:buChar char="Ø"/>
+            </a:pPr>
+            <a:endParaRPr lang="en-GB" sz="2400" dirty="0">
+              <a:latin typeface="Alegreya Sans" panose="00000500000000000000" pitchFamily="2" charset="0"/>
+              <a:ea typeface="Malgun Gothic" panose="020B0503020000020004" pitchFamily="34" charset="-127"/>
+            </a:endParaRPr>
+          </a:p>
+        </p:txBody>
+      </p:sp>
+      <p:sp>
+        <p:nvSpPr>
+          <p:cNvPr id="8" name="Subtitle 2">
+            <a:extLst>
+              <a:ext uri="{FF2B5EF4-FFF2-40B4-BE49-F238E27FC236}">
+                <a16:creationId xmlns:a16="http://schemas.microsoft.com/office/drawing/2014/main" id="{E51E2B93-3696-471D-94EB-612CA436A13C}"/>
+              </a:ext>
+            </a:extLst>
+          </p:cNvPr>
+          <p:cNvSpPr>
+            <a:spLocks noGrp="1"/>
+          </p:cNvSpPr>
+          <p:nvPr>
+            <p:ph type="subTitle" idx="1"/>
+          </p:nvPr>
+        </p:nvSpPr>
+        <p:spPr>
+          <a:xfrm>
+            <a:off x="1096731" y="6326231"/>
+            <a:ext cx="6950537" cy="531769"/>
+          </a:xfrm>
+        </p:spPr>
+        <p:txBody>
+          <a:bodyPr tIns="90000" anchor="ctr" anchorCtr="0">
+            <a:normAutofit fontScale="85000" lnSpcReduction="10000"/>
+          </a:bodyPr>
+          <a:lstStyle/>
+          <a:p>
+            <a:pPr algn="ctr"/>
+            <a:r>
+              <a:rPr lang="en-GB" sz="2000" dirty="0">
+                <a:solidFill>
+                  <a:schemeClr val="bg1"/>
+                </a:solidFill>
+                <a:latin typeface="Alegreya Sans" panose="00000500000000000000" pitchFamily="2" charset="0"/>
+              </a:rPr>
+              <a:t>MITIGATING JOULE EXPANSION IN MULTICELL ATOMIC QUANTUM MEMORY</a:t>
+            </a:r>
+          </a:p>
+        </p:txBody>
+      </p:sp>
+      <p:sp>
+        <p:nvSpPr>
+          <p:cNvPr id="3" name="TextBox 2">
+            <a:extLst>
+              <a:ext uri="{FF2B5EF4-FFF2-40B4-BE49-F238E27FC236}">
+                <a16:creationId xmlns:a16="http://schemas.microsoft.com/office/drawing/2014/main" id="{21BF40DA-582D-4689-8BDB-401BFE698A8A}"/>
+              </a:ext>
+            </a:extLst>
+          </p:cNvPr>
+          <p:cNvSpPr txBox="1"/>
+          <p:nvPr/>
+        </p:nvSpPr>
+        <p:spPr>
+          <a:xfrm>
+            <a:off x="4139952" y="4985227"/>
+            <a:ext cx="1186543" cy="369332"/>
+          </a:xfrm>
+          <a:prstGeom prst="rect">
+            <a:avLst/>
+          </a:prstGeom>
+          <a:noFill/>
+        </p:spPr>
+        <p:txBody>
+          <a:bodyPr wrap="none" rtlCol="0">
+            <a:spAutoFit/>
+          </a:bodyPr>
+          <a:lstStyle/>
+          <a:p>
+            <a:r>
+              <a:rPr lang="en-GB" sz="1800" dirty="0">
+                <a:solidFill>
+                  <a:srgbClr val="FF0000"/>
+                </a:solidFill>
+                <a:latin typeface="Alegreya Sans" panose="00000500000000000000" pitchFamily="2" charset="0"/>
+                <a:ea typeface="Malgun Gothic" panose="020B0503020000020004" pitchFamily="34" charset="-127"/>
+              </a:rPr>
+              <a:t>Spare Slide</a:t>
+            </a:r>
+            <a:endParaRPr lang="en-GB" dirty="0">
+              <a:solidFill>
+                <a:srgbClr val="FF0000"/>
+              </a:solidFill>
+            </a:endParaRPr>
+          </a:p>
+        </p:txBody>
+      </p:sp>
+    </p:spTree>
+    <p:extLst>
+      <p:ext uri="{BB962C8B-B14F-4D97-AF65-F5344CB8AC3E}">
+        <p14:creationId xmlns:p14="http://schemas.microsoft.com/office/powerpoint/2010/main" val="879814824"/>
+      </p:ext>
+    </p:extLst>
+  </p:cSld>
+  <p:clrMapOvr>
+    <a:masterClrMapping/>
+  </p:clrMapOvr>
+  <mc:AlternateContent xmlns:mc="http://schemas.openxmlformats.org/markup-compatibility/2006">
+    <mc:Choice xmlns:p14="http://schemas.microsoft.com/office/powerpoint/2010/main" Requires="p14">
+      <p:transition p14:dur="10"/>
+    </mc:Choice>
+    <mc:Fallback>
+      <p:transition/>
+    </mc:Fallback>
+  </mc:AlternateContent>
+</p:sld>
+</file>
+
+<file path=ppt/slides/slide15.xml><?xml version="1.0" encoding="utf-8"?>
 <p:sld xmlns:a="http://schemas.openxmlformats.org/drawingml/2006/main" xmlns:r="http://schemas.openxmlformats.org/officeDocument/2006/relationships" xmlns:p="http://schemas.openxmlformats.org/presentationml/2006/main">
   <p:cSld>
     <p:spTree>
@@ -7808,6 +9762,9 @@
             <a:pPr algn="ctr"/>
             <a:r>
               <a:rPr lang="en-GB" sz="2800" dirty="0">
+                <a:solidFill>
+                  <a:srgbClr val="FF0000"/>
+                </a:solidFill>
                 <a:latin typeface="Alegreya Sans" panose="00000500000000000000" pitchFamily="2" charset="0"/>
                 <a:ea typeface="Malgun Gothic" panose="020B0503020000020004" pitchFamily="34" charset="-127"/>
               </a:rPr>
@@ -8407,7 +10364,7 @@
 </p:sld>
 </file>
 
-<file path=ppt/slides/slide6.xml><?xml version="1.0" encoding="utf-8"?>
+<file path=ppt/slides/slide16.xml><?xml version="1.0" encoding="utf-8"?>
 <p:sld xmlns:a="http://schemas.openxmlformats.org/drawingml/2006/main" xmlns:r="http://schemas.openxmlformats.org/officeDocument/2006/relationships" xmlns:p="http://schemas.openxmlformats.org/presentationml/2006/main">
   <p:cSld>
     <p:spTree>
@@ -8538,7 +10495,7 @@
 </p:sld>
 </file>
 
-<file path=ppt/slides/slide7.xml><?xml version="1.0" encoding="utf-8"?>
+<file path=ppt/slides/slide17.xml><?xml version="1.0" encoding="utf-8"?>
 <p:sld xmlns:a="http://schemas.openxmlformats.org/drawingml/2006/main" xmlns:r="http://schemas.openxmlformats.org/officeDocument/2006/relationships" xmlns:p="http://schemas.openxmlformats.org/presentationml/2006/main">
   <p:cSld>
     <p:spTree>
@@ -8731,7 +10688,7 @@
 </p:sld>
 </file>
 
-<file path=ppt/slides/slide8.xml><?xml version="1.0" encoding="utf-8"?>
+<file path=ppt/slides/slide18.xml><?xml version="1.0" encoding="utf-8"?>
 <p:sld xmlns:a="http://schemas.openxmlformats.org/drawingml/2006/main" xmlns:r="http://schemas.openxmlformats.org/officeDocument/2006/relationships" xmlns:p="http://schemas.openxmlformats.org/presentationml/2006/main">
   <p:cSld>
     <p:spTree>
@@ -8838,7 +10795,7 @@
 </p:sld>
 </file>
 
-<file path=ppt/slides/slide9.xml><?xml version="1.0" encoding="utf-8"?>
+<file path=ppt/slides/slide19.xml><?xml version="1.0" encoding="utf-8"?>
 <p:sld xmlns:a="http://schemas.openxmlformats.org/drawingml/2006/main" xmlns:r="http://schemas.openxmlformats.org/officeDocument/2006/relationships" xmlns:p="http://schemas.openxmlformats.org/presentationml/2006/main">
   <p:cSld>
     <p:spTree>
@@ -9068,6 +11025,4992 @@
       </p:transition>
     </mc:Fallback>
   </mc:AlternateContent>
+</p:sld>
+</file>
+
+<file path=ppt/slides/slide2.xml><?xml version="1.0" encoding="utf-8"?>
+<p:sld xmlns:a="http://schemas.openxmlformats.org/drawingml/2006/main" xmlns:r="http://schemas.openxmlformats.org/officeDocument/2006/relationships" xmlns:p="http://schemas.openxmlformats.org/presentationml/2006/main">
+  <p:cSld>
+    <p:spTree>
+      <p:nvGrpSpPr>
+        <p:cNvPr id="1" name=""/>
+        <p:cNvGrpSpPr/>
+        <p:nvPr/>
+      </p:nvGrpSpPr>
+      <p:grpSpPr>
+        <a:xfrm>
+          <a:off x="0" y="0"/>
+          <a:ext cx="0" cy="0"/>
+          <a:chOff x="0" y="0"/>
+          <a:chExt cx="0" cy="0"/>
+        </a:xfrm>
+      </p:grpSpPr>
+      <p:sp>
+        <p:nvSpPr>
+          <p:cNvPr id="37" name="Rectangle 36">
+            <a:extLst>
+              <a:ext uri="{FF2B5EF4-FFF2-40B4-BE49-F238E27FC236}">
+                <a16:creationId xmlns:a16="http://schemas.microsoft.com/office/drawing/2014/main" id="{E68457AD-ED63-4022-A0AA-E62E4A1D2114}"/>
+              </a:ext>
+            </a:extLst>
+          </p:cNvPr>
+          <p:cNvSpPr/>
+          <p:nvPr/>
+        </p:nvSpPr>
+        <p:spPr>
+          <a:xfrm>
+            <a:off x="0" y="6326231"/>
+            <a:ext cx="9144000" cy="531769"/>
+          </a:xfrm>
+          <a:prstGeom prst="rect">
+            <a:avLst/>
+          </a:prstGeom>
+          <a:solidFill>
+            <a:srgbClr val="5D9732"/>
+          </a:solidFill>
+          <a:ln>
+            <a:noFill/>
+          </a:ln>
+        </p:spPr>
+        <p:style>
+          <a:lnRef idx="2">
+            <a:schemeClr val="accent1">
+              <a:shade val="50000"/>
+            </a:schemeClr>
+          </a:lnRef>
+          <a:fillRef idx="1">
+            <a:schemeClr val="accent1"/>
+          </a:fillRef>
+          <a:effectRef idx="0">
+            <a:schemeClr val="accent1"/>
+          </a:effectRef>
+          <a:fontRef idx="minor">
+            <a:schemeClr val="lt1"/>
+          </a:fontRef>
+        </p:style>
+        <p:txBody>
+          <a:bodyPr rtlCol="0" anchor="ctr"/>
+          <a:lstStyle/>
+          <a:p>
+            <a:pPr algn="ctr"/>
+            <a:endParaRPr lang="en-GB"/>
+          </a:p>
+        </p:txBody>
+      </p:sp>
+      <p:sp>
+        <p:nvSpPr>
+          <p:cNvPr id="9" name="Rectangle 8">
+            <a:extLst>
+              <a:ext uri="{FF2B5EF4-FFF2-40B4-BE49-F238E27FC236}">
+                <a16:creationId xmlns:a16="http://schemas.microsoft.com/office/drawing/2014/main" id="{DFC374E1-6D4E-4F6C-8705-D42E43DBC7CA}"/>
+              </a:ext>
+            </a:extLst>
+          </p:cNvPr>
+          <p:cNvSpPr/>
+          <p:nvPr/>
+        </p:nvSpPr>
+        <p:spPr>
+          <a:xfrm>
+            <a:off x="0" y="0"/>
+            <a:ext cx="7615988" cy="1041833"/>
+          </a:xfrm>
+          <a:prstGeom prst="rect">
+            <a:avLst/>
+          </a:prstGeom>
+          <a:solidFill>
+            <a:srgbClr val="5D9732">
+              <a:alpha val="50000"/>
+            </a:srgbClr>
+          </a:solidFill>
+          <a:ln>
+            <a:noFill/>
+          </a:ln>
+        </p:spPr>
+        <p:style>
+          <a:lnRef idx="2">
+            <a:schemeClr val="accent1">
+              <a:shade val="50000"/>
+            </a:schemeClr>
+          </a:lnRef>
+          <a:fillRef idx="1">
+            <a:schemeClr val="accent1"/>
+          </a:fillRef>
+          <a:effectRef idx="0">
+            <a:schemeClr val="accent1"/>
+          </a:effectRef>
+          <a:fontRef idx="minor">
+            <a:schemeClr val="lt1"/>
+          </a:fontRef>
+        </p:style>
+        <p:txBody>
+          <a:bodyPr rtlCol="0" anchor="ctr"/>
+          <a:lstStyle/>
+          <a:p>
+            <a:endParaRPr lang="en-GB" dirty="0"/>
+          </a:p>
+        </p:txBody>
+      </p:sp>
+      <p:sp>
+        <p:nvSpPr>
+          <p:cNvPr id="2" name="Title 1"/>
+          <p:cNvSpPr>
+            <a:spLocks noGrp="1"/>
+          </p:cNvSpPr>
+          <p:nvPr>
+            <p:ph type="ctrTitle"/>
+          </p:nvPr>
+        </p:nvSpPr>
+        <p:spPr>
+          <a:xfrm>
+            <a:off x="0" y="27512"/>
+            <a:ext cx="7615988" cy="1014321"/>
+          </a:xfrm>
+        </p:spPr>
+        <p:txBody>
+          <a:bodyPr anchor="ctr"/>
+          <a:lstStyle/>
+          <a:p>
+            <a:pPr algn="ctr"/>
+            <a:r>
+              <a:rPr lang="en-GB" sz="2800" b="1" dirty="0">
+                <a:latin typeface="Alegreya Sans" panose="00000500000000000000" pitchFamily="2" charset="0"/>
+                <a:ea typeface="Malgun Gothic" panose="020B0503020000020004" pitchFamily="34" charset="-127"/>
+              </a:rPr>
+              <a:t>What does this mean?</a:t>
+            </a:r>
+          </a:p>
+        </p:txBody>
+      </p:sp>
+      <p:sp>
+        <p:nvSpPr>
+          <p:cNvPr id="18" name="Rectangle 17">
+            <a:extLst>
+              <a:ext uri="{FF2B5EF4-FFF2-40B4-BE49-F238E27FC236}">
+                <a16:creationId xmlns:a16="http://schemas.microsoft.com/office/drawing/2014/main" id="{0D832764-832B-42B4-8FEF-8544C93A11C4}"/>
+              </a:ext>
+            </a:extLst>
+          </p:cNvPr>
+          <p:cNvSpPr/>
+          <p:nvPr/>
+        </p:nvSpPr>
+        <p:spPr>
+          <a:xfrm>
+            <a:off x="8682176" y="0"/>
+            <a:ext cx="461824" cy="1041833"/>
+          </a:xfrm>
+          <a:prstGeom prst="rect">
+            <a:avLst/>
+          </a:prstGeom>
+          <a:solidFill>
+            <a:srgbClr val="5D9732">
+              <a:alpha val="50000"/>
+            </a:srgbClr>
+          </a:solidFill>
+          <a:ln>
+            <a:noFill/>
+          </a:ln>
+        </p:spPr>
+        <p:style>
+          <a:lnRef idx="2">
+            <a:schemeClr val="accent1">
+              <a:shade val="50000"/>
+            </a:schemeClr>
+          </a:lnRef>
+          <a:fillRef idx="1">
+            <a:schemeClr val="accent1"/>
+          </a:fillRef>
+          <a:effectRef idx="0">
+            <a:schemeClr val="accent1"/>
+          </a:effectRef>
+          <a:fontRef idx="minor">
+            <a:schemeClr val="lt1"/>
+          </a:fontRef>
+        </p:style>
+        <p:txBody>
+          <a:bodyPr rtlCol="0" anchor="ctr"/>
+          <a:lstStyle/>
+          <a:p>
+            <a:endParaRPr lang="en-GB" dirty="0"/>
+          </a:p>
+        </p:txBody>
+      </p:sp>
+      <p:sp>
+        <p:nvSpPr>
+          <p:cNvPr id="12" name="TextBox 11">
+            <a:extLst>
+              <a:ext uri="{FF2B5EF4-FFF2-40B4-BE49-F238E27FC236}">
+                <a16:creationId xmlns:a16="http://schemas.microsoft.com/office/drawing/2014/main" id="{1647925E-1FC6-42F7-A717-C4157600B088}"/>
+              </a:ext>
+            </a:extLst>
+          </p:cNvPr>
+          <p:cNvSpPr txBox="1"/>
+          <p:nvPr/>
+        </p:nvSpPr>
+        <p:spPr>
+          <a:xfrm>
+            <a:off x="432048" y="1484784"/>
+            <a:ext cx="2627784" cy="461665"/>
+          </a:xfrm>
+          <a:prstGeom prst="rect">
+            <a:avLst/>
+          </a:prstGeom>
+          <a:noFill/>
+        </p:spPr>
+        <p:txBody>
+          <a:bodyPr wrap="square" rtlCol="0">
+            <a:spAutoFit/>
+          </a:bodyPr>
+          <a:lstStyle/>
+          <a:p>
+            <a:pPr marL="285750" indent="-285750">
+              <a:buClr>
+                <a:srgbClr val="5D9732"/>
+              </a:buClr>
+              <a:buFont typeface="Wingdings" panose="05000000000000000000" pitchFamily="2" charset="2"/>
+              <a:buChar char="Ø"/>
+            </a:pPr>
+            <a:r>
+              <a:rPr lang="en-GB" sz="2400" dirty="0">
+                <a:latin typeface="Alegreya Sans" panose="00000500000000000000" pitchFamily="2" charset="0"/>
+                <a:ea typeface="Malgun Gothic" panose="020B0503020000020004" pitchFamily="34" charset="-127"/>
+              </a:rPr>
+              <a:t>Joule Expansion?</a:t>
+            </a:r>
+            <a:endParaRPr lang="en-GB" sz="2800" dirty="0">
+              <a:latin typeface="Alegreya Sans" panose="00000500000000000000" pitchFamily="2" charset="0"/>
+              <a:ea typeface="Malgun Gothic" panose="020B0503020000020004" pitchFamily="34" charset="-127"/>
+            </a:endParaRPr>
+          </a:p>
+        </p:txBody>
+      </p:sp>
+      <p:sp>
+        <p:nvSpPr>
+          <p:cNvPr id="8" name="Subtitle 2">
+            <a:extLst>
+              <a:ext uri="{FF2B5EF4-FFF2-40B4-BE49-F238E27FC236}">
+                <a16:creationId xmlns:a16="http://schemas.microsoft.com/office/drawing/2014/main" id="{E51E2B93-3696-471D-94EB-612CA436A13C}"/>
+              </a:ext>
+            </a:extLst>
+          </p:cNvPr>
+          <p:cNvSpPr>
+            <a:spLocks noGrp="1"/>
+          </p:cNvSpPr>
+          <p:nvPr>
+            <p:ph type="subTitle" idx="1"/>
+          </p:nvPr>
+        </p:nvSpPr>
+        <p:spPr>
+          <a:xfrm>
+            <a:off x="1096731" y="6319270"/>
+            <a:ext cx="6950537" cy="538730"/>
+          </a:xfrm>
+        </p:spPr>
+        <p:txBody>
+          <a:bodyPr tIns="90000" anchor="ctr" anchorCtr="0">
+            <a:normAutofit fontScale="85000" lnSpcReduction="10000"/>
+          </a:bodyPr>
+          <a:lstStyle/>
+          <a:p>
+            <a:pPr algn="ctr"/>
+            <a:r>
+              <a:rPr lang="en-GB" sz="2000" dirty="0">
+                <a:solidFill>
+                  <a:schemeClr val="bg1"/>
+                </a:solidFill>
+                <a:latin typeface="Alegreya Sans" panose="00000500000000000000" pitchFamily="2" charset="0"/>
+              </a:rPr>
+              <a:t>MITIGATING JOULE EXPANSION IN MULTICELL ATOMIC QUANTUM MEMORY</a:t>
+            </a:r>
+          </a:p>
+        </p:txBody>
+      </p:sp>
+      <p:grpSp>
+        <p:nvGrpSpPr>
+          <p:cNvPr id="34" name="Group 33">
+            <a:extLst>
+              <a:ext uri="{FF2B5EF4-FFF2-40B4-BE49-F238E27FC236}">
+                <a16:creationId xmlns:a16="http://schemas.microsoft.com/office/drawing/2014/main" id="{13854534-9F6E-4AFF-9C19-77922DC2AF95}"/>
+              </a:ext>
+            </a:extLst>
+          </p:cNvPr>
+          <p:cNvGrpSpPr/>
+          <p:nvPr/>
+        </p:nvGrpSpPr>
+        <p:grpSpPr>
+          <a:xfrm>
+            <a:off x="1537045" y="2133046"/>
+            <a:ext cx="7145131" cy="3828079"/>
+            <a:chOff x="1537045" y="2277062"/>
+            <a:chExt cx="7145131" cy="3828079"/>
+          </a:xfrm>
+        </p:grpSpPr>
+        <p:cxnSp>
+          <p:nvCxnSpPr>
+            <p:cNvPr id="22" name="Straight Arrow Connector 21">
+              <a:extLst>
+                <a:ext uri="{FF2B5EF4-FFF2-40B4-BE49-F238E27FC236}">
+                  <a16:creationId xmlns:a16="http://schemas.microsoft.com/office/drawing/2014/main" id="{53104C22-2D38-4E56-9CEB-D43F6F9AA4CE}"/>
+                </a:ext>
+              </a:extLst>
+            </p:cNvPr>
+            <p:cNvCxnSpPr>
+              <a:cxnSpLocks/>
+            </p:cNvCxnSpPr>
+            <p:nvPr/>
+          </p:nvCxnSpPr>
+          <p:spPr>
+            <a:xfrm>
+              <a:off x="1537045" y="3747787"/>
+              <a:ext cx="2574585" cy="2357354"/>
+            </a:xfrm>
+            <a:prstGeom prst="straightConnector1">
+              <a:avLst/>
+            </a:prstGeom>
+            <a:ln w="57150">
+              <a:solidFill>
+                <a:srgbClr val="5D9732"/>
+              </a:solidFill>
+              <a:tailEnd type="triangle"/>
+            </a:ln>
+          </p:spPr>
+          <p:style>
+            <a:lnRef idx="1">
+              <a:schemeClr val="accent1"/>
+            </a:lnRef>
+            <a:fillRef idx="0">
+              <a:schemeClr val="accent1"/>
+            </a:fillRef>
+            <a:effectRef idx="0">
+              <a:schemeClr val="accent1"/>
+            </a:effectRef>
+            <a:fontRef idx="minor">
+              <a:schemeClr val="tx1"/>
+            </a:fontRef>
+          </p:style>
+        </p:cxnSp>
+        <p:cxnSp>
+          <p:nvCxnSpPr>
+            <p:cNvPr id="23" name="Straight Arrow Connector 22">
+              <a:extLst>
+                <a:ext uri="{FF2B5EF4-FFF2-40B4-BE49-F238E27FC236}">
+                  <a16:creationId xmlns:a16="http://schemas.microsoft.com/office/drawing/2014/main" id="{1E04435B-3A32-4B03-87C5-C022327415CB}"/>
+                </a:ext>
+              </a:extLst>
+            </p:cNvPr>
+            <p:cNvCxnSpPr>
+              <a:cxnSpLocks/>
+            </p:cNvCxnSpPr>
+            <p:nvPr/>
+          </p:nvCxnSpPr>
+          <p:spPr>
+            <a:xfrm>
+              <a:off x="6186061" y="2277062"/>
+              <a:ext cx="2496115" cy="2402574"/>
+            </a:xfrm>
+            <a:prstGeom prst="straightConnector1">
+              <a:avLst/>
+            </a:prstGeom>
+            <a:ln w="57150">
+              <a:solidFill>
+                <a:srgbClr val="5D9732"/>
+              </a:solidFill>
+              <a:tailEnd type="triangle"/>
+            </a:ln>
+          </p:spPr>
+          <p:style>
+            <a:lnRef idx="1">
+              <a:schemeClr val="accent1"/>
+            </a:lnRef>
+            <a:fillRef idx="0">
+              <a:schemeClr val="accent1"/>
+            </a:fillRef>
+            <a:effectRef idx="0">
+              <a:schemeClr val="accent1"/>
+            </a:effectRef>
+            <a:fontRef idx="minor">
+              <a:schemeClr val="tx1"/>
+            </a:fontRef>
+          </p:style>
+        </p:cxnSp>
+      </p:grpSp>
+      <p:grpSp>
+        <p:nvGrpSpPr>
+          <p:cNvPr id="32" name="Group 31">
+            <a:extLst>
+              <a:ext uri="{FF2B5EF4-FFF2-40B4-BE49-F238E27FC236}">
+                <a16:creationId xmlns:a16="http://schemas.microsoft.com/office/drawing/2014/main" id="{DB7ACDA2-9DD6-4620-AF74-551C41330485}"/>
+              </a:ext>
+            </a:extLst>
+          </p:cNvPr>
+          <p:cNvGrpSpPr/>
+          <p:nvPr/>
+        </p:nvGrpSpPr>
+        <p:grpSpPr>
+          <a:xfrm>
+            <a:off x="1475656" y="2132856"/>
+            <a:ext cx="4552348" cy="2180565"/>
+            <a:chOff x="1475656" y="2276872"/>
+            <a:chExt cx="4552348" cy="2180565"/>
+          </a:xfrm>
+        </p:grpSpPr>
+        <p:grpSp>
+          <p:nvGrpSpPr>
+            <p:cNvPr id="11" name="Group 10">
+              <a:extLst>
+                <a:ext uri="{FF2B5EF4-FFF2-40B4-BE49-F238E27FC236}">
+                  <a16:creationId xmlns:a16="http://schemas.microsoft.com/office/drawing/2014/main" id="{6C9133D2-CF8C-439A-9542-3BE8DB6EE447}"/>
+                </a:ext>
+              </a:extLst>
+            </p:cNvPr>
+            <p:cNvGrpSpPr/>
+            <p:nvPr/>
+          </p:nvGrpSpPr>
+          <p:grpSpPr>
+            <a:xfrm>
+              <a:off x="1475656" y="2276872"/>
+              <a:ext cx="4552348" cy="1296144"/>
+              <a:chOff x="1475656" y="2276872"/>
+              <a:chExt cx="4552348" cy="1296144"/>
+            </a:xfrm>
+          </p:grpSpPr>
+          <p:sp>
+            <p:nvSpPr>
+              <p:cNvPr id="3" name="Rectangle 2">
+                <a:extLst>
+                  <a:ext uri="{FF2B5EF4-FFF2-40B4-BE49-F238E27FC236}">
+                    <a16:creationId xmlns:a16="http://schemas.microsoft.com/office/drawing/2014/main" id="{C5DD9250-4D56-4039-A408-60051F36E7B7}"/>
+                  </a:ext>
+                </a:extLst>
+              </p:cNvPr>
+              <p:cNvSpPr/>
+              <p:nvPr/>
+            </p:nvSpPr>
+            <p:spPr>
+              <a:xfrm>
+                <a:off x="1475656" y="2276872"/>
+                <a:ext cx="2276174" cy="1296144"/>
+              </a:xfrm>
+              <a:prstGeom prst="rect">
+                <a:avLst/>
+              </a:prstGeom>
+              <a:solidFill>
+                <a:srgbClr val="AECB98"/>
+              </a:solidFill>
+              <a:ln w="57150">
+                <a:solidFill>
+                  <a:schemeClr val="tx1">
+                    <a:lumMod val="95000"/>
+                    <a:lumOff val="5000"/>
+                  </a:schemeClr>
+                </a:solidFill>
+              </a:ln>
+            </p:spPr>
+            <p:style>
+              <a:lnRef idx="2">
+                <a:schemeClr val="accent1">
+                  <a:shade val="50000"/>
+                </a:schemeClr>
+              </a:lnRef>
+              <a:fillRef idx="1">
+                <a:schemeClr val="accent1"/>
+              </a:fillRef>
+              <a:effectRef idx="0">
+                <a:schemeClr val="accent1"/>
+              </a:effectRef>
+              <a:fontRef idx="minor">
+                <a:schemeClr val="lt1"/>
+              </a:fontRef>
+            </p:style>
+            <p:txBody>
+              <a:bodyPr rtlCol="0" anchor="ctr"/>
+              <a:lstStyle/>
+              <a:p>
+                <a:pPr algn="ctr"/>
+                <a:endParaRPr lang="en-GB"/>
+              </a:p>
+            </p:txBody>
+          </p:sp>
+          <p:sp>
+            <p:nvSpPr>
+              <p:cNvPr id="10" name="Rectangle 9">
+                <a:extLst>
+                  <a:ext uri="{FF2B5EF4-FFF2-40B4-BE49-F238E27FC236}">
+                    <a16:creationId xmlns:a16="http://schemas.microsoft.com/office/drawing/2014/main" id="{1176B439-A95E-4BA0-A61D-80169293A53C}"/>
+                  </a:ext>
+                </a:extLst>
+              </p:cNvPr>
+              <p:cNvSpPr/>
+              <p:nvPr/>
+            </p:nvSpPr>
+            <p:spPr>
+              <a:xfrm>
+                <a:off x="3751830" y="2276872"/>
+                <a:ext cx="2276174" cy="1296144"/>
+              </a:xfrm>
+              <a:prstGeom prst="rect">
+                <a:avLst/>
+              </a:prstGeom>
+              <a:noFill/>
+              <a:ln w="57150">
+                <a:solidFill>
+                  <a:schemeClr val="tx1">
+                    <a:lumMod val="95000"/>
+                    <a:lumOff val="5000"/>
+                  </a:schemeClr>
+                </a:solidFill>
+              </a:ln>
+            </p:spPr>
+            <p:style>
+              <a:lnRef idx="2">
+                <a:schemeClr val="accent1">
+                  <a:shade val="50000"/>
+                </a:schemeClr>
+              </a:lnRef>
+              <a:fillRef idx="1">
+                <a:schemeClr val="accent1"/>
+              </a:fillRef>
+              <a:effectRef idx="0">
+                <a:schemeClr val="accent1"/>
+              </a:effectRef>
+              <a:fontRef idx="minor">
+                <a:schemeClr val="lt1"/>
+              </a:fontRef>
+            </p:style>
+            <p:txBody>
+              <a:bodyPr rtlCol="0" anchor="ctr"/>
+              <a:lstStyle/>
+              <a:p>
+                <a:pPr algn="ctr"/>
+                <a:endParaRPr lang="en-GB"/>
+              </a:p>
+            </p:txBody>
+          </p:sp>
+          <p:sp>
+            <p:nvSpPr>
+              <p:cNvPr id="4" name="TextBox 3">
+                <a:extLst>
+                  <a:ext uri="{FF2B5EF4-FFF2-40B4-BE49-F238E27FC236}">
+                    <a16:creationId xmlns:a16="http://schemas.microsoft.com/office/drawing/2014/main" id="{731B6BF6-EDDD-4DD9-B37D-911CCCC00D7C}"/>
+                  </a:ext>
+                </a:extLst>
+              </p:cNvPr>
+              <p:cNvSpPr txBox="1"/>
+              <p:nvPr/>
+            </p:nvSpPr>
+            <p:spPr>
+              <a:xfrm>
+                <a:off x="2410001" y="2509445"/>
+                <a:ext cx="418704" cy="830997"/>
+              </a:xfrm>
+              <a:prstGeom prst="rect">
+                <a:avLst/>
+              </a:prstGeom>
+              <a:noFill/>
+            </p:spPr>
+            <p:txBody>
+              <a:bodyPr wrap="none" rtlCol="0">
+                <a:spAutoFit/>
+              </a:bodyPr>
+              <a:lstStyle/>
+              <a:p>
+                <a:r>
+                  <a:rPr lang="en-GB" sz="2400" b="1" dirty="0">
+                    <a:latin typeface="Alegreya Sans" panose="00000500000000000000" pitchFamily="2" charset="0"/>
+                  </a:rPr>
+                  <a:t>P</a:t>
+                </a:r>
+                <a:r>
+                  <a:rPr lang="en-GB" sz="2400" b="1" baseline="-25000" dirty="0">
+                    <a:latin typeface="Alegreya Sans" panose="00000500000000000000" pitchFamily="2" charset="0"/>
+                  </a:rPr>
+                  <a:t>i</a:t>
+                </a:r>
+              </a:p>
+              <a:p>
+                <a:r>
+                  <a:rPr lang="en-GB" sz="2400" b="1" dirty="0">
+                    <a:latin typeface="Alegreya Sans" panose="00000500000000000000" pitchFamily="2" charset="0"/>
+                  </a:rPr>
+                  <a:t>V</a:t>
+                </a:r>
+                <a:r>
+                  <a:rPr lang="en-GB" sz="2400" b="1" baseline="-25000" dirty="0">
+                    <a:latin typeface="Alegreya Sans" panose="00000500000000000000" pitchFamily="2" charset="0"/>
+                  </a:rPr>
+                  <a:t>i</a:t>
+                </a:r>
+              </a:p>
+            </p:txBody>
+          </p:sp>
+        </p:grpSp>
+        <p:sp>
+          <p:nvSpPr>
+            <p:cNvPr id="26" name="TextBox 25">
+              <a:extLst>
+                <a:ext uri="{FF2B5EF4-FFF2-40B4-BE49-F238E27FC236}">
+                  <a16:creationId xmlns:a16="http://schemas.microsoft.com/office/drawing/2014/main" id="{B16BE125-CEFF-4A79-AA04-C634327DB59B}"/>
+                </a:ext>
+              </a:extLst>
+            </p:cNvPr>
+            <p:cNvSpPr txBox="1"/>
+            <p:nvPr/>
+          </p:nvSpPr>
+          <p:spPr>
+            <a:xfrm>
+              <a:off x="2912570" y="4088105"/>
+              <a:ext cx="1659429" cy="369332"/>
+            </a:xfrm>
+            <a:prstGeom prst="rect">
+              <a:avLst/>
+            </a:prstGeom>
+            <a:noFill/>
+          </p:spPr>
+          <p:txBody>
+            <a:bodyPr wrap="none" rtlCol="0">
+              <a:spAutoFit/>
+            </a:bodyPr>
+            <a:lstStyle/>
+            <a:p>
+              <a:r>
+                <a:rPr lang="en-GB" dirty="0"/>
+                <a:t>Thermal Barrier</a:t>
+              </a:r>
+            </a:p>
+          </p:txBody>
+        </p:sp>
+        <p:cxnSp>
+          <p:nvCxnSpPr>
+            <p:cNvPr id="27" name="Straight Arrow Connector 26">
+              <a:extLst>
+                <a:ext uri="{FF2B5EF4-FFF2-40B4-BE49-F238E27FC236}">
+                  <a16:creationId xmlns:a16="http://schemas.microsoft.com/office/drawing/2014/main" id="{BB62AA6A-CF3B-4787-8478-3D3FD69C1BBE}"/>
+                </a:ext>
+              </a:extLst>
+            </p:cNvPr>
+            <p:cNvCxnSpPr>
+              <a:cxnSpLocks/>
+            </p:cNvCxnSpPr>
+            <p:nvPr/>
+          </p:nvCxnSpPr>
+          <p:spPr>
+            <a:xfrm flipV="1">
+              <a:off x="3751829" y="3688906"/>
+              <a:ext cx="0" cy="399199"/>
+            </a:xfrm>
+            <a:prstGeom prst="straightConnector1">
+              <a:avLst/>
+            </a:prstGeom>
+            <a:ln w="57150">
+              <a:solidFill>
+                <a:srgbClr val="5D9732"/>
+              </a:solidFill>
+              <a:tailEnd type="triangle"/>
+            </a:ln>
+          </p:spPr>
+          <p:style>
+            <a:lnRef idx="1">
+              <a:schemeClr val="accent1"/>
+            </a:lnRef>
+            <a:fillRef idx="0">
+              <a:schemeClr val="accent1"/>
+            </a:fillRef>
+            <a:effectRef idx="0">
+              <a:schemeClr val="accent1"/>
+            </a:effectRef>
+            <a:fontRef idx="minor">
+              <a:schemeClr val="tx1"/>
+            </a:fontRef>
+          </p:style>
+        </p:cxnSp>
+      </p:grpSp>
+      <p:grpSp>
+        <p:nvGrpSpPr>
+          <p:cNvPr id="33" name="Group 32">
+            <a:extLst>
+              <a:ext uri="{FF2B5EF4-FFF2-40B4-BE49-F238E27FC236}">
+                <a16:creationId xmlns:a16="http://schemas.microsoft.com/office/drawing/2014/main" id="{EA343BBF-CABE-4853-9B4A-A54E539A5A11}"/>
+              </a:ext>
+            </a:extLst>
+          </p:cNvPr>
+          <p:cNvGrpSpPr/>
+          <p:nvPr/>
+        </p:nvGrpSpPr>
+        <p:grpSpPr>
+          <a:xfrm>
+            <a:off x="4211960" y="3544890"/>
+            <a:ext cx="4552348" cy="2416235"/>
+            <a:chOff x="4211960" y="3688906"/>
+            <a:chExt cx="4552348" cy="2416235"/>
+          </a:xfrm>
+        </p:grpSpPr>
+        <p:grpSp>
+          <p:nvGrpSpPr>
+            <p:cNvPr id="7" name="Group 6">
+              <a:extLst>
+                <a:ext uri="{FF2B5EF4-FFF2-40B4-BE49-F238E27FC236}">
+                  <a16:creationId xmlns:a16="http://schemas.microsoft.com/office/drawing/2014/main" id="{9AD64ECD-A716-4469-A5F8-94682E243A01}"/>
+                </a:ext>
+              </a:extLst>
+            </p:cNvPr>
+            <p:cNvGrpSpPr/>
+            <p:nvPr/>
+          </p:nvGrpSpPr>
+          <p:grpSpPr>
+            <a:xfrm>
+              <a:off x="4211960" y="4808997"/>
+              <a:ext cx="4552348" cy="1296144"/>
+              <a:chOff x="4211960" y="4808997"/>
+              <a:chExt cx="4552348" cy="1296144"/>
+            </a:xfrm>
+          </p:grpSpPr>
+          <p:sp>
+            <p:nvSpPr>
+              <p:cNvPr id="14" name="Rectangle 13">
+                <a:extLst>
+                  <a:ext uri="{FF2B5EF4-FFF2-40B4-BE49-F238E27FC236}">
+                    <a16:creationId xmlns:a16="http://schemas.microsoft.com/office/drawing/2014/main" id="{5324CBCE-CC01-460B-B8C0-95259B623D0A}"/>
+                  </a:ext>
+                </a:extLst>
+              </p:cNvPr>
+              <p:cNvSpPr/>
+              <p:nvPr/>
+            </p:nvSpPr>
+            <p:spPr>
+              <a:xfrm>
+                <a:off x="4211960" y="4808997"/>
+                <a:ext cx="2276174" cy="1296144"/>
+              </a:xfrm>
+              <a:prstGeom prst="rect">
+                <a:avLst/>
+              </a:prstGeom>
+              <a:solidFill>
+                <a:schemeClr val="accent3">
+                  <a:lumMod val="40000"/>
+                  <a:lumOff val="60000"/>
+                </a:schemeClr>
+              </a:solidFill>
+              <a:ln w="57150">
+                <a:solidFill>
+                  <a:schemeClr val="tx1">
+                    <a:lumMod val="95000"/>
+                    <a:lumOff val="5000"/>
+                  </a:schemeClr>
+                </a:solidFill>
+              </a:ln>
+            </p:spPr>
+            <p:style>
+              <a:lnRef idx="2">
+                <a:schemeClr val="accent1">
+                  <a:shade val="50000"/>
+                </a:schemeClr>
+              </a:lnRef>
+              <a:fillRef idx="1">
+                <a:schemeClr val="accent1"/>
+              </a:fillRef>
+              <a:effectRef idx="0">
+                <a:schemeClr val="accent1"/>
+              </a:effectRef>
+              <a:fontRef idx="minor">
+                <a:schemeClr val="lt1"/>
+              </a:fontRef>
+            </p:style>
+            <p:txBody>
+              <a:bodyPr rtlCol="0" anchor="ctr"/>
+              <a:lstStyle/>
+              <a:p>
+                <a:pPr algn="ctr"/>
+                <a:endParaRPr lang="en-GB"/>
+              </a:p>
+            </p:txBody>
+          </p:sp>
+          <p:sp>
+            <p:nvSpPr>
+              <p:cNvPr id="15" name="Rectangle 14">
+                <a:extLst>
+                  <a:ext uri="{FF2B5EF4-FFF2-40B4-BE49-F238E27FC236}">
+                    <a16:creationId xmlns:a16="http://schemas.microsoft.com/office/drawing/2014/main" id="{4AC3FAB7-569E-49EB-9E81-82805EEBF184}"/>
+                  </a:ext>
+                </a:extLst>
+              </p:cNvPr>
+              <p:cNvSpPr/>
+              <p:nvPr/>
+            </p:nvSpPr>
+            <p:spPr>
+              <a:xfrm>
+                <a:off x="6488134" y="4808997"/>
+                <a:ext cx="2276174" cy="1296144"/>
+              </a:xfrm>
+              <a:prstGeom prst="rect">
+                <a:avLst/>
+              </a:prstGeom>
+              <a:solidFill>
+                <a:schemeClr val="accent3">
+                  <a:lumMod val="40000"/>
+                  <a:lumOff val="60000"/>
+                </a:schemeClr>
+              </a:solidFill>
+              <a:ln w="57150">
+                <a:solidFill>
+                  <a:schemeClr val="tx1">
+                    <a:lumMod val="95000"/>
+                    <a:lumOff val="5000"/>
+                  </a:schemeClr>
+                </a:solidFill>
+              </a:ln>
+            </p:spPr>
+            <p:style>
+              <a:lnRef idx="2">
+                <a:schemeClr val="accent1">
+                  <a:shade val="50000"/>
+                </a:schemeClr>
+              </a:lnRef>
+              <a:fillRef idx="1">
+                <a:schemeClr val="accent1"/>
+              </a:fillRef>
+              <a:effectRef idx="0">
+                <a:schemeClr val="accent1"/>
+              </a:effectRef>
+              <a:fontRef idx="minor">
+                <a:schemeClr val="lt1"/>
+              </a:fontRef>
+            </p:style>
+            <p:txBody>
+              <a:bodyPr rtlCol="0" anchor="ctr"/>
+              <a:lstStyle/>
+              <a:p>
+                <a:pPr algn="ctr"/>
+                <a:endParaRPr lang="en-GB"/>
+              </a:p>
+            </p:txBody>
+          </p:sp>
+          <p:sp>
+            <p:nvSpPr>
+              <p:cNvPr id="16" name="TextBox 15">
+                <a:extLst>
+                  <a:ext uri="{FF2B5EF4-FFF2-40B4-BE49-F238E27FC236}">
+                    <a16:creationId xmlns:a16="http://schemas.microsoft.com/office/drawing/2014/main" id="{0D8883A6-F1FB-4BC7-834A-1FBDE9287910}"/>
+                  </a:ext>
+                </a:extLst>
+              </p:cNvPr>
+              <p:cNvSpPr txBox="1"/>
+              <p:nvPr/>
+            </p:nvSpPr>
+            <p:spPr>
+              <a:xfrm>
+                <a:off x="5146305" y="5041570"/>
+                <a:ext cx="433132" cy="830997"/>
+              </a:xfrm>
+              <a:prstGeom prst="rect">
+                <a:avLst/>
+              </a:prstGeom>
+              <a:noFill/>
+            </p:spPr>
+            <p:txBody>
+              <a:bodyPr wrap="none" rtlCol="0">
+                <a:spAutoFit/>
+              </a:bodyPr>
+              <a:lstStyle/>
+              <a:p>
+                <a:r>
+                  <a:rPr lang="en-GB" sz="2400" b="1" dirty="0" err="1">
+                    <a:latin typeface="Alegreya Sans" panose="00000500000000000000" pitchFamily="2" charset="0"/>
+                  </a:rPr>
+                  <a:t>P</a:t>
+                </a:r>
+                <a:r>
+                  <a:rPr lang="en-GB" sz="2400" b="1" baseline="-25000" dirty="0" err="1">
+                    <a:latin typeface="Alegreya Sans" panose="00000500000000000000" pitchFamily="2" charset="0"/>
+                  </a:rPr>
+                  <a:t>f</a:t>
+                </a:r>
+                <a:endParaRPr lang="en-GB" sz="2400" b="1" baseline="-25000" dirty="0">
+                  <a:latin typeface="Alegreya Sans" panose="00000500000000000000" pitchFamily="2" charset="0"/>
+                </a:endParaRPr>
+              </a:p>
+              <a:p>
+                <a:r>
+                  <a:rPr lang="en-GB" sz="2400" b="1" dirty="0" err="1">
+                    <a:latin typeface="Alegreya Sans" panose="00000500000000000000" pitchFamily="2" charset="0"/>
+                  </a:rPr>
+                  <a:t>V</a:t>
+                </a:r>
+                <a:r>
+                  <a:rPr lang="en-GB" sz="2400" b="1" baseline="-25000" dirty="0" err="1">
+                    <a:latin typeface="Alegreya Sans" panose="00000500000000000000" pitchFamily="2" charset="0"/>
+                  </a:rPr>
+                  <a:t>f</a:t>
+                </a:r>
+                <a:endParaRPr lang="en-GB" sz="2400" b="1" baseline="-25000" dirty="0">
+                  <a:latin typeface="Alegreya Sans" panose="00000500000000000000" pitchFamily="2" charset="0"/>
+                </a:endParaRPr>
+              </a:p>
+            </p:txBody>
+          </p:sp>
+          <p:sp>
+            <p:nvSpPr>
+              <p:cNvPr id="19" name="TextBox 18">
+                <a:extLst>
+                  <a:ext uri="{FF2B5EF4-FFF2-40B4-BE49-F238E27FC236}">
+                    <a16:creationId xmlns:a16="http://schemas.microsoft.com/office/drawing/2014/main" id="{B16D47B5-A9EB-4829-B2CC-B9BAA61243CF}"/>
+                  </a:ext>
+                </a:extLst>
+              </p:cNvPr>
+              <p:cNvSpPr txBox="1"/>
+              <p:nvPr/>
+            </p:nvSpPr>
+            <p:spPr>
+              <a:xfrm>
+                <a:off x="7409655" y="5041570"/>
+                <a:ext cx="433132" cy="830997"/>
+              </a:xfrm>
+              <a:prstGeom prst="rect">
+                <a:avLst/>
+              </a:prstGeom>
+              <a:noFill/>
+            </p:spPr>
+            <p:txBody>
+              <a:bodyPr wrap="none" rtlCol="0">
+                <a:spAutoFit/>
+              </a:bodyPr>
+              <a:lstStyle/>
+              <a:p>
+                <a:r>
+                  <a:rPr lang="en-GB" sz="2400" b="1" dirty="0" err="1">
+                    <a:latin typeface="Alegreya Sans" panose="00000500000000000000" pitchFamily="2" charset="0"/>
+                  </a:rPr>
+                  <a:t>P</a:t>
+                </a:r>
+                <a:r>
+                  <a:rPr lang="en-GB" sz="2400" b="1" baseline="-25000" dirty="0" err="1">
+                    <a:latin typeface="Alegreya Sans" panose="00000500000000000000" pitchFamily="2" charset="0"/>
+                  </a:rPr>
+                  <a:t>f</a:t>
+                </a:r>
+                <a:endParaRPr lang="en-GB" sz="2400" b="1" baseline="-25000" dirty="0">
+                  <a:latin typeface="Alegreya Sans" panose="00000500000000000000" pitchFamily="2" charset="0"/>
+                </a:endParaRPr>
+              </a:p>
+              <a:p>
+                <a:r>
+                  <a:rPr lang="en-GB" sz="2400" b="1" dirty="0" err="1">
+                    <a:latin typeface="Alegreya Sans" panose="00000500000000000000" pitchFamily="2" charset="0"/>
+                  </a:rPr>
+                  <a:t>V</a:t>
+                </a:r>
+                <a:r>
+                  <a:rPr lang="en-GB" sz="2400" b="1" baseline="-25000" dirty="0" err="1">
+                    <a:latin typeface="Alegreya Sans" panose="00000500000000000000" pitchFamily="2" charset="0"/>
+                  </a:rPr>
+                  <a:t>f</a:t>
+                </a:r>
+                <a:endParaRPr lang="en-GB" sz="2400" b="1" baseline="-25000" dirty="0">
+                  <a:latin typeface="Alegreya Sans" panose="00000500000000000000" pitchFamily="2" charset="0"/>
+                </a:endParaRPr>
+              </a:p>
+            </p:txBody>
+          </p:sp>
+          <p:sp>
+            <p:nvSpPr>
+              <p:cNvPr id="6" name="Rectangle 5">
+                <a:extLst>
+                  <a:ext uri="{FF2B5EF4-FFF2-40B4-BE49-F238E27FC236}">
+                    <a16:creationId xmlns:a16="http://schemas.microsoft.com/office/drawing/2014/main" id="{EC41B29E-51D3-436B-8BAA-629C6A818DE1}"/>
+                  </a:ext>
+                </a:extLst>
+              </p:cNvPr>
+              <p:cNvSpPr/>
+              <p:nvPr/>
+            </p:nvSpPr>
+            <p:spPr>
+              <a:xfrm>
+                <a:off x="6164098" y="5023126"/>
+                <a:ext cx="648072" cy="360040"/>
+              </a:xfrm>
+              <a:prstGeom prst="rect">
+                <a:avLst/>
+              </a:prstGeom>
+              <a:solidFill>
+                <a:schemeClr val="accent3">
+                  <a:lumMod val="40000"/>
+                  <a:lumOff val="60000"/>
+                </a:schemeClr>
+              </a:solidFill>
+              <a:ln>
+                <a:noFill/>
+              </a:ln>
+            </p:spPr>
+            <p:style>
+              <a:lnRef idx="2">
+                <a:schemeClr val="accent1">
+                  <a:shade val="50000"/>
+                </a:schemeClr>
+              </a:lnRef>
+              <a:fillRef idx="1">
+                <a:schemeClr val="accent1"/>
+              </a:fillRef>
+              <a:effectRef idx="0">
+                <a:schemeClr val="accent1"/>
+              </a:effectRef>
+              <a:fontRef idx="minor">
+                <a:schemeClr val="lt1"/>
+              </a:fontRef>
+            </p:style>
+            <p:txBody>
+              <a:bodyPr rtlCol="0" anchor="ctr"/>
+              <a:lstStyle/>
+              <a:p>
+                <a:pPr algn="ctr"/>
+                <a:endParaRPr lang="en-GB"/>
+              </a:p>
+            </p:txBody>
+          </p:sp>
+          <p:sp>
+            <p:nvSpPr>
+              <p:cNvPr id="20" name="Rectangle 19">
+                <a:extLst>
+                  <a:ext uri="{FF2B5EF4-FFF2-40B4-BE49-F238E27FC236}">
+                    <a16:creationId xmlns:a16="http://schemas.microsoft.com/office/drawing/2014/main" id="{7167B85A-AE9A-49B7-B20B-98526A2C7D66}"/>
+                  </a:ext>
+                </a:extLst>
+              </p:cNvPr>
+              <p:cNvSpPr/>
+              <p:nvPr/>
+            </p:nvSpPr>
+            <p:spPr>
+              <a:xfrm>
+                <a:off x="6132393" y="5512527"/>
+                <a:ext cx="648072" cy="360040"/>
+              </a:xfrm>
+              <a:prstGeom prst="rect">
+                <a:avLst/>
+              </a:prstGeom>
+              <a:solidFill>
+                <a:schemeClr val="accent3">
+                  <a:lumMod val="40000"/>
+                  <a:lumOff val="60000"/>
+                </a:schemeClr>
+              </a:solidFill>
+              <a:ln>
+                <a:noFill/>
+              </a:ln>
+            </p:spPr>
+            <p:style>
+              <a:lnRef idx="2">
+                <a:schemeClr val="accent1">
+                  <a:shade val="50000"/>
+                </a:schemeClr>
+              </a:lnRef>
+              <a:fillRef idx="1">
+                <a:schemeClr val="accent1"/>
+              </a:fillRef>
+              <a:effectRef idx="0">
+                <a:schemeClr val="accent1"/>
+              </a:effectRef>
+              <a:fontRef idx="minor">
+                <a:schemeClr val="lt1"/>
+              </a:fontRef>
+            </p:style>
+            <p:txBody>
+              <a:bodyPr rtlCol="0" anchor="ctr"/>
+              <a:lstStyle/>
+              <a:p>
+                <a:pPr algn="ctr"/>
+                <a:endParaRPr lang="en-GB"/>
+              </a:p>
+            </p:txBody>
+          </p:sp>
+        </p:grpSp>
+        <p:sp>
+          <p:nvSpPr>
+            <p:cNvPr id="29" name="TextBox 28">
+              <a:extLst>
+                <a:ext uri="{FF2B5EF4-FFF2-40B4-BE49-F238E27FC236}">
+                  <a16:creationId xmlns:a16="http://schemas.microsoft.com/office/drawing/2014/main" id="{46EE2757-30C2-4BC5-8CCE-12A956A48CAF}"/>
+                </a:ext>
+              </a:extLst>
+            </p:cNvPr>
+            <p:cNvSpPr txBox="1"/>
+            <p:nvPr/>
+          </p:nvSpPr>
+          <p:spPr>
+            <a:xfrm>
+              <a:off x="5648418" y="3688906"/>
+              <a:ext cx="1659429" cy="646331"/>
+            </a:xfrm>
+            <a:prstGeom prst="rect">
+              <a:avLst/>
+            </a:prstGeom>
+            <a:noFill/>
+          </p:spPr>
+          <p:txBody>
+            <a:bodyPr wrap="none" rtlCol="0">
+              <a:spAutoFit/>
+            </a:bodyPr>
+            <a:lstStyle/>
+            <a:p>
+              <a:pPr algn="ctr"/>
+              <a:r>
+                <a:rPr lang="en-GB" dirty="0"/>
+                <a:t>Thermal Barrier</a:t>
+              </a:r>
+            </a:p>
+            <a:p>
+              <a:pPr algn="ctr"/>
+              <a:r>
+                <a:rPr lang="en-GB" dirty="0"/>
+                <a:t>Removed</a:t>
+              </a:r>
+            </a:p>
+          </p:txBody>
+        </p:sp>
+        <p:cxnSp>
+          <p:nvCxnSpPr>
+            <p:cNvPr id="30" name="Straight Arrow Connector 29">
+              <a:extLst>
+                <a:ext uri="{FF2B5EF4-FFF2-40B4-BE49-F238E27FC236}">
+                  <a16:creationId xmlns:a16="http://schemas.microsoft.com/office/drawing/2014/main" id="{963F360A-557C-4F33-BC99-AA8D7022E7F0}"/>
+                </a:ext>
+              </a:extLst>
+            </p:cNvPr>
+            <p:cNvCxnSpPr>
+              <a:cxnSpLocks/>
+            </p:cNvCxnSpPr>
+            <p:nvPr/>
+          </p:nvCxnSpPr>
+          <p:spPr>
+            <a:xfrm>
+              <a:off x="6478133" y="4316702"/>
+              <a:ext cx="0" cy="388873"/>
+            </a:xfrm>
+            <a:prstGeom prst="straightConnector1">
+              <a:avLst/>
+            </a:prstGeom>
+            <a:ln w="57150">
+              <a:solidFill>
+                <a:srgbClr val="5D9732"/>
+              </a:solidFill>
+              <a:tailEnd type="triangle"/>
+            </a:ln>
+          </p:spPr>
+          <p:style>
+            <a:lnRef idx="1">
+              <a:schemeClr val="accent1"/>
+            </a:lnRef>
+            <a:fillRef idx="0">
+              <a:schemeClr val="accent1"/>
+            </a:fillRef>
+            <a:effectRef idx="0">
+              <a:schemeClr val="accent1"/>
+            </a:effectRef>
+            <a:fontRef idx="minor">
+              <a:schemeClr val="tx1"/>
+            </a:fontRef>
+          </p:style>
+        </p:cxnSp>
+      </p:grpSp>
+    </p:spTree>
+    <p:extLst>
+      <p:ext uri="{BB962C8B-B14F-4D97-AF65-F5344CB8AC3E}">
+        <p14:creationId xmlns:p14="http://schemas.microsoft.com/office/powerpoint/2010/main" val="3759654096"/>
+      </p:ext>
+    </p:extLst>
+  </p:cSld>
+  <p:clrMapOvr>
+    <a:masterClrMapping/>
+  </p:clrMapOvr>
+  <mc:AlternateContent xmlns:mc="http://schemas.openxmlformats.org/markup-compatibility/2006">
+    <mc:Choice xmlns:p14="http://schemas.microsoft.com/office/powerpoint/2010/main" Requires="p14">
+      <p:transition p14:dur="10"/>
+    </mc:Choice>
+    <mc:Fallback>
+      <p:transition/>
+    </mc:Fallback>
+  </mc:AlternateContent>
+  <p:timing>
+    <p:tnLst>
+      <p:par>
+        <p:cTn id="1" dur="indefinite" restart="never" nodeType="tmRoot">
+          <p:childTnLst>
+            <p:seq concurrent="1" nextAc="seek">
+              <p:cTn id="2" dur="indefinite" nodeType="mainSeq">
+                <p:childTnLst>
+                  <p:par>
+                    <p:cTn id="3" fill="hold">
+                      <p:stCondLst>
+                        <p:cond delay="indefinite"/>
+                      </p:stCondLst>
+                      <p:childTnLst>
+                        <p:par>
+                          <p:cTn id="4" fill="hold">
+                            <p:stCondLst>
+                              <p:cond delay="0"/>
+                            </p:stCondLst>
+                            <p:childTnLst>
+                              <p:par>
+                                <p:cTn id="5" presetID="1" presetClass="entr" presetSubtype="0" fill="hold" nodeType="clickEffect">
+                                  <p:stCondLst>
+                                    <p:cond delay="0"/>
+                                  </p:stCondLst>
+                                  <p:childTnLst>
+                                    <p:set>
+                                      <p:cBhvr>
+                                        <p:cTn id="6" dur="1" fill="hold">
+                                          <p:stCondLst>
+                                            <p:cond delay="0"/>
+                                          </p:stCondLst>
+                                        </p:cTn>
+                                        <p:tgtEl>
+                                          <p:spTgt spid="32"/>
+                                        </p:tgtEl>
+                                        <p:attrNameLst>
+                                          <p:attrName>style.visibility</p:attrName>
+                                        </p:attrNameLst>
+                                      </p:cBhvr>
+                                      <p:to>
+                                        <p:strVal val="visible"/>
+                                      </p:to>
+                                    </p:set>
+                                  </p:childTnLst>
+                                </p:cTn>
+                              </p:par>
+                            </p:childTnLst>
+                          </p:cTn>
+                        </p:par>
+                      </p:childTnLst>
+                    </p:cTn>
+                  </p:par>
+                  <p:par>
+                    <p:cTn id="7" fill="hold">
+                      <p:stCondLst>
+                        <p:cond delay="indefinite"/>
+                      </p:stCondLst>
+                      <p:childTnLst>
+                        <p:par>
+                          <p:cTn id="8" fill="hold">
+                            <p:stCondLst>
+                              <p:cond delay="0"/>
+                            </p:stCondLst>
+                            <p:childTnLst>
+                              <p:par>
+                                <p:cTn id="9" presetID="1" presetClass="entr" presetSubtype="0" fill="hold" nodeType="clickEffect">
+                                  <p:stCondLst>
+                                    <p:cond delay="0"/>
+                                  </p:stCondLst>
+                                  <p:childTnLst>
+                                    <p:set>
+                                      <p:cBhvr>
+                                        <p:cTn id="10" dur="1" fill="hold">
+                                          <p:stCondLst>
+                                            <p:cond delay="0"/>
+                                          </p:stCondLst>
+                                        </p:cTn>
+                                        <p:tgtEl>
+                                          <p:spTgt spid="33"/>
+                                        </p:tgtEl>
+                                        <p:attrNameLst>
+                                          <p:attrName>style.visibility</p:attrName>
+                                        </p:attrNameLst>
+                                      </p:cBhvr>
+                                      <p:to>
+                                        <p:strVal val="visible"/>
+                                      </p:to>
+                                    </p:set>
+                                  </p:childTnLst>
+                                </p:cTn>
+                              </p:par>
+                              <p:par>
+                                <p:cTn id="11" presetID="1" presetClass="entr" presetSubtype="0" fill="hold" nodeType="withEffect">
+                                  <p:stCondLst>
+                                    <p:cond delay="0"/>
+                                  </p:stCondLst>
+                                  <p:childTnLst>
+                                    <p:set>
+                                      <p:cBhvr>
+                                        <p:cTn id="12" dur="1" fill="hold">
+                                          <p:stCondLst>
+                                            <p:cond delay="0"/>
+                                          </p:stCondLst>
+                                        </p:cTn>
+                                        <p:tgtEl>
+                                          <p:spTgt spid="34"/>
+                                        </p:tgtEl>
+                                        <p:attrNameLst>
+                                          <p:attrName>style.visibility</p:attrName>
+                                        </p:attrNameLst>
+                                      </p:cBhvr>
+                                      <p:to>
+                                        <p:strVal val="visible"/>
+                                      </p:to>
+                                    </p:set>
+                                  </p:childTnLst>
+                                </p:cTn>
+                              </p:par>
+                            </p:childTnLst>
+                          </p:cTn>
+                        </p:par>
+                      </p:childTnLst>
+                    </p:cTn>
+                  </p:par>
+                </p:childTnLst>
+              </p:cTn>
+              <p:prevCondLst>
+                <p:cond evt="onPrev" delay="0">
+                  <p:tgtEl>
+                    <p:sldTgt/>
+                  </p:tgtEl>
+                </p:cond>
+              </p:prevCondLst>
+              <p:nextCondLst>
+                <p:cond evt="onNext" delay="0">
+                  <p:tgtEl>
+                    <p:sldTgt/>
+                  </p:tgtEl>
+                </p:cond>
+              </p:nextCondLst>
+            </p:seq>
+          </p:childTnLst>
+        </p:cTn>
+      </p:par>
+    </p:tnLst>
+  </p:timing>
+</p:sld>
+</file>
+
+<file path=ppt/slides/slide3.xml><?xml version="1.0" encoding="utf-8"?>
+<p:sld xmlns:a="http://schemas.openxmlformats.org/drawingml/2006/main" xmlns:r="http://schemas.openxmlformats.org/officeDocument/2006/relationships" xmlns:p="http://schemas.openxmlformats.org/presentationml/2006/main">
+  <p:cSld>
+    <p:spTree>
+      <p:nvGrpSpPr>
+        <p:cNvPr id="1" name=""/>
+        <p:cNvGrpSpPr/>
+        <p:nvPr/>
+      </p:nvGrpSpPr>
+      <p:grpSpPr>
+        <a:xfrm>
+          <a:off x="0" y="0"/>
+          <a:ext cx="0" cy="0"/>
+          <a:chOff x="0" y="0"/>
+          <a:chExt cx="0" cy="0"/>
+        </a:xfrm>
+      </p:grpSpPr>
+      <p:sp>
+        <p:nvSpPr>
+          <p:cNvPr id="10" name="Rectangle 9">
+            <a:extLst>
+              <a:ext uri="{FF2B5EF4-FFF2-40B4-BE49-F238E27FC236}">
+                <a16:creationId xmlns:a16="http://schemas.microsoft.com/office/drawing/2014/main" id="{FB81B96C-2B02-476F-A472-51925FF800F5}"/>
+              </a:ext>
+            </a:extLst>
+          </p:cNvPr>
+          <p:cNvSpPr/>
+          <p:nvPr/>
+        </p:nvSpPr>
+        <p:spPr>
+          <a:xfrm>
+            <a:off x="0" y="6326231"/>
+            <a:ext cx="9144000" cy="531769"/>
+          </a:xfrm>
+          <a:prstGeom prst="rect">
+            <a:avLst/>
+          </a:prstGeom>
+          <a:solidFill>
+            <a:srgbClr val="5D9732"/>
+          </a:solidFill>
+          <a:ln>
+            <a:noFill/>
+          </a:ln>
+        </p:spPr>
+        <p:style>
+          <a:lnRef idx="2">
+            <a:schemeClr val="accent1">
+              <a:shade val="50000"/>
+            </a:schemeClr>
+          </a:lnRef>
+          <a:fillRef idx="1">
+            <a:schemeClr val="accent1"/>
+          </a:fillRef>
+          <a:effectRef idx="0">
+            <a:schemeClr val="accent1"/>
+          </a:effectRef>
+          <a:fontRef idx="minor">
+            <a:schemeClr val="lt1"/>
+          </a:fontRef>
+        </p:style>
+        <p:txBody>
+          <a:bodyPr rtlCol="0" anchor="ctr"/>
+          <a:lstStyle/>
+          <a:p>
+            <a:pPr algn="ctr"/>
+            <a:endParaRPr lang="en-GB"/>
+          </a:p>
+        </p:txBody>
+      </p:sp>
+      <p:sp>
+        <p:nvSpPr>
+          <p:cNvPr id="9" name="Rectangle 8">
+            <a:extLst>
+              <a:ext uri="{FF2B5EF4-FFF2-40B4-BE49-F238E27FC236}">
+                <a16:creationId xmlns:a16="http://schemas.microsoft.com/office/drawing/2014/main" id="{DFC374E1-6D4E-4F6C-8705-D42E43DBC7CA}"/>
+              </a:ext>
+            </a:extLst>
+          </p:cNvPr>
+          <p:cNvSpPr/>
+          <p:nvPr/>
+        </p:nvSpPr>
+        <p:spPr>
+          <a:xfrm>
+            <a:off x="0" y="0"/>
+            <a:ext cx="7615988" cy="1041833"/>
+          </a:xfrm>
+          <a:prstGeom prst="rect">
+            <a:avLst/>
+          </a:prstGeom>
+          <a:solidFill>
+            <a:srgbClr val="5D9732">
+              <a:alpha val="50000"/>
+            </a:srgbClr>
+          </a:solidFill>
+          <a:ln>
+            <a:noFill/>
+          </a:ln>
+        </p:spPr>
+        <p:style>
+          <a:lnRef idx="2">
+            <a:schemeClr val="accent1">
+              <a:shade val="50000"/>
+            </a:schemeClr>
+          </a:lnRef>
+          <a:fillRef idx="1">
+            <a:schemeClr val="accent1"/>
+          </a:fillRef>
+          <a:effectRef idx="0">
+            <a:schemeClr val="accent1"/>
+          </a:effectRef>
+          <a:fontRef idx="minor">
+            <a:schemeClr val="lt1"/>
+          </a:fontRef>
+        </p:style>
+        <p:txBody>
+          <a:bodyPr rtlCol="0" anchor="ctr"/>
+          <a:lstStyle/>
+          <a:p>
+            <a:endParaRPr lang="en-GB" dirty="0"/>
+          </a:p>
+        </p:txBody>
+      </p:sp>
+      <p:sp>
+        <p:nvSpPr>
+          <p:cNvPr id="2" name="Title 1"/>
+          <p:cNvSpPr>
+            <a:spLocks noGrp="1"/>
+          </p:cNvSpPr>
+          <p:nvPr>
+            <p:ph type="ctrTitle"/>
+          </p:nvPr>
+        </p:nvSpPr>
+        <p:spPr>
+          <a:xfrm>
+            <a:off x="0" y="27512"/>
+            <a:ext cx="7615988" cy="1014321"/>
+          </a:xfrm>
+        </p:spPr>
+        <p:txBody>
+          <a:bodyPr anchor="ctr"/>
+          <a:lstStyle/>
+          <a:p>
+            <a:pPr algn="ctr"/>
+            <a:r>
+              <a:rPr lang="en-GB" sz="2800" b="1" dirty="0">
+                <a:latin typeface="Alegreya Sans" panose="00000500000000000000" pitchFamily="2" charset="0"/>
+                <a:ea typeface="Malgun Gothic" panose="020B0503020000020004" pitchFamily="34" charset="-127"/>
+              </a:rPr>
+              <a:t>What does this mean?</a:t>
+            </a:r>
+          </a:p>
+        </p:txBody>
+      </p:sp>
+      <p:sp>
+        <p:nvSpPr>
+          <p:cNvPr id="18" name="Rectangle 17">
+            <a:extLst>
+              <a:ext uri="{FF2B5EF4-FFF2-40B4-BE49-F238E27FC236}">
+                <a16:creationId xmlns:a16="http://schemas.microsoft.com/office/drawing/2014/main" id="{0D832764-832B-42B4-8FEF-8544C93A11C4}"/>
+              </a:ext>
+            </a:extLst>
+          </p:cNvPr>
+          <p:cNvSpPr/>
+          <p:nvPr/>
+        </p:nvSpPr>
+        <p:spPr>
+          <a:xfrm>
+            <a:off x="8682176" y="0"/>
+            <a:ext cx="461824" cy="1041833"/>
+          </a:xfrm>
+          <a:prstGeom prst="rect">
+            <a:avLst/>
+          </a:prstGeom>
+          <a:solidFill>
+            <a:srgbClr val="5D9732">
+              <a:alpha val="50000"/>
+            </a:srgbClr>
+          </a:solidFill>
+          <a:ln>
+            <a:noFill/>
+          </a:ln>
+        </p:spPr>
+        <p:style>
+          <a:lnRef idx="2">
+            <a:schemeClr val="accent1">
+              <a:shade val="50000"/>
+            </a:schemeClr>
+          </a:lnRef>
+          <a:fillRef idx="1">
+            <a:schemeClr val="accent1"/>
+          </a:fillRef>
+          <a:effectRef idx="0">
+            <a:schemeClr val="accent1"/>
+          </a:effectRef>
+          <a:fontRef idx="minor">
+            <a:schemeClr val="lt1"/>
+          </a:fontRef>
+        </p:style>
+        <p:txBody>
+          <a:bodyPr rtlCol="0" anchor="ctr"/>
+          <a:lstStyle/>
+          <a:p>
+            <a:endParaRPr lang="en-GB" dirty="0"/>
+          </a:p>
+        </p:txBody>
+      </p:sp>
+      <p:sp>
+        <p:nvSpPr>
+          <p:cNvPr id="12" name="TextBox 11">
+            <a:extLst>
+              <a:ext uri="{FF2B5EF4-FFF2-40B4-BE49-F238E27FC236}">
+                <a16:creationId xmlns:a16="http://schemas.microsoft.com/office/drawing/2014/main" id="{1647925E-1FC6-42F7-A717-C4157600B088}"/>
+              </a:ext>
+            </a:extLst>
+          </p:cNvPr>
+          <p:cNvSpPr txBox="1"/>
+          <p:nvPr/>
+        </p:nvSpPr>
+        <p:spPr>
+          <a:xfrm>
+            <a:off x="432048" y="1484784"/>
+            <a:ext cx="7092280" cy="6001643"/>
+          </a:xfrm>
+          <a:prstGeom prst="rect">
+            <a:avLst/>
+          </a:prstGeom>
+          <a:noFill/>
+        </p:spPr>
+        <p:txBody>
+          <a:bodyPr wrap="square" rtlCol="0">
+            <a:spAutoFit/>
+          </a:bodyPr>
+          <a:lstStyle/>
+          <a:p>
+            <a:pPr marL="285750" indent="-285750">
+              <a:buClr>
+                <a:srgbClr val="5D9732"/>
+              </a:buClr>
+              <a:buFont typeface="Wingdings" panose="05000000000000000000" pitchFamily="2" charset="2"/>
+              <a:buChar char="Ø"/>
+            </a:pPr>
+            <a:r>
+              <a:rPr lang="en-GB" sz="2400" dirty="0">
+                <a:latin typeface="Alegreya Sans" panose="00000500000000000000" pitchFamily="2" charset="0"/>
+                <a:ea typeface="Malgun Gothic" panose="020B0503020000020004" pitchFamily="34" charset="-127"/>
+              </a:rPr>
+              <a:t>Multicell Atomic Quantum Memory (MAQM, aka </a:t>
+            </a:r>
+            <a:r>
+              <a:rPr lang="en-GB" sz="2400" dirty="0" err="1">
+                <a:latin typeface="Alegreya Sans" panose="00000500000000000000" pitchFamily="2" charset="0"/>
+                <a:ea typeface="Malgun Gothic" panose="020B0503020000020004" pitchFamily="34" charset="-127"/>
+              </a:rPr>
+              <a:t>qRAM</a:t>
+            </a:r>
+            <a:r>
+              <a:rPr lang="en-GB" sz="2400" dirty="0">
+                <a:latin typeface="Alegreya Sans" panose="00000500000000000000" pitchFamily="2" charset="0"/>
+                <a:ea typeface="Malgun Gothic" panose="020B0503020000020004" pitchFamily="34" charset="-127"/>
+              </a:rPr>
+              <a:t>)?</a:t>
+            </a:r>
+          </a:p>
+          <a:p>
+            <a:pPr marL="1200150" lvl="2" indent="-285750">
+              <a:buClr>
+                <a:srgbClr val="5D9732"/>
+              </a:buClr>
+              <a:buFont typeface="Wingdings" panose="05000000000000000000" pitchFamily="2" charset="2"/>
+              <a:buChar char="Ø"/>
+            </a:pPr>
+            <a:endParaRPr lang="en-GB" sz="2400" dirty="0">
+              <a:latin typeface="Alegreya Sans" panose="00000500000000000000" pitchFamily="2" charset="0"/>
+              <a:ea typeface="Malgun Gothic" panose="020B0503020000020004" pitchFamily="34" charset="-127"/>
+            </a:endParaRPr>
+          </a:p>
+          <a:p>
+            <a:pPr marL="1200150" lvl="2" indent="-285750">
+              <a:buClr>
+                <a:srgbClr val="5D9732"/>
+              </a:buClr>
+              <a:buFont typeface="Wingdings" panose="05000000000000000000" pitchFamily="2" charset="2"/>
+              <a:buChar char="Ø"/>
+            </a:pPr>
+            <a:r>
+              <a:rPr lang="en-GB" sz="2400" dirty="0">
+                <a:latin typeface="Alegreya Sans" panose="00000500000000000000" pitchFamily="2" charset="0"/>
+                <a:ea typeface="Malgun Gothic" panose="020B0503020000020004" pitchFamily="34" charset="-127"/>
+              </a:rPr>
+              <a:t>Analogous to standard computer memory (hence, </a:t>
+            </a:r>
+            <a:r>
+              <a:rPr lang="en-GB" sz="2400" dirty="0" err="1">
+                <a:latin typeface="Alegreya Sans" panose="00000500000000000000" pitchFamily="2" charset="0"/>
+                <a:ea typeface="Malgun Gothic" panose="020B0503020000020004" pitchFamily="34" charset="-127"/>
+              </a:rPr>
+              <a:t>qRAM</a:t>
+            </a:r>
+            <a:r>
+              <a:rPr lang="en-GB" sz="2400" dirty="0">
+                <a:latin typeface="Alegreya Sans" panose="00000500000000000000" pitchFamily="2" charset="0"/>
+                <a:ea typeface="Malgun Gothic" panose="020B0503020000020004" pitchFamily="34" charset="-127"/>
+              </a:rPr>
+              <a:t>)</a:t>
+            </a:r>
+          </a:p>
+          <a:p>
+            <a:pPr marL="1200150" lvl="2" indent="-285750">
+              <a:buClr>
+                <a:srgbClr val="5D9732"/>
+              </a:buClr>
+              <a:buFont typeface="Wingdings" panose="05000000000000000000" pitchFamily="2" charset="2"/>
+              <a:buChar char="Ø"/>
+            </a:pPr>
+            <a:endParaRPr lang="en-GB" sz="2400" dirty="0">
+              <a:latin typeface="Alegreya Sans" panose="00000500000000000000" pitchFamily="2" charset="0"/>
+              <a:ea typeface="Malgun Gothic" panose="020B0503020000020004" pitchFamily="34" charset="-127"/>
+            </a:endParaRPr>
+          </a:p>
+          <a:p>
+            <a:pPr marL="1200150" lvl="2" indent="-285750">
+              <a:buClr>
+                <a:srgbClr val="5D9732"/>
+              </a:buClr>
+              <a:buFont typeface="Wingdings" panose="05000000000000000000" pitchFamily="2" charset="2"/>
+              <a:buChar char="Ø"/>
+            </a:pPr>
+            <a:r>
+              <a:rPr lang="en-GB" sz="2400" dirty="0">
+                <a:latin typeface="Alegreya Sans" panose="00000500000000000000" pitchFamily="2" charset="0"/>
+                <a:ea typeface="Malgun Gothic" panose="020B0503020000020004" pitchFamily="34" charset="-127"/>
+              </a:rPr>
+              <a:t>Stores quantum states for later retrieval</a:t>
+            </a:r>
+          </a:p>
+          <a:p>
+            <a:pPr marL="1200150" lvl="2" indent="-285750">
+              <a:buClr>
+                <a:srgbClr val="5D9732"/>
+              </a:buClr>
+              <a:buFont typeface="Wingdings" panose="05000000000000000000" pitchFamily="2" charset="2"/>
+              <a:buChar char="Ø"/>
+            </a:pPr>
+            <a:endParaRPr lang="en-GB" sz="2400" dirty="0">
+              <a:latin typeface="Alegreya Sans" panose="00000500000000000000" pitchFamily="2" charset="0"/>
+              <a:ea typeface="Malgun Gothic" panose="020B0503020000020004" pitchFamily="34" charset="-127"/>
+            </a:endParaRPr>
+          </a:p>
+          <a:p>
+            <a:pPr marL="1200150" lvl="2" indent="-285750">
+              <a:buClr>
+                <a:srgbClr val="5D9732"/>
+              </a:buClr>
+              <a:buFont typeface="Wingdings" panose="05000000000000000000" pitchFamily="2" charset="2"/>
+              <a:buChar char="Ø"/>
+            </a:pPr>
+            <a:r>
+              <a:rPr lang="en-GB" sz="2400" dirty="0">
+                <a:latin typeface="Alegreya Sans" panose="00000500000000000000" pitchFamily="2" charset="0"/>
+                <a:ea typeface="Malgun Gothic" panose="020B0503020000020004" pitchFamily="34" charset="-127"/>
+              </a:rPr>
+              <a:t>One design approach -&gt; Quantum Repeaters</a:t>
+            </a:r>
+          </a:p>
+          <a:p>
+            <a:pPr marL="1200150" lvl="2" indent="-285750">
+              <a:buClr>
+                <a:srgbClr val="5D9732"/>
+              </a:buClr>
+              <a:buFont typeface="Wingdings" panose="05000000000000000000" pitchFamily="2" charset="2"/>
+              <a:buChar char="Ø"/>
+            </a:pPr>
+            <a:endParaRPr lang="en-GB" sz="2400" dirty="0">
+              <a:latin typeface="Alegreya Sans" panose="00000500000000000000" pitchFamily="2" charset="0"/>
+              <a:ea typeface="Malgun Gothic" panose="020B0503020000020004" pitchFamily="34" charset="-127"/>
+            </a:endParaRPr>
+          </a:p>
+          <a:p>
+            <a:pPr marL="1200150" lvl="2" indent="-285750">
+              <a:buClr>
+                <a:srgbClr val="5D9732"/>
+              </a:buClr>
+              <a:buFont typeface="Wingdings" panose="05000000000000000000" pitchFamily="2" charset="2"/>
+              <a:buChar char="Ø"/>
+            </a:pPr>
+            <a:r>
+              <a:rPr lang="en-GB" sz="2400" dirty="0">
+                <a:latin typeface="Alegreya Sans" panose="00000500000000000000" pitchFamily="2" charset="0"/>
+                <a:ea typeface="Malgun Gothic" panose="020B0503020000020004" pitchFamily="34" charset="-127"/>
+              </a:rPr>
+              <a:t>Quantum Repeaters contain (2D) atomic arrays used for quantum state (qubit) storage.</a:t>
+            </a:r>
+          </a:p>
+          <a:p>
+            <a:pPr marL="1200150" lvl="2" indent="-285750">
+              <a:buClr>
+                <a:srgbClr val="5D9732"/>
+              </a:buClr>
+              <a:buFont typeface="Wingdings" panose="05000000000000000000" pitchFamily="2" charset="2"/>
+              <a:buChar char="Ø"/>
+            </a:pPr>
+            <a:endParaRPr lang="en-GB" sz="2400" dirty="0">
+              <a:latin typeface="Alegreya Sans" panose="00000500000000000000" pitchFamily="2" charset="0"/>
+              <a:ea typeface="Malgun Gothic" panose="020B0503020000020004" pitchFamily="34" charset="-127"/>
+            </a:endParaRPr>
+          </a:p>
+          <a:p>
+            <a:pPr marL="1200150" lvl="2" indent="-285750">
+              <a:buClr>
+                <a:srgbClr val="5D9732"/>
+              </a:buClr>
+              <a:buFont typeface="Wingdings" panose="05000000000000000000" pitchFamily="2" charset="2"/>
+              <a:buChar char="Ø"/>
+            </a:pPr>
+            <a:endParaRPr lang="en-GB" sz="2400" dirty="0">
+              <a:latin typeface="Alegreya Sans" panose="00000500000000000000" pitchFamily="2" charset="0"/>
+              <a:ea typeface="Malgun Gothic" panose="020B0503020000020004" pitchFamily="34" charset="-127"/>
+            </a:endParaRPr>
+          </a:p>
+          <a:p>
+            <a:pPr marL="1200150" lvl="2" indent="-285750">
+              <a:buClr>
+                <a:srgbClr val="5D9732"/>
+              </a:buClr>
+              <a:buFont typeface="Wingdings" panose="05000000000000000000" pitchFamily="2" charset="2"/>
+              <a:buChar char="Ø"/>
+            </a:pPr>
+            <a:endParaRPr lang="en-GB" sz="2400" dirty="0">
+              <a:latin typeface="Alegreya Sans" panose="00000500000000000000" pitchFamily="2" charset="0"/>
+              <a:ea typeface="Malgun Gothic" panose="020B0503020000020004" pitchFamily="34" charset="-127"/>
+            </a:endParaRPr>
+          </a:p>
+          <a:p>
+            <a:pPr marL="1200150" lvl="2" indent="-285750">
+              <a:buClr>
+                <a:srgbClr val="5D9732"/>
+              </a:buClr>
+              <a:buFont typeface="Wingdings" panose="05000000000000000000" pitchFamily="2" charset="2"/>
+              <a:buChar char="Ø"/>
+            </a:pPr>
+            <a:endParaRPr lang="en-GB" sz="2400" dirty="0">
+              <a:latin typeface="Alegreya Sans" panose="00000500000000000000" pitchFamily="2" charset="0"/>
+              <a:ea typeface="Malgun Gothic" panose="020B0503020000020004" pitchFamily="34" charset="-127"/>
+            </a:endParaRPr>
+          </a:p>
+        </p:txBody>
+      </p:sp>
+      <p:sp>
+        <p:nvSpPr>
+          <p:cNvPr id="8" name="Subtitle 2">
+            <a:extLst>
+              <a:ext uri="{FF2B5EF4-FFF2-40B4-BE49-F238E27FC236}">
+                <a16:creationId xmlns:a16="http://schemas.microsoft.com/office/drawing/2014/main" id="{E51E2B93-3696-471D-94EB-612CA436A13C}"/>
+              </a:ext>
+            </a:extLst>
+          </p:cNvPr>
+          <p:cNvSpPr>
+            <a:spLocks noGrp="1"/>
+          </p:cNvSpPr>
+          <p:nvPr>
+            <p:ph type="subTitle" idx="1"/>
+          </p:nvPr>
+        </p:nvSpPr>
+        <p:spPr>
+          <a:xfrm>
+            <a:off x="1096731" y="6326231"/>
+            <a:ext cx="6950537" cy="531769"/>
+          </a:xfrm>
+        </p:spPr>
+        <p:txBody>
+          <a:bodyPr tIns="90000" anchor="ctr" anchorCtr="0">
+            <a:normAutofit fontScale="85000" lnSpcReduction="10000"/>
+          </a:bodyPr>
+          <a:lstStyle/>
+          <a:p>
+            <a:pPr algn="ctr"/>
+            <a:r>
+              <a:rPr lang="en-GB" sz="2000" dirty="0">
+                <a:solidFill>
+                  <a:schemeClr val="bg1"/>
+                </a:solidFill>
+                <a:latin typeface="Alegreya Sans" panose="00000500000000000000" pitchFamily="2" charset="0"/>
+              </a:rPr>
+              <a:t>MITIGATING JOULE EXPANSION IN MULTICELL ATOMIC QUANTUM MEMORY</a:t>
+            </a:r>
+          </a:p>
+        </p:txBody>
+      </p:sp>
+    </p:spTree>
+    <p:extLst>
+      <p:ext uri="{BB962C8B-B14F-4D97-AF65-F5344CB8AC3E}">
+        <p14:creationId xmlns:p14="http://schemas.microsoft.com/office/powerpoint/2010/main" val="2614329384"/>
+      </p:ext>
+    </p:extLst>
+  </p:cSld>
+  <p:clrMapOvr>
+    <a:masterClrMapping/>
+  </p:clrMapOvr>
+  <mc:AlternateContent xmlns:mc="http://schemas.openxmlformats.org/markup-compatibility/2006">
+    <mc:Choice xmlns:p14="http://schemas.microsoft.com/office/powerpoint/2010/main" Requires="p14">
+      <p:transition p14:dur="10"/>
+    </mc:Choice>
+    <mc:Fallback>
+      <p:transition/>
+    </mc:Fallback>
+  </mc:AlternateContent>
+  <p:timing>
+    <p:tnLst>
+      <p:par>
+        <p:cTn id="1" dur="indefinite" restart="never" nodeType="tmRoot">
+          <p:childTnLst>
+            <p:seq concurrent="1" nextAc="seek">
+              <p:cTn id="2" dur="indefinite" nodeType="mainSeq">
+                <p:childTnLst>
+                  <p:par>
+                    <p:cTn id="3" fill="hold">
+                      <p:stCondLst>
+                        <p:cond delay="indefinite"/>
+                      </p:stCondLst>
+                      <p:childTnLst>
+                        <p:par>
+                          <p:cTn id="4" fill="hold">
+                            <p:stCondLst>
+                              <p:cond delay="0"/>
+                            </p:stCondLst>
+                            <p:childTnLst>
+                              <p:par>
+                                <p:cTn id="5" presetID="1" presetClass="entr" presetSubtype="0" fill="hold" nodeType="clickEffect">
+                                  <p:stCondLst>
+                                    <p:cond delay="0"/>
+                                  </p:stCondLst>
+                                  <p:childTnLst>
+                                    <p:set>
+                                      <p:cBhvr>
+                                        <p:cTn id="6" dur="1" fill="hold">
+                                          <p:stCondLst>
+                                            <p:cond delay="0"/>
+                                          </p:stCondLst>
+                                        </p:cTn>
+                                        <p:tgtEl>
+                                          <p:spTgt spid="12">
+                                            <p:txEl>
+                                              <p:pRg st="2" end="2"/>
+                                            </p:txEl>
+                                          </p:spTgt>
+                                        </p:tgtEl>
+                                        <p:attrNameLst>
+                                          <p:attrName>style.visibility</p:attrName>
+                                        </p:attrNameLst>
+                                      </p:cBhvr>
+                                      <p:to>
+                                        <p:strVal val="visible"/>
+                                      </p:to>
+                                    </p:set>
+                                  </p:childTnLst>
+                                </p:cTn>
+                              </p:par>
+                            </p:childTnLst>
+                          </p:cTn>
+                        </p:par>
+                      </p:childTnLst>
+                    </p:cTn>
+                  </p:par>
+                  <p:par>
+                    <p:cTn id="7" fill="hold">
+                      <p:stCondLst>
+                        <p:cond delay="indefinite"/>
+                      </p:stCondLst>
+                      <p:childTnLst>
+                        <p:par>
+                          <p:cTn id="8" fill="hold">
+                            <p:stCondLst>
+                              <p:cond delay="0"/>
+                            </p:stCondLst>
+                            <p:childTnLst>
+                              <p:par>
+                                <p:cTn id="9" presetID="1" presetClass="entr" presetSubtype="0" fill="hold" nodeType="clickEffect">
+                                  <p:stCondLst>
+                                    <p:cond delay="0"/>
+                                  </p:stCondLst>
+                                  <p:childTnLst>
+                                    <p:set>
+                                      <p:cBhvr>
+                                        <p:cTn id="10" dur="1" fill="hold">
+                                          <p:stCondLst>
+                                            <p:cond delay="0"/>
+                                          </p:stCondLst>
+                                        </p:cTn>
+                                        <p:tgtEl>
+                                          <p:spTgt spid="12">
+                                            <p:txEl>
+                                              <p:pRg st="4" end="4"/>
+                                            </p:txEl>
+                                          </p:spTgt>
+                                        </p:tgtEl>
+                                        <p:attrNameLst>
+                                          <p:attrName>style.visibility</p:attrName>
+                                        </p:attrNameLst>
+                                      </p:cBhvr>
+                                      <p:to>
+                                        <p:strVal val="visible"/>
+                                      </p:to>
+                                    </p:set>
+                                  </p:childTnLst>
+                                </p:cTn>
+                              </p:par>
+                            </p:childTnLst>
+                          </p:cTn>
+                        </p:par>
+                      </p:childTnLst>
+                    </p:cTn>
+                  </p:par>
+                  <p:par>
+                    <p:cTn id="11" fill="hold">
+                      <p:stCondLst>
+                        <p:cond delay="indefinite"/>
+                      </p:stCondLst>
+                      <p:childTnLst>
+                        <p:par>
+                          <p:cTn id="12" fill="hold">
+                            <p:stCondLst>
+                              <p:cond delay="0"/>
+                            </p:stCondLst>
+                            <p:childTnLst>
+                              <p:par>
+                                <p:cTn id="13" presetID="1" presetClass="entr" presetSubtype="0" fill="hold" nodeType="clickEffect">
+                                  <p:stCondLst>
+                                    <p:cond delay="0"/>
+                                  </p:stCondLst>
+                                  <p:childTnLst>
+                                    <p:set>
+                                      <p:cBhvr>
+                                        <p:cTn id="14" dur="1" fill="hold">
+                                          <p:stCondLst>
+                                            <p:cond delay="0"/>
+                                          </p:stCondLst>
+                                        </p:cTn>
+                                        <p:tgtEl>
+                                          <p:spTgt spid="12">
+                                            <p:txEl>
+                                              <p:pRg st="6" end="6"/>
+                                            </p:txEl>
+                                          </p:spTgt>
+                                        </p:tgtEl>
+                                        <p:attrNameLst>
+                                          <p:attrName>style.visibility</p:attrName>
+                                        </p:attrNameLst>
+                                      </p:cBhvr>
+                                      <p:to>
+                                        <p:strVal val="visible"/>
+                                      </p:to>
+                                    </p:set>
+                                  </p:childTnLst>
+                                </p:cTn>
+                              </p:par>
+                            </p:childTnLst>
+                          </p:cTn>
+                        </p:par>
+                      </p:childTnLst>
+                    </p:cTn>
+                  </p:par>
+                  <p:par>
+                    <p:cTn id="15" fill="hold">
+                      <p:stCondLst>
+                        <p:cond delay="indefinite"/>
+                      </p:stCondLst>
+                      <p:childTnLst>
+                        <p:par>
+                          <p:cTn id="16" fill="hold">
+                            <p:stCondLst>
+                              <p:cond delay="0"/>
+                            </p:stCondLst>
+                            <p:childTnLst>
+                              <p:par>
+                                <p:cTn id="17" presetID="1" presetClass="entr" presetSubtype="0" fill="hold" nodeType="clickEffect">
+                                  <p:stCondLst>
+                                    <p:cond delay="0"/>
+                                  </p:stCondLst>
+                                  <p:childTnLst>
+                                    <p:set>
+                                      <p:cBhvr>
+                                        <p:cTn id="18" dur="1" fill="hold">
+                                          <p:stCondLst>
+                                            <p:cond delay="0"/>
+                                          </p:stCondLst>
+                                        </p:cTn>
+                                        <p:tgtEl>
+                                          <p:spTgt spid="12">
+                                            <p:txEl>
+                                              <p:pRg st="8" end="8"/>
+                                            </p:txEl>
+                                          </p:spTgt>
+                                        </p:tgtEl>
+                                        <p:attrNameLst>
+                                          <p:attrName>style.visibility</p:attrName>
+                                        </p:attrNameLst>
+                                      </p:cBhvr>
+                                      <p:to>
+                                        <p:strVal val="visible"/>
+                                      </p:to>
+                                    </p:set>
+                                  </p:childTnLst>
+                                </p:cTn>
+                              </p:par>
+                            </p:childTnLst>
+                          </p:cTn>
+                        </p:par>
+                      </p:childTnLst>
+                    </p:cTn>
+                  </p:par>
+                </p:childTnLst>
+              </p:cTn>
+              <p:prevCondLst>
+                <p:cond evt="onPrev" delay="0">
+                  <p:tgtEl>
+                    <p:sldTgt/>
+                  </p:tgtEl>
+                </p:cond>
+              </p:prevCondLst>
+              <p:nextCondLst>
+                <p:cond evt="onNext" delay="0">
+                  <p:tgtEl>
+                    <p:sldTgt/>
+                  </p:tgtEl>
+                </p:cond>
+              </p:nextCondLst>
+            </p:seq>
+          </p:childTnLst>
+        </p:cTn>
+      </p:par>
+    </p:tnLst>
+  </p:timing>
+</p:sld>
+</file>
+
+<file path=ppt/slides/slide4.xml><?xml version="1.0" encoding="utf-8"?>
+<p:sld xmlns:a="http://schemas.openxmlformats.org/drawingml/2006/main" xmlns:r="http://schemas.openxmlformats.org/officeDocument/2006/relationships" xmlns:p="http://schemas.openxmlformats.org/presentationml/2006/main">
+  <p:cSld>
+    <p:spTree>
+      <p:nvGrpSpPr>
+        <p:cNvPr id="1" name=""/>
+        <p:cNvGrpSpPr/>
+        <p:nvPr/>
+      </p:nvGrpSpPr>
+      <p:grpSpPr>
+        <a:xfrm>
+          <a:off x="0" y="0"/>
+          <a:ext cx="0" cy="0"/>
+          <a:chOff x="0" y="0"/>
+          <a:chExt cx="0" cy="0"/>
+        </a:xfrm>
+      </p:grpSpPr>
+      <p:sp>
+        <p:nvSpPr>
+          <p:cNvPr id="10" name="Rectangle 9">
+            <a:extLst>
+              <a:ext uri="{FF2B5EF4-FFF2-40B4-BE49-F238E27FC236}">
+                <a16:creationId xmlns:a16="http://schemas.microsoft.com/office/drawing/2014/main" id="{FB81B96C-2B02-476F-A472-51925FF800F5}"/>
+              </a:ext>
+            </a:extLst>
+          </p:cNvPr>
+          <p:cNvSpPr/>
+          <p:nvPr/>
+        </p:nvSpPr>
+        <p:spPr>
+          <a:xfrm>
+            <a:off x="0" y="6326231"/>
+            <a:ext cx="9144000" cy="531769"/>
+          </a:xfrm>
+          <a:prstGeom prst="rect">
+            <a:avLst/>
+          </a:prstGeom>
+          <a:solidFill>
+            <a:srgbClr val="5D9732"/>
+          </a:solidFill>
+          <a:ln>
+            <a:noFill/>
+          </a:ln>
+        </p:spPr>
+        <p:style>
+          <a:lnRef idx="2">
+            <a:schemeClr val="accent1">
+              <a:shade val="50000"/>
+            </a:schemeClr>
+          </a:lnRef>
+          <a:fillRef idx="1">
+            <a:schemeClr val="accent1"/>
+          </a:fillRef>
+          <a:effectRef idx="0">
+            <a:schemeClr val="accent1"/>
+          </a:effectRef>
+          <a:fontRef idx="minor">
+            <a:schemeClr val="lt1"/>
+          </a:fontRef>
+        </p:style>
+        <p:txBody>
+          <a:bodyPr rtlCol="0" anchor="ctr"/>
+          <a:lstStyle/>
+          <a:p>
+            <a:pPr algn="ctr"/>
+            <a:endParaRPr lang="en-GB"/>
+          </a:p>
+        </p:txBody>
+      </p:sp>
+      <p:sp>
+        <p:nvSpPr>
+          <p:cNvPr id="9" name="Rectangle 8">
+            <a:extLst>
+              <a:ext uri="{FF2B5EF4-FFF2-40B4-BE49-F238E27FC236}">
+                <a16:creationId xmlns:a16="http://schemas.microsoft.com/office/drawing/2014/main" id="{DFC374E1-6D4E-4F6C-8705-D42E43DBC7CA}"/>
+              </a:ext>
+            </a:extLst>
+          </p:cNvPr>
+          <p:cNvSpPr/>
+          <p:nvPr/>
+        </p:nvSpPr>
+        <p:spPr>
+          <a:xfrm>
+            <a:off x="0" y="0"/>
+            <a:ext cx="7615988" cy="1041833"/>
+          </a:xfrm>
+          <a:prstGeom prst="rect">
+            <a:avLst/>
+          </a:prstGeom>
+          <a:solidFill>
+            <a:srgbClr val="5D9732">
+              <a:alpha val="50000"/>
+            </a:srgbClr>
+          </a:solidFill>
+          <a:ln>
+            <a:noFill/>
+          </a:ln>
+        </p:spPr>
+        <p:style>
+          <a:lnRef idx="2">
+            <a:schemeClr val="accent1">
+              <a:shade val="50000"/>
+            </a:schemeClr>
+          </a:lnRef>
+          <a:fillRef idx="1">
+            <a:schemeClr val="accent1"/>
+          </a:fillRef>
+          <a:effectRef idx="0">
+            <a:schemeClr val="accent1"/>
+          </a:effectRef>
+          <a:fontRef idx="minor">
+            <a:schemeClr val="lt1"/>
+          </a:fontRef>
+        </p:style>
+        <p:txBody>
+          <a:bodyPr rtlCol="0" anchor="ctr"/>
+          <a:lstStyle/>
+          <a:p>
+            <a:endParaRPr lang="en-GB" dirty="0"/>
+          </a:p>
+        </p:txBody>
+      </p:sp>
+      <p:sp>
+        <p:nvSpPr>
+          <p:cNvPr id="2" name="Title 1"/>
+          <p:cNvSpPr>
+            <a:spLocks noGrp="1"/>
+          </p:cNvSpPr>
+          <p:nvPr>
+            <p:ph type="ctrTitle"/>
+          </p:nvPr>
+        </p:nvSpPr>
+        <p:spPr>
+          <a:xfrm>
+            <a:off x="0" y="27512"/>
+            <a:ext cx="7615988" cy="1014321"/>
+          </a:xfrm>
+        </p:spPr>
+        <p:txBody>
+          <a:bodyPr anchor="ctr"/>
+          <a:lstStyle/>
+          <a:p>
+            <a:pPr algn="ctr"/>
+            <a:r>
+              <a:rPr lang="en-GB" sz="2800" b="1" dirty="0">
+                <a:latin typeface="Alegreya Sans" panose="00000500000000000000" pitchFamily="2" charset="0"/>
+                <a:ea typeface="Malgun Gothic" panose="020B0503020000020004" pitchFamily="34" charset="-127"/>
+              </a:rPr>
+              <a:t>What does this mean?... Merging Tech</a:t>
+            </a:r>
+          </a:p>
+        </p:txBody>
+      </p:sp>
+      <p:sp>
+        <p:nvSpPr>
+          <p:cNvPr id="18" name="Rectangle 17">
+            <a:extLst>
+              <a:ext uri="{FF2B5EF4-FFF2-40B4-BE49-F238E27FC236}">
+                <a16:creationId xmlns:a16="http://schemas.microsoft.com/office/drawing/2014/main" id="{0D832764-832B-42B4-8FEF-8544C93A11C4}"/>
+              </a:ext>
+            </a:extLst>
+          </p:cNvPr>
+          <p:cNvSpPr/>
+          <p:nvPr/>
+        </p:nvSpPr>
+        <p:spPr>
+          <a:xfrm>
+            <a:off x="8682176" y="0"/>
+            <a:ext cx="461824" cy="1041833"/>
+          </a:xfrm>
+          <a:prstGeom prst="rect">
+            <a:avLst/>
+          </a:prstGeom>
+          <a:solidFill>
+            <a:srgbClr val="5D9732">
+              <a:alpha val="50000"/>
+            </a:srgbClr>
+          </a:solidFill>
+          <a:ln>
+            <a:noFill/>
+          </a:ln>
+        </p:spPr>
+        <p:style>
+          <a:lnRef idx="2">
+            <a:schemeClr val="accent1">
+              <a:shade val="50000"/>
+            </a:schemeClr>
+          </a:lnRef>
+          <a:fillRef idx="1">
+            <a:schemeClr val="accent1"/>
+          </a:fillRef>
+          <a:effectRef idx="0">
+            <a:schemeClr val="accent1"/>
+          </a:effectRef>
+          <a:fontRef idx="minor">
+            <a:schemeClr val="lt1"/>
+          </a:fontRef>
+        </p:style>
+        <p:txBody>
+          <a:bodyPr rtlCol="0" anchor="ctr"/>
+          <a:lstStyle/>
+          <a:p>
+            <a:endParaRPr lang="en-GB" dirty="0"/>
+          </a:p>
+        </p:txBody>
+      </p:sp>
+      <p:sp>
+        <p:nvSpPr>
+          <p:cNvPr id="12" name="TextBox 11">
+            <a:extLst>
+              <a:ext uri="{FF2B5EF4-FFF2-40B4-BE49-F238E27FC236}">
+                <a16:creationId xmlns:a16="http://schemas.microsoft.com/office/drawing/2014/main" id="{1647925E-1FC6-42F7-A717-C4157600B088}"/>
+              </a:ext>
+            </a:extLst>
+          </p:cNvPr>
+          <p:cNvSpPr txBox="1"/>
+          <p:nvPr/>
+        </p:nvSpPr>
+        <p:spPr>
+          <a:xfrm>
+            <a:off x="432048" y="1484784"/>
+            <a:ext cx="6732240" cy="1938992"/>
+          </a:xfrm>
+          <a:prstGeom prst="rect">
+            <a:avLst/>
+          </a:prstGeom>
+          <a:noFill/>
+        </p:spPr>
+        <p:txBody>
+          <a:bodyPr wrap="square" rtlCol="0">
+            <a:spAutoFit/>
+          </a:bodyPr>
+          <a:lstStyle/>
+          <a:p>
+            <a:pPr marL="285750" indent="-285750">
+              <a:buClr>
+                <a:srgbClr val="5D9732"/>
+              </a:buClr>
+              <a:buFont typeface="Wingdings" panose="05000000000000000000" pitchFamily="2" charset="2"/>
+              <a:buChar char="Ø"/>
+            </a:pPr>
+            <a:r>
+              <a:rPr lang="en-GB" sz="2400" dirty="0">
+                <a:latin typeface="Alegreya Sans" panose="00000500000000000000" pitchFamily="2" charset="0"/>
+                <a:ea typeface="Malgun Gothic" panose="020B0503020000020004" pitchFamily="34" charset="-127"/>
+              </a:rPr>
+              <a:t>What we aim to do</a:t>
+            </a:r>
+            <a:r>
+              <a:rPr lang="en-GB" sz="2400" dirty="0">
+                <a:solidFill>
+                  <a:srgbClr val="5D9732"/>
+                </a:solidFill>
+                <a:latin typeface="Alegreya Sans" panose="00000500000000000000" pitchFamily="2" charset="0"/>
+                <a:ea typeface="Malgun Gothic" panose="020B0503020000020004" pitchFamily="34" charset="-127"/>
+              </a:rPr>
+              <a:t>…</a:t>
+            </a:r>
+          </a:p>
+          <a:p>
+            <a:pPr marL="1200150" lvl="2" indent="-285750">
+              <a:buClr>
+                <a:srgbClr val="5D9732"/>
+              </a:buClr>
+              <a:buFont typeface="Wingdings" panose="05000000000000000000" pitchFamily="2" charset="2"/>
+              <a:buChar char="Ø"/>
+            </a:pPr>
+            <a:endParaRPr lang="en-GB" sz="2400" dirty="0">
+              <a:latin typeface="Alegreya Sans" panose="00000500000000000000" pitchFamily="2" charset="0"/>
+              <a:ea typeface="Malgun Gothic" panose="020B0503020000020004" pitchFamily="34" charset="-127"/>
+            </a:endParaRPr>
+          </a:p>
+          <a:p>
+            <a:pPr marL="1200150" lvl="2" indent="-285750">
+              <a:buClr>
+                <a:srgbClr val="5D9732"/>
+              </a:buClr>
+              <a:buFont typeface="Wingdings" panose="05000000000000000000" pitchFamily="2" charset="2"/>
+              <a:buChar char="Ø"/>
+            </a:pPr>
+            <a:endParaRPr lang="en-GB" sz="2400" dirty="0">
+              <a:latin typeface="Alegreya Sans" panose="00000500000000000000" pitchFamily="2" charset="0"/>
+              <a:ea typeface="Malgun Gothic" panose="020B0503020000020004" pitchFamily="34" charset="-127"/>
+            </a:endParaRPr>
+          </a:p>
+          <a:p>
+            <a:pPr marL="1200150" lvl="2" indent="-285750">
+              <a:buClr>
+                <a:srgbClr val="5D9732"/>
+              </a:buClr>
+              <a:buFont typeface="Wingdings" panose="05000000000000000000" pitchFamily="2" charset="2"/>
+              <a:buChar char="Ø"/>
+            </a:pPr>
+            <a:endParaRPr lang="en-GB" sz="2400" dirty="0">
+              <a:latin typeface="Alegreya Sans" panose="00000500000000000000" pitchFamily="2" charset="0"/>
+              <a:ea typeface="Malgun Gothic" panose="020B0503020000020004" pitchFamily="34" charset="-127"/>
+            </a:endParaRPr>
+          </a:p>
+          <a:p>
+            <a:pPr marL="1200150" lvl="2" indent="-285750">
+              <a:buClr>
+                <a:srgbClr val="5D9732"/>
+              </a:buClr>
+              <a:buFont typeface="Wingdings" panose="05000000000000000000" pitchFamily="2" charset="2"/>
+              <a:buChar char="Ø"/>
+            </a:pPr>
+            <a:endParaRPr lang="en-GB" sz="2400" dirty="0">
+              <a:latin typeface="Alegreya Sans" panose="00000500000000000000" pitchFamily="2" charset="0"/>
+              <a:ea typeface="Malgun Gothic" panose="020B0503020000020004" pitchFamily="34" charset="-127"/>
+            </a:endParaRPr>
+          </a:p>
+        </p:txBody>
+      </p:sp>
+      <p:sp>
+        <p:nvSpPr>
+          <p:cNvPr id="8" name="Subtitle 2">
+            <a:extLst>
+              <a:ext uri="{FF2B5EF4-FFF2-40B4-BE49-F238E27FC236}">
+                <a16:creationId xmlns:a16="http://schemas.microsoft.com/office/drawing/2014/main" id="{E51E2B93-3696-471D-94EB-612CA436A13C}"/>
+              </a:ext>
+            </a:extLst>
+          </p:cNvPr>
+          <p:cNvSpPr>
+            <a:spLocks noGrp="1"/>
+          </p:cNvSpPr>
+          <p:nvPr>
+            <p:ph type="subTitle" idx="1"/>
+          </p:nvPr>
+        </p:nvSpPr>
+        <p:spPr>
+          <a:xfrm>
+            <a:off x="1096731" y="6326231"/>
+            <a:ext cx="6950537" cy="531769"/>
+          </a:xfrm>
+        </p:spPr>
+        <p:txBody>
+          <a:bodyPr tIns="90000" anchor="ctr" anchorCtr="0">
+            <a:normAutofit fontScale="85000" lnSpcReduction="10000"/>
+          </a:bodyPr>
+          <a:lstStyle/>
+          <a:p>
+            <a:pPr algn="ctr"/>
+            <a:r>
+              <a:rPr lang="en-GB" sz="2000" dirty="0">
+                <a:solidFill>
+                  <a:schemeClr val="bg1"/>
+                </a:solidFill>
+                <a:latin typeface="Alegreya Sans" panose="00000500000000000000" pitchFamily="2" charset="0"/>
+              </a:rPr>
+              <a:t>MITIGATING JOULE EXPANSION IN MULTICELL ATOMIC QUANTUM MEMORY</a:t>
+            </a:r>
+          </a:p>
+        </p:txBody>
+      </p:sp>
+      <p:grpSp>
+        <p:nvGrpSpPr>
+          <p:cNvPr id="6" name="Group 5">
+            <a:extLst>
+              <a:ext uri="{FF2B5EF4-FFF2-40B4-BE49-F238E27FC236}">
+                <a16:creationId xmlns:a16="http://schemas.microsoft.com/office/drawing/2014/main" id="{CB93E173-A739-4278-96BD-855C6E8DC0DB}"/>
+              </a:ext>
+            </a:extLst>
+          </p:cNvPr>
+          <p:cNvGrpSpPr/>
+          <p:nvPr/>
+        </p:nvGrpSpPr>
+        <p:grpSpPr>
+          <a:xfrm>
+            <a:off x="1015402" y="2250319"/>
+            <a:ext cx="7113193" cy="2867425"/>
+            <a:chOff x="821033" y="2823612"/>
+            <a:chExt cx="7113193" cy="2867425"/>
+          </a:xfrm>
+        </p:grpSpPr>
+        <p:pic>
+          <p:nvPicPr>
+            <p:cNvPr id="4" name="Picture 3">
+              <a:extLst>
+                <a:ext uri="{FF2B5EF4-FFF2-40B4-BE49-F238E27FC236}">
+                  <a16:creationId xmlns:a16="http://schemas.microsoft.com/office/drawing/2014/main" id="{F0FA5D47-6D98-4F1E-A15D-8855FADECEF7}"/>
+                </a:ext>
+              </a:extLst>
+            </p:cNvPr>
+            <p:cNvPicPr>
+              <a:picLocks noChangeAspect="1"/>
+            </p:cNvPicPr>
+            <p:nvPr/>
+          </p:nvPicPr>
+          <p:blipFill>
+            <a:blip r:embed="rId3"/>
+            <a:stretch>
+              <a:fillRect/>
+            </a:stretch>
+          </p:blipFill>
+          <p:spPr>
+            <a:xfrm>
+              <a:off x="827584" y="2823612"/>
+              <a:ext cx="7106642" cy="2867425"/>
+            </a:xfrm>
+            <a:prstGeom prst="rect">
+              <a:avLst/>
+            </a:prstGeom>
+          </p:spPr>
+        </p:pic>
+        <p:sp>
+          <p:nvSpPr>
+            <p:cNvPr id="5" name="TextBox 4">
+              <a:extLst>
+                <a:ext uri="{FF2B5EF4-FFF2-40B4-BE49-F238E27FC236}">
+                  <a16:creationId xmlns:a16="http://schemas.microsoft.com/office/drawing/2014/main" id="{F7F5BB97-C9ED-46C1-A13C-6A7412A8F844}"/>
+                </a:ext>
+              </a:extLst>
+            </p:cNvPr>
+            <p:cNvSpPr txBox="1"/>
+            <p:nvPr/>
+          </p:nvSpPr>
+          <p:spPr>
+            <a:xfrm>
+              <a:off x="821033" y="2823612"/>
+              <a:ext cx="504056" cy="369332"/>
+            </a:xfrm>
+            <a:prstGeom prst="rect">
+              <a:avLst/>
+            </a:prstGeom>
+            <a:solidFill>
+              <a:schemeClr val="bg1"/>
+            </a:solidFill>
+          </p:spPr>
+          <p:txBody>
+            <a:bodyPr wrap="square" rtlCol="0">
+              <a:spAutoFit/>
+            </a:bodyPr>
+            <a:lstStyle/>
+            <a:p>
+              <a:r>
+                <a:rPr lang="en-GB" dirty="0"/>
+                <a:t>[1]</a:t>
+              </a:r>
+            </a:p>
+          </p:txBody>
+        </p:sp>
+      </p:grpSp>
+      <p:sp>
+        <p:nvSpPr>
+          <p:cNvPr id="7" name="Oval 6">
+            <a:extLst>
+              <a:ext uri="{FF2B5EF4-FFF2-40B4-BE49-F238E27FC236}">
+                <a16:creationId xmlns:a16="http://schemas.microsoft.com/office/drawing/2014/main" id="{9CAD7535-C6E2-4965-8616-A53FD80DB80A}"/>
+              </a:ext>
+            </a:extLst>
+          </p:cNvPr>
+          <p:cNvSpPr/>
+          <p:nvPr/>
+        </p:nvSpPr>
+        <p:spPr>
+          <a:xfrm rot="941849">
+            <a:off x="8223951" y="5524671"/>
+            <a:ext cx="228246" cy="630811"/>
+          </a:xfrm>
+          <a:prstGeom prst="ellipse">
+            <a:avLst/>
+          </a:prstGeom>
+          <a:solidFill>
+            <a:srgbClr val="9AD8FF"/>
+          </a:solidFill>
+        </p:spPr>
+        <p:style>
+          <a:lnRef idx="2">
+            <a:schemeClr val="accent1">
+              <a:shade val="50000"/>
+            </a:schemeClr>
+          </a:lnRef>
+          <a:fillRef idx="1">
+            <a:schemeClr val="accent1"/>
+          </a:fillRef>
+          <a:effectRef idx="0">
+            <a:schemeClr val="accent1"/>
+          </a:effectRef>
+          <a:fontRef idx="minor">
+            <a:schemeClr val="lt1"/>
+          </a:fontRef>
+        </p:style>
+        <p:txBody>
+          <a:bodyPr rtlCol="0" anchor="ctr"/>
+          <a:lstStyle/>
+          <a:p>
+            <a:pPr algn="ctr"/>
+            <a:endParaRPr lang="en-GB"/>
+          </a:p>
+        </p:txBody>
+      </p:sp>
+      <p:sp>
+        <p:nvSpPr>
+          <p:cNvPr id="17" name="TextBox 16">
+            <a:extLst>
+              <a:ext uri="{FF2B5EF4-FFF2-40B4-BE49-F238E27FC236}">
+                <a16:creationId xmlns:a16="http://schemas.microsoft.com/office/drawing/2014/main" id="{89B87329-5D27-4C82-A731-BD599596AF10}"/>
+              </a:ext>
+            </a:extLst>
+          </p:cNvPr>
+          <p:cNvSpPr txBox="1"/>
+          <p:nvPr/>
+        </p:nvSpPr>
+        <p:spPr>
+          <a:xfrm>
+            <a:off x="1907704" y="5805264"/>
+            <a:ext cx="6235168" cy="369332"/>
+          </a:xfrm>
+          <a:prstGeom prst="rect">
+            <a:avLst/>
+          </a:prstGeom>
+          <a:noFill/>
+        </p:spPr>
+        <p:txBody>
+          <a:bodyPr wrap="none" rtlCol="0">
+            <a:spAutoFit/>
+          </a:bodyPr>
+          <a:lstStyle/>
+          <a:p>
+            <a:r>
+              <a:rPr lang="en-GB" dirty="0">
+                <a:solidFill>
+                  <a:srgbClr val="FF0000"/>
+                </a:solidFill>
+              </a:rPr>
+              <a:t>I still need to think about how best to do this diagram (LEWIS) :D</a:t>
+            </a:r>
+          </a:p>
+        </p:txBody>
+      </p:sp>
+    </p:spTree>
+    <p:extLst>
+      <p:ext uri="{BB962C8B-B14F-4D97-AF65-F5344CB8AC3E}">
+        <p14:creationId xmlns:p14="http://schemas.microsoft.com/office/powerpoint/2010/main" val="2074618949"/>
+      </p:ext>
+    </p:extLst>
+  </p:cSld>
+  <p:clrMapOvr>
+    <a:masterClrMapping/>
+  </p:clrMapOvr>
+  <mc:AlternateContent xmlns:mc="http://schemas.openxmlformats.org/markup-compatibility/2006">
+    <mc:Choice xmlns:p14="http://schemas.microsoft.com/office/powerpoint/2010/main" Requires="p14">
+      <p:transition p14:dur="10"/>
+    </mc:Choice>
+    <mc:Fallback>
+      <p:transition/>
+    </mc:Fallback>
+  </mc:AlternateContent>
+  <p:timing>
+    <p:tnLst>
+      <p:par>
+        <p:cTn id="1" dur="indefinite" restart="never" nodeType="tmRoot">
+          <p:childTnLst>
+            <p:seq concurrent="1" nextAc="seek">
+              <p:cTn id="2" dur="indefinite" nodeType="mainSeq">
+                <p:childTnLst>
+                  <p:par>
+                    <p:cTn id="3" fill="hold">
+                      <p:stCondLst>
+                        <p:cond delay="indefinite"/>
+                      </p:stCondLst>
+                      <p:childTnLst>
+                        <p:par>
+                          <p:cTn id="4" fill="hold">
+                            <p:stCondLst>
+                              <p:cond delay="0"/>
+                            </p:stCondLst>
+                            <p:childTnLst>
+                              <p:par>
+                                <p:cTn id="5" presetID="1" presetClass="entr" presetSubtype="0" fill="hold" nodeType="clickEffect">
+                                  <p:stCondLst>
+                                    <p:cond delay="0"/>
+                                  </p:stCondLst>
+                                  <p:childTnLst>
+                                    <p:set>
+                                      <p:cBhvr>
+                                        <p:cTn id="6" dur="1" fill="hold">
+                                          <p:stCondLst>
+                                            <p:cond delay="0"/>
+                                          </p:stCondLst>
+                                        </p:cTn>
+                                        <p:tgtEl>
+                                          <p:spTgt spid="6"/>
+                                        </p:tgtEl>
+                                        <p:attrNameLst>
+                                          <p:attrName>style.visibility</p:attrName>
+                                        </p:attrNameLst>
+                                      </p:cBhvr>
+                                      <p:to>
+                                        <p:strVal val="visible"/>
+                                      </p:to>
+                                    </p:set>
+                                  </p:childTnLst>
+                                </p:cTn>
+                              </p:par>
+                            </p:childTnLst>
+                          </p:cTn>
+                        </p:par>
+                      </p:childTnLst>
+                    </p:cTn>
+                  </p:par>
+                </p:childTnLst>
+              </p:cTn>
+              <p:prevCondLst>
+                <p:cond evt="onPrev" delay="0">
+                  <p:tgtEl>
+                    <p:sldTgt/>
+                  </p:tgtEl>
+                </p:cond>
+              </p:prevCondLst>
+              <p:nextCondLst>
+                <p:cond evt="onNext" delay="0">
+                  <p:tgtEl>
+                    <p:sldTgt/>
+                  </p:tgtEl>
+                </p:cond>
+              </p:nextCondLst>
+            </p:seq>
+          </p:childTnLst>
+        </p:cTn>
+      </p:par>
+    </p:tnLst>
+  </p:timing>
+</p:sld>
+</file>
+
+<file path=ppt/slides/slide5.xml><?xml version="1.0" encoding="utf-8"?>
+<p:sld xmlns:a="http://schemas.openxmlformats.org/drawingml/2006/main" xmlns:r="http://schemas.openxmlformats.org/officeDocument/2006/relationships" xmlns:p="http://schemas.openxmlformats.org/presentationml/2006/main">
+  <p:cSld>
+    <p:spTree>
+      <p:nvGrpSpPr>
+        <p:cNvPr id="1" name=""/>
+        <p:cNvGrpSpPr/>
+        <p:nvPr/>
+      </p:nvGrpSpPr>
+      <p:grpSpPr>
+        <a:xfrm>
+          <a:off x="0" y="0"/>
+          <a:ext cx="0" cy="0"/>
+          <a:chOff x="0" y="0"/>
+          <a:chExt cx="0" cy="0"/>
+        </a:xfrm>
+      </p:grpSpPr>
+      <p:sp>
+        <p:nvSpPr>
+          <p:cNvPr id="10" name="Rectangle 9">
+            <a:extLst>
+              <a:ext uri="{FF2B5EF4-FFF2-40B4-BE49-F238E27FC236}">
+                <a16:creationId xmlns:a16="http://schemas.microsoft.com/office/drawing/2014/main" id="{FB81B96C-2B02-476F-A472-51925FF800F5}"/>
+              </a:ext>
+            </a:extLst>
+          </p:cNvPr>
+          <p:cNvSpPr/>
+          <p:nvPr/>
+        </p:nvSpPr>
+        <p:spPr>
+          <a:xfrm>
+            <a:off x="0" y="6326231"/>
+            <a:ext cx="9144000" cy="531769"/>
+          </a:xfrm>
+          <a:prstGeom prst="rect">
+            <a:avLst/>
+          </a:prstGeom>
+          <a:solidFill>
+            <a:srgbClr val="5D9732"/>
+          </a:solidFill>
+          <a:ln>
+            <a:noFill/>
+          </a:ln>
+        </p:spPr>
+        <p:style>
+          <a:lnRef idx="2">
+            <a:schemeClr val="accent1">
+              <a:shade val="50000"/>
+            </a:schemeClr>
+          </a:lnRef>
+          <a:fillRef idx="1">
+            <a:schemeClr val="accent1"/>
+          </a:fillRef>
+          <a:effectRef idx="0">
+            <a:schemeClr val="accent1"/>
+          </a:effectRef>
+          <a:fontRef idx="minor">
+            <a:schemeClr val="lt1"/>
+          </a:fontRef>
+        </p:style>
+        <p:txBody>
+          <a:bodyPr rtlCol="0" anchor="ctr"/>
+          <a:lstStyle/>
+          <a:p>
+            <a:pPr algn="ctr"/>
+            <a:endParaRPr lang="en-GB"/>
+          </a:p>
+        </p:txBody>
+      </p:sp>
+      <p:sp>
+        <p:nvSpPr>
+          <p:cNvPr id="9" name="Rectangle 8">
+            <a:extLst>
+              <a:ext uri="{FF2B5EF4-FFF2-40B4-BE49-F238E27FC236}">
+                <a16:creationId xmlns:a16="http://schemas.microsoft.com/office/drawing/2014/main" id="{DFC374E1-6D4E-4F6C-8705-D42E43DBC7CA}"/>
+              </a:ext>
+            </a:extLst>
+          </p:cNvPr>
+          <p:cNvSpPr/>
+          <p:nvPr/>
+        </p:nvSpPr>
+        <p:spPr>
+          <a:xfrm>
+            <a:off x="0" y="0"/>
+            <a:ext cx="7615988" cy="1041833"/>
+          </a:xfrm>
+          <a:prstGeom prst="rect">
+            <a:avLst/>
+          </a:prstGeom>
+          <a:solidFill>
+            <a:srgbClr val="5D9732">
+              <a:alpha val="50000"/>
+            </a:srgbClr>
+          </a:solidFill>
+          <a:ln>
+            <a:noFill/>
+          </a:ln>
+        </p:spPr>
+        <p:style>
+          <a:lnRef idx="2">
+            <a:schemeClr val="accent1">
+              <a:shade val="50000"/>
+            </a:schemeClr>
+          </a:lnRef>
+          <a:fillRef idx="1">
+            <a:schemeClr val="accent1"/>
+          </a:fillRef>
+          <a:effectRef idx="0">
+            <a:schemeClr val="accent1"/>
+          </a:effectRef>
+          <a:fontRef idx="minor">
+            <a:schemeClr val="lt1"/>
+          </a:fontRef>
+        </p:style>
+        <p:txBody>
+          <a:bodyPr rtlCol="0" anchor="ctr"/>
+          <a:lstStyle/>
+          <a:p>
+            <a:endParaRPr lang="en-GB" dirty="0"/>
+          </a:p>
+        </p:txBody>
+      </p:sp>
+      <p:sp>
+        <p:nvSpPr>
+          <p:cNvPr id="2" name="Title 1"/>
+          <p:cNvSpPr>
+            <a:spLocks noGrp="1"/>
+          </p:cNvSpPr>
+          <p:nvPr>
+            <p:ph type="ctrTitle"/>
+          </p:nvPr>
+        </p:nvSpPr>
+        <p:spPr>
+          <a:xfrm>
+            <a:off x="0" y="27512"/>
+            <a:ext cx="7615988" cy="1014321"/>
+          </a:xfrm>
+        </p:spPr>
+        <p:txBody>
+          <a:bodyPr anchor="ctr"/>
+          <a:lstStyle/>
+          <a:p>
+            <a:pPr algn="ctr"/>
+            <a:r>
+              <a:rPr lang="en-GB" sz="2800" b="1" dirty="0">
+                <a:latin typeface="Alegreya Sans" panose="00000500000000000000" pitchFamily="2" charset="0"/>
+                <a:ea typeface="Malgun Gothic" panose="020B0503020000020004" pitchFamily="34" charset="-127"/>
+              </a:rPr>
+              <a:t>Objectives</a:t>
+            </a:r>
+          </a:p>
+        </p:txBody>
+      </p:sp>
+      <p:sp>
+        <p:nvSpPr>
+          <p:cNvPr id="18" name="Rectangle 17">
+            <a:extLst>
+              <a:ext uri="{FF2B5EF4-FFF2-40B4-BE49-F238E27FC236}">
+                <a16:creationId xmlns:a16="http://schemas.microsoft.com/office/drawing/2014/main" id="{0D832764-832B-42B4-8FEF-8544C93A11C4}"/>
+              </a:ext>
+            </a:extLst>
+          </p:cNvPr>
+          <p:cNvSpPr/>
+          <p:nvPr/>
+        </p:nvSpPr>
+        <p:spPr>
+          <a:xfrm>
+            <a:off x="8682176" y="0"/>
+            <a:ext cx="461824" cy="1041833"/>
+          </a:xfrm>
+          <a:prstGeom prst="rect">
+            <a:avLst/>
+          </a:prstGeom>
+          <a:solidFill>
+            <a:srgbClr val="5D9732">
+              <a:alpha val="50000"/>
+            </a:srgbClr>
+          </a:solidFill>
+          <a:ln>
+            <a:noFill/>
+          </a:ln>
+        </p:spPr>
+        <p:style>
+          <a:lnRef idx="2">
+            <a:schemeClr val="accent1">
+              <a:shade val="50000"/>
+            </a:schemeClr>
+          </a:lnRef>
+          <a:fillRef idx="1">
+            <a:schemeClr val="accent1"/>
+          </a:fillRef>
+          <a:effectRef idx="0">
+            <a:schemeClr val="accent1"/>
+          </a:effectRef>
+          <a:fontRef idx="minor">
+            <a:schemeClr val="lt1"/>
+          </a:fontRef>
+        </p:style>
+        <p:txBody>
+          <a:bodyPr rtlCol="0" anchor="ctr"/>
+          <a:lstStyle/>
+          <a:p>
+            <a:endParaRPr lang="en-GB" dirty="0"/>
+          </a:p>
+        </p:txBody>
+      </p:sp>
+      <p:sp>
+        <p:nvSpPr>
+          <p:cNvPr id="12" name="TextBox 11">
+            <a:extLst>
+              <a:ext uri="{FF2B5EF4-FFF2-40B4-BE49-F238E27FC236}">
+                <a16:creationId xmlns:a16="http://schemas.microsoft.com/office/drawing/2014/main" id="{1647925E-1FC6-42F7-A717-C4157600B088}"/>
+              </a:ext>
+            </a:extLst>
+          </p:cNvPr>
+          <p:cNvSpPr txBox="1"/>
+          <p:nvPr/>
+        </p:nvSpPr>
+        <p:spPr>
+          <a:xfrm>
+            <a:off x="432048" y="1484784"/>
+            <a:ext cx="6732240" cy="1938992"/>
+          </a:xfrm>
+          <a:prstGeom prst="rect">
+            <a:avLst/>
+          </a:prstGeom>
+          <a:noFill/>
+        </p:spPr>
+        <p:txBody>
+          <a:bodyPr wrap="square" rtlCol="0">
+            <a:spAutoFit/>
+          </a:bodyPr>
+          <a:lstStyle/>
+          <a:p>
+            <a:pPr marL="285750" indent="-285750">
+              <a:buClr>
+                <a:srgbClr val="5D9732"/>
+              </a:buClr>
+              <a:buFont typeface="Wingdings" panose="05000000000000000000" pitchFamily="2" charset="2"/>
+              <a:buChar char="Ø"/>
+            </a:pPr>
+            <a:r>
+              <a:rPr lang="en-GB" sz="2400" dirty="0">
+                <a:latin typeface="Alegreya Sans" panose="00000500000000000000" pitchFamily="2" charset="0"/>
+                <a:ea typeface="Malgun Gothic" panose="020B0503020000020004" pitchFamily="34" charset="-127"/>
+              </a:rPr>
+              <a:t>Pass 551? ;P</a:t>
+            </a:r>
+            <a:r>
+              <a:rPr lang="en-GB" sz="2400" dirty="0">
+                <a:solidFill>
+                  <a:srgbClr val="5D9732"/>
+                </a:solidFill>
+                <a:latin typeface="Alegreya Sans" panose="00000500000000000000" pitchFamily="2" charset="0"/>
+                <a:ea typeface="Malgun Gothic" panose="020B0503020000020004" pitchFamily="34" charset="-127"/>
+              </a:rPr>
+              <a:t>…</a:t>
+            </a:r>
+          </a:p>
+          <a:p>
+            <a:pPr marL="1200150" lvl="2" indent="-285750">
+              <a:buClr>
+                <a:srgbClr val="5D9732"/>
+              </a:buClr>
+              <a:buFont typeface="Wingdings" panose="05000000000000000000" pitchFamily="2" charset="2"/>
+              <a:buChar char="Ø"/>
+            </a:pPr>
+            <a:endParaRPr lang="en-GB" sz="2400" dirty="0">
+              <a:latin typeface="Alegreya Sans" panose="00000500000000000000" pitchFamily="2" charset="0"/>
+              <a:ea typeface="Malgun Gothic" panose="020B0503020000020004" pitchFamily="34" charset="-127"/>
+            </a:endParaRPr>
+          </a:p>
+          <a:p>
+            <a:pPr marL="1200150" lvl="2" indent="-285750">
+              <a:buClr>
+                <a:srgbClr val="5D9732"/>
+              </a:buClr>
+              <a:buFont typeface="Wingdings" panose="05000000000000000000" pitchFamily="2" charset="2"/>
+              <a:buChar char="Ø"/>
+            </a:pPr>
+            <a:endParaRPr lang="en-GB" sz="2400" dirty="0">
+              <a:latin typeface="Alegreya Sans" panose="00000500000000000000" pitchFamily="2" charset="0"/>
+              <a:ea typeface="Malgun Gothic" panose="020B0503020000020004" pitchFamily="34" charset="-127"/>
+            </a:endParaRPr>
+          </a:p>
+          <a:p>
+            <a:pPr marL="1200150" lvl="2" indent="-285750">
+              <a:buClr>
+                <a:srgbClr val="5D9732"/>
+              </a:buClr>
+              <a:buFont typeface="Wingdings" panose="05000000000000000000" pitchFamily="2" charset="2"/>
+              <a:buChar char="Ø"/>
+            </a:pPr>
+            <a:endParaRPr lang="en-GB" sz="2400" dirty="0">
+              <a:latin typeface="Alegreya Sans" panose="00000500000000000000" pitchFamily="2" charset="0"/>
+              <a:ea typeface="Malgun Gothic" panose="020B0503020000020004" pitchFamily="34" charset="-127"/>
+            </a:endParaRPr>
+          </a:p>
+          <a:p>
+            <a:pPr marL="1200150" lvl="2" indent="-285750">
+              <a:buClr>
+                <a:srgbClr val="5D9732"/>
+              </a:buClr>
+              <a:buFont typeface="Wingdings" panose="05000000000000000000" pitchFamily="2" charset="2"/>
+              <a:buChar char="Ø"/>
+            </a:pPr>
+            <a:endParaRPr lang="en-GB" sz="2400" dirty="0">
+              <a:latin typeface="Alegreya Sans" panose="00000500000000000000" pitchFamily="2" charset="0"/>
+              <a:ea typeface="Malgun Gothic" panose="020B0503020000020004" pitchFamily="34" charset="-127"/>
+            </a:endParaRPr>
+          </a:p>
+        </p:txBody>
+      </p:sp>
+      <p:sp>
+        <p:nvSpPr>
+          <p:cNvPr id="8" name="Subtitle 2">
+            <a:extLst>
+              <a:ext uri="{FF2B5EF4-FFF2-40B4-BE49-F238E27FC236}">
+                <a16:creationId xmlns:a16="http://schemas.microsoft.com/office/drawing/2014/main" id="{E51E2B93-3696-471D-94EB-612CA436A13C}"/>
+              </a:ext>
+            </a:extLst>
+          </p:cNvPr>
+          <p:cNvSpPr>
+            <a:spLocks noGrp="1"/>
+          </p:cNvSpPr>
+          <p:nvPr>
+            <p:ph type="subTitle" idx="1"/>
+          </p:nvPr>
+        </p:nvSpPr>
+        <p:spPr>
+          <a:xfrm>
+            <a:off x="1096731" y="6326231"/>
+            <a:ext cx="6950537" cy="531769"/>
+          </a:xfrm>
+        </p:spPr>
+        <p:txBody>
+          <a:bodyPr tIns="90000" anchor="ctr" anchorCtr="0">
+            <a:normAutofit fontScale="85000" lnSpcReduction="10000"/>
+          </a:bodyPr>
+          <a:lstStyle/>
+          <a:p>
+            <a:pPr algn="ctr"/>
+            <a:r>
+              <a:rPr lang="en-GB" sz="2000" dirty="0">
+                <a:solidFill>
+                  <a:schemeClr val="bg1"/>
+                </a:solidFill>
+                <a:latin typeface="Alegreya Sans" panose="00000500000000000000" pitchFamily="2" charset="0"/>
+              </a:rPr>
+              <a:t>MITIGATING JOULE EXPANSION IN MULTICELL ATOMIC QUANTUM MEMORY</a:t>
+            </a:r>
+          </a:p>
+        </p:txBody>
+      </p:sp>
+    </p:spTree>
+    <p:extLst>
+      <p:ext uri="{BB962C8B-B14F-4D97-AF65-F5344CB8AC3E}">
+        <p14:creationId xmlns:p14="http://schemas.microsoft.com/office/powerpoint/2010/main" val="3934663397"/>
+      </p:ext>
+    </p:extLst>
+  </p:cSld>
+  <p:clrMapOvr>
+    <a:masterClrMapping/>
+  </p:clrMapOvr>
+  <mc:AlternateContent xmlns:mc="http://schemas.openxmlformats.org/markup-compatibility/2006">
+    <mc:Choice xmlns:p14="http://schemas.microsoft.com/office/powerpoint/2010/main" Requires="p14">
+      <p:transition p14:dur="10"/>
+    </mc:Choice>
+    <mc:Fallback>
+      <p:transition/>
+    </mc:Fallback>
+  </mc:AlternateContent>
+  <p:timing>
+    <p:tnLst>
+      <p:par>
+        <p:cTn id="1" dur="indefinite" restart="never" nodeType="tmRoot">
+          <p:childTnLst>
+            <p:seq concurrent="1" nextAc="seek">
+              <p:cTn id="2" dur="indefinite" nodeType="mainSeq">
+                <p:childTnLst>
+                  <p:par>
+                    <p:cTn id="3" fill="hold">
+                      <p:stCondLst>
+                        <p:cond delay="indefinite"/>
+                      </p:stCondLst>
+                      <p:childTnLst>
+                        <p:par>
+                          <p:cTn id="4" fill="hold">
+                            <p:stCondLst>
+                              <p:cond delay="0"/>
+                            </p:stCondLst>
+                            <p:childTnLst>
+                              <p:par>
+                                <p:cTn id="5" presetID="1" presetClass="entr" presetSubtype="0" fill="hold" nodeType="clickEffect">
+                                  <p:stCondLst>
+                                    <p:cond delay="0"/>
+                                  </p:stCondLst>
+                                  <p:childTnLst>
+                                    <p:set>
+                                      <p:cBhvr>
+                                        <p:cTn id="6" dur="1" fill="hold">
+                                          <p:stCondLst>
+                                            <p:cond delay="0"/>
+                                          </p:stCondLst>
+                                        </p:cTn>
+                                        <p:tgtEl>
+                                          <p:spTgt spid="12">
+                                            <p:txEl>
+                                              <p:pRg st="0" end="0"/>
+                                            </p:txEl>
+                                          </p:spTgt>
+                                        </p:tgtEl>
+                                        <p:attrNameLst>
+                                          <p:attrName>style.visibility</p:attrName>
+                                        </p:attrNameLst>
+                                      </p:cBhvr>
+                                      <p:to>
+                                        <p:strVal val="visible"/>
+                                      </p:to>
+                                    </p:set>
+                                  </p:childTnLst>
+                                </p:cTn>
+                              </p:par>
+                            </p:childTnLst>
+                          </p:cTn>
+                        </p:par>
+                      </p:childTnLst>
+                    </p:cTn>
+                  </p:par>
+                </p:childTnLst>
+              </p:cTn>
+              <p:prevCondLst>
+                <p:cond evt="onPrev" delay="0">
+                  <p:tgtEl>
+                    <p:sldTgt/>
+                  </p:tgtEl>
+                </p:cond>
+              </p:prevCondLst>
+              <p:nextCondLst>
+                <p:cond evt="onNext" delay="0">
+                  <p:tgtEl>
+                    <p:sldTgt/>
+                  </p:tgtEl>
+                </p:cond>
+              </p:nextCondLst>
+            </p:seq>
+          </p:childTnLst>
+        </p:cTn>
+      </p:par>
+    </p:tnLst>
+  </p:timing>
+</p:sld>
+</file>
+
+<file path=ppt/slides/slide6.xml><?xml version="1.0" encoding="utf-8"?>
+<p:sld xmlns:a="http://schemas.openxmlformats.org/drawingml/2006/main" xmlns:r="http://schemas.openxmlformats.org/officeDocument/2006/relationships" xmlns:p="http://schemas.openxmlformats.org/presentationml/2006/main">
+  <p:cSld>
+    <p:spTree>
+      <p:nvGrpSpPr>
+        <p:cNvPr id="1" name=""/>
+        <p:cNvGrpSpPr/>
+        <p:nvPr/>
+      </p:nvGrpSpPr>
+      <p:grpSpPr>
+        <a:xfrm>
+          <a:off x="0" y="0"/>
+          <a:ext cx="0" cy="0"/>
+          <a:chOff x="0" y="0"/>
+          <a:chExt cx="0" cy="0"/>
+        </a:xfrm>
+      </p:grpSpPr>
+      <p:sp>
+        <p:nvSpPr>
+          <p:cNvPr id="10" name="Rectangle 9">
+            <a:extLst>
+              <a:ext uri="{FF2B5EF4-FFF2-40B4-BE49-F238E27FC236}">
+                <a16:creationId xmlns:a16="http://schemas.microsoft.com/office/drawing/2014/main" id="{FB81B96C-2B02-476F-A472-51925FF800F5}"/>
+              </a:ext>
+            </a:extLst>
+          </p:cNvPr>
+          <p:cNvSpPr/>
+          <p:nvPr/>
+        </p:nvSpPr>
+        <p:spPr>
+          <a:xfrm>
+            <a:off x="0" y="6326231"/>
+            <a:ext cx="9144000" cy="531769"/>
+          </a:xfrm>
+          <a:prstGeom prst="rect">
+            <a:avLst/>
+          </a:prstGeom>
+          <a:solidFill>
+            <a:srgbClr val="5D9732"/>
+          </a:solidFill>
+          <a:ln>
+            <a:noFill/>
+          </a:ln>
+        </p:spPr>
+        <p:style>
+          <a:lnRef idx="2">
+            <a:schemeClr val="accent1">
+              <a:shade val="50000"/>
+            </a:schemeClr>
+          </a:lnRef>
+          <a:fillRef idx="1">
+            <a:schemeClr val="accent1"/>
+          </a:fillRef>
+          <a:effectRef idx="0">
+            <a:schemeClr val="accent1"/>
+          </a:effectRef>
+          <a:fontRef idx="minor">
+            <a:schemeClr val="lt1"/>
+          </a:fontRef>
+        </p:style>
+        <p:txBody>
+          <a:bodyPr rtlCol="0" anchor="ctr"/>
+          <a:lstStyle/>
+          <a:p>
+            <a:pPr algn="ctr"/>
+            <a:endParaRPr lang="en-GB"/>
+          </a:p>
+        </p:txBody>
+      </p:sp>
+      <p:sp>
+        <p:nvSpPr>
+          <p:cNvPr id="9" name="Rectangle 8">
+            <a:extLst>
+              <a:ext uri="{FF2B5EF4-FFF2-40B4-BE49-F238E27FC236}">
+                <a16:creationId xmlns:a16="http://schemas.microsoft.com/office/drawing/2014/main" id="{DFC374E1-6D4E-4F6C-8705-D42E43DBC7CA}"/>
+              </a:ext>
+            </a:extLst>
+          </p:cNvPr>
+          <p:cNvSpPr/>
+          <p:nvPr/>
+        </p:nvSpPr>
+        <p:spPr>
+          <a:xfrm>
+            <a:off x="0" y="0"/>
+            <a:ext cx="7615988" cy="1041833"/>
+          </a:xfrm>
+          <a:prstGeom prst="rect">
+            <a:avLst/>
+          </a:prstGeom>
+          <a:solidFill>
+            <a:srgbClr val="5D9732">
+              <a:alpha val="50000"/>
+            </a:srgbClr>
+          </a:solidFill>
+          <a:ln>
+            <a:noFill/>
+          </a:ln>
+        </p:spPr>
+        <p:style>
+          <a:lnRef idx="2">
+            <a:schemeClr val="accent1">
+              <a:shade val="50000"/>
+            </a:schemeClr>
+          </a:lnRef>
+          <a:fillRef idx="1">
+            <a:schemeClr val="accent1"/>
+          </a:fillRef>
+          <a:effectRef idx="0">
+            <a:schemeClr val="accent1"/>
+          </a:effectRef>
+          <a:fontRef idx="minor">
+            <a:schemeClr val="lt1"/>
+          </a:fontRef>
+        </p:style>
+        <p:txBody>
+          <a:bodyPr rtlCol="0" anchor="ctr"/>
+          <a:lstStyle/>
+          <a:p>
+            <a:endParaRPr lang="en-GB" dirty="0"/>
+          </a:p>
+        </p:txBody>
+      </p:sp>
+      <p:sp>
+        <p:nvSpPr>
+          <p:cNvPr id="2" name="Title 1"/>
+          <p:cNvSpPr>
+            <a:spLocks noGrp="1"/>
+          </p:cNvSpPr>
+          <p:nvPr>
+            <p:ph type="ctrTitle"/>
+          </p:nvPr>
+        </p:nvSpPr>
+        <p:spPr>
+          <a:xfrm>
+            <a:off x="0" y="27512"/>
+            <a:ext cx="7615988" cy="1014321"/>
+          </a:xfrm>
+        </p:spPr>
+        <p:txBody>
+          <a:bodyPr anchor="ctr"/>
+          <a:lstStyle/>
+          <a:p>
+            <a:pPr algn="ctr"/>
+            <a:r>
+              <a:rPr lang="en-GB" sz="2800" b="1" dirty="0">
+                <a:latin typeface="Alegreya Sans" panose="00000500000000000000" pitchFamily="2" charset="0"/>
+                <a:ea typeface="Malgun Gothic" panose="020B0503020000020004" pitchFamily="34" charset="-127"/>
+              </a:rPr>
+              <a:t>Why? What’s the Impact?</a:t>
+            </a:r>
+          </a:p>
+        </p:txBody>
+      </p:sp>
+      <p:sp>
+        <p:nvSpPr>
+          <p:cNvPr id="18" name="Rectangle 17">
+            <a:extLst>
+              <a:ext uri="{FF2B5EF4-FFF2-40B4-BE49-F238E27FC236}">
+                <a16:creationId xmlns:a16="http://schemas.microsoft.com/office/drawing/2014/main" id="{0D832764-832B-42B4-8FEF-8544C93A11C4}"/>
+              </a:ext>
+            </a:extLst>
+          </p:cNvPr>
+          <p:cNvSpPr/>
+          <p:nvPr/>
+        </p:nvSpPr>
+        <p:spPr>
+          <a:xfrm>
+            <a:off x="8682176" y="0"/>
+            <a:ext cx="461824" cy="1041833"/>
+          </a:xfrm>
+          <a:prstGeom prst="rect">
+            <a:avLst/>
+          </a:prstGeom>
+          <a:solidFill>
+            <a:srgbClr val="5D9732">
+              <a:alpha val="50000"/>
+            </a:srgbClr>
+          </a:solidFill>
+          <a:ln>
+            <a:noFill/>
+          </a:ln>
+        </p:spPr>
+        <p:style>
+          <a:lnRef idx="2">
+            <a:schemeClr val="accent1">
+              <a:shade val="50000"/>
+            </a:schemeClr>
+          </a:lnRef>
+          <a:fillRef idx="1">
+            <a:schemeClr val="accent1"/>
+          </a:fillRef>
+          <a:effectRef idx="0">
+            <a:schemeClr val="accent1"/>
+          </a:effectRef>
+          <a:fontRef idx="minor">
+            <a:schemeClr val="lt1"/>
+          </a:fontRef>
+        </p:style>
+        <p:txBody>
+          <a:bodyPr rtlCol="0" anchor="ctr"/>
+          <a:lstStyle/>
+          <a:p>
+            <a:endParaRPr lang="en-GB" dirty="0"/>
+          </a:p>
+        </p:txBody>
+      </p:sp>
+      <p:sp>
+        <p:nvSpPr>
+          <p:cNvPr id="12" name="TextBox 11">
+            <a:extLst>
+              <a:ext uri="{FF2B5EF4-FFF2-40B4-BE49-F238E27FC236}">
+                <a16:creationId xmlns:a16="http://schemas.microsoft.com/office/drawing/2014/main" id="{1647925E-1FC6-42F7-A717-C4157600B088}"/>
+              </a:ext>
+            </a:extLst>
+          </p:cNvPr>
+          <p:cNvSpPr txBox="1"/>
+          <p:nvPr/>
+        </p:nvSpPr>
+        <p:spPr>
+          <a:xfrm>
+            <a:off x="432048" y="1484784"/>
+            <a:ext cx="6732240" cy="1938992"/>
+          </a:xfrm>
+          <a:prstGeom prst="rect">
+            <a:avLst/>
+          </a:prstGeom>
+          <a:noFill/>
+        </p:spPr>
+        <p:txBody>
+          <a:bodyPr wrap="square" rtlCol="0">
+            <a:spAutoFit/>
+          </a:bodyPr>
+          <a:lstStyle/>
+          <a:p>
+            <a:pPr marL="285750" indent="-285750">
+              <a:buClr>
+                <a:srgbClr val="5D9732"/>
+              </a:buClr>
+              <a:buFont typeface="Wingdings" panose="05000000000000000000" pitchFamily="2" charset="2"/>
+              <a:buChar char="Ø"/>
+            </a:pPr>
+            <a:r>
+              <a:rPr lang="en-GB" sz="2400" dirty="0">
+                <a:latin typeface="Alegreya Sans" panose="00000500000000000000" pitchFamily="2" charset="0"/>
+                <a:ea typeface="Malgun Gothic" panose="020B0503020000020004" pitchFamily="34" charset="-127"/>
+              </a:rPr>
+              <a:t>Good PowerPoint, good grade</a:t>
+            </a:r>
+            <a:r>
+              <a:rPr lang="en-GB" sz="2400" dirty="0">
+                <a:solidFill>
+                  <a:srgbClr val="5D9732"/>
+                </a:solidFill>
+                <a:latin typeface="Alegreya Sans" panose="00000500000000000000" pitchFamily="2" charset="0"/>
+                <a:ea typeface="Malgun Gothic" panose="020B0503020000020004" pitchFamily="34" charset="-127"/>
+              </a:rPr>
+              <a:t>…</a:t>
+            </a:r>
+          </a:p>
+          <a:p>
+            <a:pPr marL="1200150" lvl="2" indent="-285750">
+              <a:buClr>
+                <a:srgbClr val="5D9732"/>
+              </a:buClr>
+              <a:buFont typeface="Wingdings" panose="05000000000000000000" pitchFamily="2" charset="2"/>
+              <a:buChar char="Ø"/>
+            </a:pPr>
+            <a:endParaRPr lang="en-GB" sz="2400" dirty="0">
+              <a:latin typeface="Alegreya Sans" panose="00000500000000000000" pitchFamily="2" charset="0"/>
+              <a:ea typeface="Malgun Gothic" panose="020B0503020000020004" pitchFamily="34" charset="-127"/>
+            </a:endParaRPr>
+          </a:p>
+          <a:p>
+            <a:pPr marL="1200150" lvl="2" indent="-285750">
+              <a:buClr>
+                <a:srgbClr val="5D9732"/>
+              </a:buClr>
+              <a:buFont typeface="Wingdings" panose="05000000000000000000" pitchFamily="2" charset="2"/>
+              <a:buChar char="Ø"/>
+            </a:pPr>
+            <a:endParaRPr lang="en-GB" sz="2400" dirty="0">
+              <a:latin typeface="Alegreya Sans" panose="00000500000000000000" pitchFamily="2" charset="0"/>
+              <a:ea typeface="Malgun Gothic" panose="020B0503020000020004" pitchFamily="34" charset="-127"/>
+            </a:endParaRPr>
+          </a:p>
+          <a:p>
+            <a:pPr marL="1200150" lvl="2" indent="-285750">
+              <a:buClr>
+                <a:srgbClr val="5D9732"/>
+              </a:buClr>
+              <a:buFont typeface="Wingdings" panose="05000000000000000000" pitchFamily="2" charset="2"/>
+              <a:buChar char="Ø"/>
+            </a:pPr>
+            <a:endParaRPr lang="en-GB" sz="2400" dirty="0">
+              <a:latin typeface="Alegreya Sans" panose="00000500000000000000" pitchFamily="2" charset="0"/>
+              <a:ea typeface="Malgun Gothic" panose="020B0503020000020004" pitchFamily="34" charset="-127"/>
+            </a:endParaRPr>
+          </a:p>
+          <a:p>
+            <a:pPr marL="1200150" lvl="2" indent="-285750">
+              <a:buClr>
+                <a:srgbClr val="5D9732"/>
+              </a:buClr>
+              <a:buFont typeface="Wingdings" panose="05000000000000000000" pitchFamily="2" charset="2"/>
+              <a:buChar char="Ø"/>
+            </a:pPr>
+            <a:endParaRPr lang="en-GB" sz="2400" dirty="0">
+              <a:latin typeface="Alegreya Sans" panose="00000500000000000000" pitchFamily="2" charset="0"/>
+              <a:ea typeface="Malgun Gothic" panose="020B0503020000020004" pitchFamily="34" charset="-127"/>
+            </a:endParaRPr>
+          </a:p>
+        </p:txBody>
+      </p:sp>
+      <p:sp>
+        <p:nvSpPr>
+          <p:cNvPr id="8" name="Subtitle 2">
+            <a:extLst>
+              <a:ext uri="{FF2B5EF4-FFF2-40B4-BE49-F238E27FC236}">
+                <a16:creationId xmlns:a16="http://schemas.microsoft.com/office/drawing/2014/main" id="{E51E2B93-3696-471D-94EB-612CA436A13C}"/>
+              </a:ext>
+            </a:extLst>
+          </p:cNvPr>
+          <p:cNvSpPr>
+            <a:spLocks noGrp="1"/>
+          </p:cNvSpPr>
+          <p:nvPr>
+            <p:ph type="subTitle" idx="1"/>
+          </p:nvPr>
+        </p:nvSpPr>
+        <p:spPr>
+          <a:xfrm>
+            <a:off x="1096731" y="6326231"/>
+            <a:ext cx="6950537" cy="531769"/>
+          </a:xfrm>
+        </p:spPr>
+        <p:txBody>
+          <a:bodyPr tIns="90000" anchor="ctr" anchorCtr="0">
+            <a:normAutofit fontScale="85000" lnSpcReduction="10000"/>
+          </a:bodyPr>
+          <a:lstStyle/>
+          <a:p>
+            <a:pPr algn="ctr"/>
+            <a:r>
+              <a:rPr lang="en-GB" sz="2000" dirty="0">
+                <a:solidFill>
+                  <a:schemeClr val="bg1"/>
+                </a:solidFill>
+                <a:latin typeface="Alegreya Sans" panose="00000500000000000000" pitchFamily="2" charset="0"/>
+              </a:rPr>
+              <a:t>MITIGATING JOULE EXPANSION IN MULTICELL ATOMIC QUANTUM MEMORY</a:t>
+            </a:r>
+          </a:p>
+        </p:txBody>
+      </p:sp>
+    </p:spTree>
+    <p:extLst>
+      <p:ext uri="{BB962C8B-B14F-4D97-AF65-F5344CB8AC3E}">
+        <p14:creationId xmlns:p14="http://schemas.microsoft.com/office/powerpoint/2010/main" val="2441065121"/>
+      </p:ext>
+    </p:extLst>
+  </p:cSld>
+  <p:clrMapOvr>
+    <a:masterClrMapping/>
+  </p:clrMapOvr>
+  <mc:AlternateContent xmlns:mc="http://schemas.openxmlformats.org/markup-compatibility/2006">
+    <mc:Choice xmlns:p14="http://schemas.microsoft.com/office/powerpoint/2010/main" Requires="p14">
+      <p:transition p14:dur="10"/>
+    </mc:Choice>
+    <mc:Fallback>
+      <p:transition/>
+    </mc:Fallback>
+  </mc:AlternateContent>
+  <p:timing>
+    <p:tnLst>
+      <p:par>
+        <p:cTn id="1" dur="indefinite" restart="never" nodeType="tmRoot">
+          <p:childTnLst>
+            <p:seq concurrent="1" nextAc="seek">
+              <p:cTn id="2" dur="indefinite" nodeType="mainSeq">
+                <p:childTnLst>
+                  <p:par>
+                    <p:cTn id="3" fill="hold">
+                      <p:stCondLst>
+                        <p:cond delay="indefinite"/>
+                      </p:stCondLst>
+                      <p:childTnLst>
+                        <p:par>
+                          <p:cTn id="4" fill="hold">
+                            <p:stCondLst>
+                              <p:cond delay="0"/>
+                            </p:stCondLst>
+                            <p:childTnLst>
+                              <p:par>
+                                <p:cTn id="5" presetID="1" presetClass="entr" presetSubtype="0" fill="hold" nodeType="clickEffect">
+                                  <p:stCondLst>
+                                    <p:cond delay="0"/>
+                                  </p:stCondLst>
+                                  <p:childTnLst>
+                                    <p:set>
+                                      <p:cBhvr>
+                                        <p:cTn id="6" dur="1" fill="hold">
+                                          <p:stCondLst>
+                                            <p:cond delay="0"/>
+                                          </p:stCondLst>
+                                        </p:cTn>
+                                        <p:tgtEl>
+                                          <p:spTgt spid="12">
+                                            <p:txEl>
+                                              <p:pRg st="0" end="0"/>
+                                            </p:txEl>
+                                          </p:spTgt>
+                                        </p:tgtEl>
+                                        <p:attrNameLst>
+                                          <p:attrName>style.visibility</p:attrName>
+                                        </p:attrNameLst>
+                                      </p:cBhvr>
+                                      <p:to>
+                                        <p:strVal val="visible"/>
+                                      </p:to>
+                                    </p:set>
+                                  </p:childTnLst>
+                                </p:cTn>
+                              </p:par>
+                            </p:childTnLst>
+                          </p:cTn>
+                        </p:par>
+                      </p:childTnLst>
+                    </p:cTn>
+                  </p:par>
+                </p:childTnLst>
+              </p:cTn>
+              <p:prevCondLst>
+                <p:cond evt="onPrev" delay="0">
+                  <p:tgtEl>
+                    <p:sldTgt/>
+                  </p:tgtEl>
+                </p:cond>
+              </p:prevCondLst>
+              <p:nextCondLst>
+                <p:cond evt="onNext" delay="0">
+                  <p:tgtEl>
+                    <p:sldTgt/>
+                  </p:tgtEl>
+                </p:cond>
+              </p:nextCondLst>
+            </p:seq>
+          </p:childTnLst>
+        </p:cTn>
+      </p:par>
+    </p:tnLst>
+  </p:timing>
+</p:sld>
+</file>
+
+<file path=ppt/slides/slide7.xml><?xml version="1.0" encoding="utf-8"?>
+<p:sld xmlns:a="http://schemas.openxmlformats.org/drawingml/2006/main" xmlns:r="http://schemas.openxmlformats.org/officeDocument/2006/relationships" xmlns:p="http://schemas.openxmlformats.org/presentationml/2006/main">
+  <p:cSld>
+    <p:spTree>
+      <p:nvGrpSpPr>
+        <p:cNvPr id="1" name=""/>
+        <p:cNvGrpSpPr/>
+        <p:nvPr/>
+      </p:nvGrpSpPr>
+      <p:grpSpPr>
+        <a:xfrm>
+          <a:off x="0" y="0"/>
+          <a:ext cx="0" cy="0"/>
+          <a:chOff x="0" y="0"/>
+          <a:chExt cx="0" cy="0"/>
+        </a:xfrm>
+      </p:grpSpPr>
+      <p:sp>
+        <p:nvSpPr>
+          <p:cNvPr id="10" name="Rectangle 9">
+            <a:extLst>
+              <a:ext uri="{FF2B5EF4-FFF2-40B4-BE49-F238E27FC236}">
+                <a16:creationId xmlns:a16="http://schemas.microsoft.com/office/drawing/2014/main" id="{FB81B96C-2B02-476F-A472-51925FF800F5}"/>
+              </a:ext>
+            </a:extLst>
+          </p:cNvPr>
+          <p:cNvSpPr/>
+          <p:nvPr/>
+        </p:nvSpPr>
+        <p:spPr>
+          <a:xfrm>
+            <a:off x="0" y="6326231"/>
+            <a:ext cx="9144000" cy="531769"/>
+          </a:xfrm>
+          <a:prstGeom prst="rect">
+            <a:avLst/>
+          </a:prstGeom>
+          <a:solidFill>
+            <a:srgbClr val="5D9732"/>
+          </a:solidFill>
+          <a:ln>
+            <a:noFill/>
+          </a:ln>
+        </p:spPr>
+        <p:style>
+          <a:lnRef idx="2">
+            <a:schemeClr val="accent1">
+              <a:shade val="50000"/>
+            </a:schemeClr>
+          </a:lnRef>
+          <a:fillRef idx="1">
+            <a:schemeClr val="accent1"/>
+          </a:fillRef>
+          <a:effectRef idx="0">
+            <a:schemeClr val="accent1"/>
+          </a:effectRef>
+          <a:fontRef idx="minor">
+            <a:schemeClr val="lt1"/>
+          </a:fontRef>
+        </p:style>
+        <p:txBody>
+          <a:bodyPr rtlCol="0" anchor="ctr"/>
+          <a:lstStyle/>
+          <a:p>
+            <a:pPr algn="ctr"/>
+            <a:endParaRPr lang="en-GB"/>
+          </a:p>
+        </p:txBody>
+      </p:sp>
+      <p:sp>
+        <p:nvSpPr>
+          <p:cNvPr id="9" name="Rectangle 8">
+            <a:extLst>
+              <a:ext uri="{FF2B5EF4-FFF2-40B4-BE49-F238E27FC236}">
+                <a16:creationId xmlns:a16="http://schemas.microsoft.com/office/drawing/2014/main" id="{DFC374E1-6D4E-4F6C-8705-D42E43DBC7CA}"/>
+              </a:ext>
+            </a:extLst>
+          </p:cNvPr>
+          <p:cNvSpPr/>
+          <p:nvPr/>
+        </p:nvSpPr>
+        <p:spPr>
+          <a:xfrm>
+            <a:off x="0" y="0"/>
+            <a:ext cx="7615988" cy="1041833"/>
+          </a:xfrm>
+          <a:prstGeom prst="rect">
+            <a:avLst/>
+          </a:prstGeom>
+          <a:solidFill>
+            <a:srgbClr val="5D9732">
+              <a:alpha val="50000"/>
+            </a:srgbClr>
+          </a:solidFill>
+          <a:ln>
+            <a:noFill/>
+          </a:ln>
+        </p:spPr>
+        <p:style>
+          <a:lnRef idx="2">
+            <a:schemeClr val="accent1">
+              <a:shade val="50000"/>
+            </a:schemeClr>
+          </a:lnRef>
+          <a:fillRef idx="1">
+            <a:schemeClr val="accent1"/>
+          </a:fillRef>
+          <a:effectRef idx="0">
+            <a:schemeClr val="accent1"/>
+          </a:effectRef>
+          <a:fontRef idx="minor">
+            <a:schemeClr val="lt1"/>
+          </a:fontRef>
+        </p:style>
+        <p:txBody>
+          <a:bodyPr rtlCol="0" anchor="ctr"/>
+          <a:lstStyle/>
+          <a:p>
+            <a:endParaRPr lang="en-GB" dirty="0"/>
+          </a:p>
+        </p:txBody>
+      </p:sp>
+      <p:sp>
+        <p:nvSpPr>
+          <p:cNvPr id="2" name="Title 1"/>
+          <p:cNvSpPr>
+            <a:spLocks noGrp="1"/>
+          </p:cNvSpPr>
+          <p:nvPr>
+            <p:ph type="ctrTitle"/>
+          </p:nvPr>
+        </p:nvSpPr>
+        <p:spPr>
+          <a:xfrm>
+            <a:off x="0" y="27512"/>
+            <a:ext cx="7615988" cy="1014321"/>
+          </a:xfrm>
+        </p:spPr>
+        <p:txBody>
+          <a:bodyPr anchor="ctr"/>
+          <a:lstStyle/>
+          <a:p>
+            <a:pPr algn="ctr"/>
+            <a:r>
+              <a:rPr lang="en-GB" sz="2800" b="1" dirty="0">
+                <a:latin typeface="Alegreya Sans" panose="00000500000000000000" pitchFamily="2" charset="0"/>
+                <a:ea typeface="Malgun Gothic" panose="020B0503020000020004" pitchFamily="34" charset="-127"/>
+              </a:rPr>
+              <a:t>Experimental Specification</a:t>
+            </a:r>
+          </a:p>
+        </p:txBody>
+      </p:sp>
+      <p:sp>
+        <p:nvSpPr>
+          <p:cNvPr id="18" name="Rectangle 17">
+            <a:extLst>
+              <a:ext uri="{FF2B5EF4-FFF2-40B4-BE49-F238E27FC236}">
+                <a16:creationId xmlns:a16="http://schemas.microsoft.com/office/drawing/2014/main" id="{0D832764-832B-42B4-8FEF-8544C93A11C4}"/>
+              </a:ext>
+            </a:extLst>
+          </p:cNvPr>
+          <p:cNvSpPr/>
+          <p:nvPr/>
+        </p:nvSpPr>
+        <p:spPr>
+          <a:xfrm>
+            <a:off x="8682176" y="0"/>
+            <a:ext cx="461824" cy="1041833"/>
+          </a:xfrm>
+          <a:prstGeom prst="rect">
+            <a:avLst/>
+          </a:prstGeom>
+          <a:solidFill>
+            <a:srgbClr val="5D9732">
+              <a:alpha val="50000"/>
+            </a:srgbClr>
+          </a:solidFill>
+          <a:ln>
+            <a:noFill/>
+          </a:ln>
+        </p:spPr>
+        <p:style>
+          <a:lnRef idx="2">
+            <a:schemeClr val="accent1">
+              <a:shade val="50000"/>
+            </a:schemeClr>
+          </a:lnRef>
+          <a:fillRef idx="1">
+            <a:schemeClr val="accent1"/>
+          </a:fillRef>
+          <a:effectRef idx="0">
+            <a:schemeClr val="accent1"/>
+          </a:effectRef>
+          <a:fontRef idx="minor">
+            <a:schemeClr val="lt1"/>
+          </a:fontRef>
+        </p:style>
+        <p:txBody>
+          <a:bodyPr rtlCol="0" anchor="ctr"/>
+          <a:lstStyle/>
+          <a:p>
+            <a:endParaRPr lang="en-GB" dirty="0"/>
+          </a:p>
+        </p:txBody>
+      </p:sp>
+      <p:sp>
+        <p:nvSpPr>
+          <p:cNvPr id="12" name="TextBox 11">
+            <a:extLst>
+              <a:ext uri="{FF2B5EF4-FFF2-40B4-BE49-F238E27FC236}">
+                <a16:creationId xmlns:a16="http://schemas.microsoft.com/office/drawing/2014/main" id="{1647925E-1FC6-42F7-A717-C4157600B088}"/>
+              </a:ext>
+            </a:extLst>
+          </p:cNvPr>
+          <p:cNvSpPr txBox="1"/>
+          <p:nvPr/>
+        </p:nvSpPr>
+        <p:spPr>
+          <a:xfrm>
+            <a:off x="432048" y="1484784"/>
+            <a:ext cx="6732240" cy="1938992"/>
+          </a:xfrm>
+          <a:prstGeom prst="rect">
+            <a:avLst/>
+          </a:prstGeom>
+          <a:noFill/>
+        </p:spPr>
+        <p:txBody>
+          <a:bodyPr wrap="square" rtlCol="0">
+            <a:spAutoFit/>
+          </a:bodyPr>
+          <a:lstStyle/>
+          <a:p>
+            <a:pPr marL="285750" indent="-285750">
+              <a:buClr>
+                <a:srgbClr val="5D9732"/>
+              </a:buClr>
+              <a:buFont typeface="Wingdings" panose="05000000000000000000" pitchFamily="2" charset="2"/>
+              <a:buChar char="Ø"/>
+            </a:pPr>
+            <a:r>
+              <a:rPr lang="en-GB" sz="2400" dirty="0">
+                <a:latin typeface="Alegreya Sans" panose="00000500000000000000" pitchFamily="2" charset="0"/>
+                <a:ea typeface="Malgun Gothic" panose="020B0503020000020004" pitchFamily="34" charset="-127"/>
+              </a:rPr>
+              <a:t>Hmmm</a:t>
+            </a:r>
+            <a:r>
+              <a:rPr lang="en-GB" sz="2400" dirty="0">
+                <a:solidFill>
+                  <a:srgbClr val="5D9732"/>
+                </a:solidFill>
+                <a:latin typeface="Alegreya Sans" panose="00000500000000000000" pitchFamily="2" charset="0"/>
+                <a:ea typeface="Malgun Gothic" panose="020B0503020000020004" pitchFamily="34" charset="-127"/>
+              </a:rPr>
+              <a:t>…</a:t>
+            </a:r>
+          </a:p>
+          <a:p>
+            <a:pPr marL="1200150" lvl="2" indent="-285750">
+              <a:buClr>
+                <a:srgbClr val="5D9732"/>
+              </a:buClr>
+              <a:buFont typeface="Wingdings" panose="05000000000000000000" pitchFamily="2" charset="2"/>
+              <a:buChar char="Ø"/>
+            </a:pPr>
+            <a:endParaRPr lang="en-GB" sz="2400" dirty="0">
+              <a:latin typeface="Alegreya Sans" panose="00000500000000000000" pitchFamily="2" charset="0"/>
+              <a:ea typeface="Malgun Gothic" panose="020B0503020000020004" pitchFamily="34" charset="-127"/>
+            </a:endParaRPr>
+          </a:p>
+          <a:p>
+            <a:pPr marL="1200150" lvl="2" indent="-285750">
+              <a:buClr>
+                <a:srgbClr val="5D9732"/>
+              </a:buClr>
+              <a:buFont typeface="Wingdings" panose="05000000000000000000" pitchFamily="2" charset="2"/>
+              <a:buChar char="Ø"/>
+            </a:pPr>
+            <a:endParaRPr lang="en-GB" sz="2400" dirty="0">
+              <a:latin typeface="Alegreya Sans" panose="00000500000000000000" pitchFamily="2" charset="0"/>
+              <a:ea typeface="Malgun Gothic" panose="020B0503020000020004" pitchFamily="34" charset="-127"/>
+            </a:endParaRPr>
+          </a:p>
+          <a:p>
+            <a:pPr marL="1200150" lvl="2" indent="-285750">
+              <a:buClr>
+                <a:srgbClr val="5D9732"/>
+              </a:buClr>
+              <a:buFont typeface="Wingdings" panose="05000000000000000000" pitchFamily="2" charset="2"/>
+              <a:buChar char="Ø"/>
+            </a:pPr>
+            <a:endParaRPr lang="en-GB" sz="2400" dirty="0">
+              <a:latin typeface="Alegreya Sans" panose="00000500000000000000" pitchFamily="2" charset="0"/>
+              <a:ea typeface="Malgun Gothic" panose="020B0503020000020004" pitchFamily="34" charset="-127"/>
+            </a:endParaRPr>
+          </a:p>
+          <a:p>
+            <a:pPr marL="1200150" lvl="2" indent="-285750">
+              <a:buClr>
+                <a:srgbClr val="5D9732"/>
+              </a:buClr>
+              <a:buFont typeface="Wingdings" panose="05000000000000000000" pitchFamily="2" charset="2"/>
+              <a:buChar char="Ø"/>
+            </a:pPr>
+            <a:endParaRPr lang="en-GB" sz="2400" dirty="0">
+              <a:latin typeface="Alegreya Sans" panose="00000500000000000000" pitchFamily="2" charset="0"/>
+              <a:ea typeface="Malgun Gothic" panose="020B0503020000020004" pitchFamily="34" charset="-127"/>
+            </a:endParaRPr>
+          </a:p>
+        </p:txBody>
+      </p:sp>
+      <p:sp>
+        <p:nvSpPr>
+          <p:cNvPr id="8" name="Subtitle 2">
+            <a:extLst>
+              <a:ext uri="{FF2B5EF4-FFF2-40B4-BE49-F238E27FC236}">
+                <a16:creationId xmlns:a16="http://schemas.microsoft.com/office/drawing/2014/main" id="{E51E2B93-3696-471D-94EB-612CA436A13C}"/>
+              </a:ext>
+            </a:extLst>
+          </p:cNvPr>
+          <p:cNvSpPr>
+            <a:spLocks noGrp="1"/>
+          </p:cNvSpPr>
+          <p:nvPr>
+            <p:ph type="subTitle" idx="1"/>
+          </p:nvPr>
+        </p:nvSpPr>
+        <p:spPr>
+          <a:xfrm>
+            <a:off x="1096731" y="6326231"/>
+            <a:ext cx="6950537" cy="531769"/>
+          </a:xfrm>
+        </p:spPr>
+        <p:txBody>
+          <a:bodyPr tIns="90000" anchor="ctr" anchorCtr="0">
+            <a:normAutofit fontScale="85000" lnSpcReduction="10000"/>
+          </a:bodyPr>
+          <a:lstStyle/>
+          <a:p>
+            <a:pPr algn="ctr"/>
+            <a:r>
+              <a:rPr lang="en-GB" sz="2000" dirty="0">
+                <a:solidFill>
+                  <a:schemeClr val="bg1"/>
+                </a:solidFill>
+                <a:latin typeface="Alegreya Sans" panose="00000500000000000000" pitchFamily="2" charset="0"/>
+              </a:rPr>
+              <a:t>MITIGATING JOULE EXPANSION IN MULTICELL ATOMIC QUANTUM MEMORY</a:t>
+            </a:r>
+          </a:p>
+        </p:txBody>
+      </p:sp>
+    </p:spTree>
+    <p:extLst>
+      <p:ext uri="{BB962C8B-B14F-4D97-AF65-F5344CB8AC3E}">
+        <p14:creationId xmlns:p14="http://schemas.microsoft.com/office/powerpoint/2010/main" val="1314907452"/>
+      </p:ext>
+    </p:extLst>
+  </p:cSld>
+  <p:clrMapOvr>
+    <a:masterClrMapping/>
+  </p:clrMapOvr>
+  <mc:AlternateContent xmlns:mc="http://schemas.openxmlformats.org/markup-compatibility/2006">
+    <mc:Choice xmlns:p14="http://schemas.microsoft.com/office/powerpoint/2010/main" Requires="p14">
+      <p:transition p14:dur="10"/>
+    </mc:Choice>
+    <mc:Fallback>
+      <p:transition/>
+    </mc:Fallback>
+  </mc:AlternateContent>
+  <p:timing>
+    <p:tnLst>
+      <p:par>
+        <p:cTn id="1" dur="indefinite" restart="never" nodeType="tmRoot">
+          <p:childTnLst>
+            <p:seq concurrent="1" nextAc="seek">
+              <p:cTn id="2" dur="indefinite" nodeType="mainSeq">
+                <p:childTnLst>
+                  <p:par>
+                    <p:cTn id="3" fill="hold">
+                      <p:stCondLst>
+                        <p:cond delay="indefinite"/>
+                      </p:stCondLst>
+                      <p:childTnLst>
+                        <p:par>
+                          <p:cTn id="4" fill="hold">
+                            <p:stCondLst>
+                              <p:cond delay="0"/>
+                            </p:stCondLst>
+                            <p:childTnLst>
+                              <p:par>
+                                <p:cTn id="5" presetID="1" presetClass="entr" presetSubtype="0" fill="hold" nodeType="clickEffect">
+                                  <p:stCondLst>
+                                    <p:cond delay="0"/>
+                                  </p:stCondLst>
+                                  <p:childTnLst>
+                                    <p:set>
+                                      <p:cBhvr>
+                                        <p:cTn id="6" dur="1" fill="hold">
+                                          <p:stCondLst>
+                                            <p:cond delay="0"/>
+                                          </p:stCondLst>
+                                        </p:cTn>
+                                        <p:tgtEl>
+                                          <p:spTgt spid="12">
+                                            <p:txEl>
+                                              <p:pRg st="0" end="0"/>
+                                            </p:txEl>
+                                          </p:spTgt>
+                                        </p:tgtEl>
+                                        <p:attrNameLst>
+                                          <p:attrName>style.visibility</p:attrName>
+                                        </p:attrNameLst>
+                                      </p:cBhvr>
+                                      <p:to>
+                                        <p:strVal val="visible"/>
+                                      </p:to>
+                                    </p:set>
+                                  </p:childTnLst>
+                                </p:cTn>
+                              </p:par>
+                            </p:childTnLst>
+                          </p:cTn>
+                        </p:par>
+                      </p:childTnLst>
+                    </p:cTn>
+                  </p:par>
+                </p:childTnLst>
+              </p:cTn>
+              <p:prevCondLst>
+                <p:cond evt="onPrev" delay="0">
+                  <p:tgtEl>
+                    <p:sldTgt/>
+                  </p:tgtEl>
+                </p:cond>
+              </p:prevCondLst>
+              <p:nextCondLst>
+                <p:cond evt="onNext" delay="0">
+                  <p:tgtEl>
+                    <p:sldTgt/>
+                  </p:tgtEl>
+                </p:cond>
+              </p:nextCondLst>
+            </p:seq>
+          </p:childTnLst>
+        </p:cTn>
+      </p:par>
+    </p:tnLst>
+  </p:timing>
+</p:sld>
+</file>
+
+<file path=ppt/slides/slide8.xml><?xml version="1.0" encoding="utf-8"?>
+<p:sld xmlns:a="http://schemas.openxmlformats.org/drawingml/2006/main" xmlns:r="http://schemas.openxmlformats.org/officeDocument/2006/relationships" xmlns:p="http://schemas.openxmlformats.org/presentationml/2006/main">
+  <p:cSld>
+    <p:spTree>
+      <p:nvGrpSpPr>
+        <p:cNvPr id="1" name=""/>
+        <p:cNvGrpSpPr/>
+        <p:nvPr/>
+      </p:nvGrpSpPr>
+      <p:grpSpPr>
+        <a:xfrm>
+          <a:off x="0" y="0"/>
+          <a:ext cx="0" cy="0"/>
+          <a:chOff x="0" y="0"/>
+          <a:chExt cx="0" cy="0"/>
+        </a:xfrm>
+      </p:grpSpPr>
+      <p:sp>
+        <p:nvSpPr>
+          <p:cNvPr id="10" name="Rectangle 9">
+            <a:extLst>
+              <a:ext uri="{FF2B5EF4-FFF2-40B4-BE49-F238E27FC236}">
+                <a16:creationId xmlns:a16="http://schemas.microsoft.com/office/drawing/2014/main" id="{FB81B96C-2B02-476F-A472-51925FF800F5}"/>
+              </a:ext>
+            </a:extLst>
+          </p:cNvPr>
+          <p:cNvSpPr/>
+          <p:nvPr/>
+        </p:nvSpPr>
+        <p:spPr>
+          <a:xfrm>
+            <a:off x="0" y="6326231"/>
+            <a:ext cx="9144000" cy="531769"/>
+          </a:xfrm>
+          <a:prstGeom prst="rect">
+            <a:avLst/>
+          </a:prstGeom>
+          <a:solidFill>
+            <a:srgbClr val="5D9732"/>
+          </a:solidFill>
+          <a:ln>
+            <a:noFill/>
+          </a:ln>
+        </p:spPr>
+        <p:style>
+          <a:lnRef idx="2">
+            <a:schemeClr val="accent1">
+              <a:shade val="50000"/>
+            </a:schemeClr>
+          </a:lnRef>
+          <a:fillRef idx="1">
+            <a:schemeClr val="accent1"/>
+          </a:fillRef>
+          <a:effectRef idx="0">
+            <a:schemeClr val="accent1"/>
+          </a:effectRef>
+          <a:fontRef idx="minor">
+            <a:schemeClr val="lt1"/>
+          </a:fontRef>
+        </p:style>
+        <p:txBody>
+          <a:bodyPr rtlCol="0" anchor="ctr"/>
+          <a:lstStyle/>
+          <a:p>
+            <a:pPr algn="ctr"/>
+            <a:endParaRPr lang="en-GB"/>
+          </a:p>
+        </p:txBody>
+      </p:sp>
+      <p:sp>
+        <p:nvSpPr>
+          <p:cNvPr id="9" name="Rectangle 8">
+            <a:extLst>
+              <a:ext uri="{FF2B5EF4-FFF2-40B4-BE49-F238E27FC236}">
+                <a16:creationId xmlns:a16="http://schemas.microsoft.com/office/drawing/2014/main" id="{DFC374E1-6D4E-4F6C-8705-D42E43DBC7CA}"/>
+              </a:ext>
+            </a:extLst>
+          </p:cNvPr>
+          <p:cNvSpPr/>
+          <p:nvPr/>
+        </p:nvSpPr>
+        <p:spPr>
+          <a:xfrm>
+            <a:off x="0" y="0"/>
+            <a:ext cx="7615988" cy="1041833"/>
+          </a:xfrm>
+          <a:prstGeom prst="rect">
+            <a:avLst/>
+          </a:prstGeom>
+          <a:solidFill>
+            <a:srgbClr val="5D9732">
+              <a:alpha val="50000"/>
+            </a:srgbClr>
+          </a:solidFill>
+          <a:ln>
+            <a:noFill/>
+          </a:ln>
+        </p:spPr>
+        <p:style>
+          <a:lnRef idx="2">
+            <a:schemeClr val="accent1">
+              <a:shade val="50000"/>
+            </a:schemeClr>
+          </a:lnRef>
+          <a:fillRef idx="1">
+            <a:schemeClr val="accent1"/>
+          </a:fillRef>
+          <a:effectRef idx="0">
+            <a:schemeClr val="accent1"/>
+          </a:effectRef>
+          <a:fontRef idx="minor">
+            <a:schemeClr val="lt1"/>
+          </a:fontRef>
+        </p:style>
+        <p:txBody>
+          <a:bodyPr rtlCol="0" anchor="ctr"/>
+          <a:lstStyle/>
+          <a:p>
+            <a:endParaRPr lang="en-GB" dirty="0"/>
+          </a:p>
+        </p:txBody>
+      </p:sp>
+      <p:sp>
+        <p:nvSpPr>
+          <p:cNvPr id="2" name="Title 1"/>
+          <p:cNvSpPr>
+            <a:spLocks noGrp="1"/>
+          </p:cNvSpPr>
+          <p:nvPr>
+            <p:ph type="ctrTitle"/>
+          </p:nvPr>
+        </p:nvSpPr>
+        <p:spPr>
+          <a:xfrm>
+            <a:off x="0" y="27512"/>
+            <a:ext cx="7615988" cy="1014321"/>
+          </a:xfrm>
+        </p:spPr>
+        <p:txBody>
+          <a:bodyPr anchor="ctr"/>
+          <a:lstStyle/>
+          <a:p>
+            <a:pPr algn="ctr"/>
+            <a:r>
+              <a:rPr lang="en-GB" sz="2800" b="1" dirty="0">
+                <a:latin typeface="Alegreya Sans" panose="00000500000000000000" pitchFamily="2" charset="0"/>
+                <a:ea typeface="Malgun Gothic" panose="020B0503020000020004" pitchFamily="34" charset="-127"/>
+              </a:rPr>
+              <a:t>Team with Expertise</a:t>
+            </a:r>
+          </a:p>
+        </p:txBody>
+      </p:sp>
+      <p:sp>
+        <p:nvSpPr>
+          <p:cNvPr id="18" name="Rectangle 17">
+            <a:extLst>
+              <a:ext uri="{FF2B5EF4-FFF2-40B4-BE49-F238E27FC236}">
+                <a16:creationId xmlns:a16="http://schemas.microsoft.com/office/drawing/2014/main" id="{0D832764-832B-42B4-8FEF-8544C93A11C4}"/>
+              </a:ext>
+            </a:extLst>
+          </p:cNvPr>
+          <p:cNvSpPr/>
+          <p:nvPr/>
+        </p:nvSpPr>
+        <p:spPr>
+          <a:xfrm>
+            <a:off x="8682176" y="0"/>
+            <a:ext cx="461824" cy="1041833"/>
+          </a:xfrm>
+          <a:prstGeom prst="rect">
+            <a:avLst/>
+          </a:prstGeom>
+          <a:solidFill>
+            <a:srgbClr val="5D9732">
+              <a:alpha val="50000"/>
+            </a:srgbClr>
+          </a:solidFill>
+          <a:ln>
+            <a:noFill/>
+          </a:ln>
+        </p:spPr>
+        <p:style>
+          <a:lnRef idx="2">
+            <a:schemeClr val="accent1">
+              <a:shade val="50000"/>
+            </a:schemeClr>
+          </a:lnRef>
+          <a:fillRef idx="1">
+            <a:schemeClr val="accent1"/>
+          </a:fillRef>
+          <a:effectRef idx="0">
+            <a:schemeClr val="accent1"/>
+          </a:effectRef>
+          <a:fontRef idx="minor">
+            <a:schemeClr val="lt1"/>
+          </a:fontRef>
+        </p:style>
+        <p:txBody>
+          <a:bodyPr rtlCol="0" anchor="ctr"/>
+          <a:lstStyle/>
+          <a:p>
+            <a:endParaRPr lang="en-GB" dirty="0"/>
+          </a:p>
+        </p:txBody>
+      </p:sp>
+      <p:sp>
+        <p:nvSpPr>
+          <p:cNvPr id="12" name="TextBox 11">
+            <a:extLst>
+              <a:ext uri="{FF2B5EF4-FFF2-40B4-BE49-F238E27FC236}">
+                <a16:creationId xmlns:a16="http://schemas.microsoft.com/office/drawing/2014/main" id="{1647925E-1FC6-42F7-A717-C4157600B088}"/>
+              </a:ext>
+            </a:extLst>
+          </p:cNvPr>
+          <p:cNvSpPr txBox="1"/>
+          <p:nvPr/>
+        </p:nvSpPr>
+        <p:spPr>
+          <a:xfrm>
+            <a:off x="432048" y="1484784"/>
+            <a:ext cx="6732240" cy="1938992"/>
+          </a:xfrm>
+          <a:prstGeom prst="rect">
+            <a:avLst/>
+          </a:prstGeom>
+          <a:noFill/>
+        </p:spPr>
+        <p:txBody>
+          <a:bodyPr wrap="square" rtlCol="0">
+            <a:spAutoFit/>
+          </a:bodyPr>
+          <a:lstStyle/>
+          <a:p>
+            <a:pPr marL="285750" indent="-285750">
+              <a:buClr>
+                <a:srgbClr val="5D9732"/>
+              </a:buClr>
+              <a:buFont typeface="Wingdings" panose="05000000000000000000" pitchFamily="2" charset="2"/>
+              <a:buChar char="Ø"/>
+            </a:pPr>
+            <a:r>
+              <a:rPr lang="en-GB" sz="2400" dirty="0">
+                <a:latin typeface="Alegreya Sans" panose="00000500000000000000" pitchFamily="2" charset="0"/>
+                <a:ea typeface="Malgun Gothic" panose="020B0503020000020004" pitchFamily="34" charset="-127"/>
+              </a:rPr>
+              <a:t>Pure Wizards</a:t>
+            </a:r>
+            <a:r>
+              <a:rPr lang="en-GB" sz="2400" dirty="0">
+                <a:solidFill>
+                  <a:srgbClr val="5D9732"/>
+                </a:solidFill>
+                <a:latin typeface="Alegreya Sans" panose="00000500000000000000" pitchFamily="2" charset="0"/>
+                <a:ea typeface="Malgun Gothic" panose="020B0503020000020004" pitchFamily="34" charset="-127"/>
+              </a:rPr>
+              <a:t>…</a:t>
+            </a:r>
+          </a:p>
+          <a:p>
+            <a:pPr marL="1200150" lvl="2" indent="-285750">
+              <a:buClr>
+                <a:srgbClr val="5D9732"/>
+              </a:buClr>
+              <a:buFont typeface="Wingdings" panose="05000000000000000000" pitchFamily="2" charset="2"/>
+              <a:buChar char="Ø"/>
+            </a:pPr>
+            <a:endParaRPr lang="en-GB" sz="2400" dirty="0">
+              <a:latin typeface="Alegreya Sans" panose="00000500000000000000" pitchFamily="2" charset="0"/>
+              <a:ea typeface="Malgun Gothic" panose="020B0503020000020004" pitchFamily="34" charset="-127"/>
+            </a:endParaRPr>
+          </a:p>
+          <a:p>
+            <a:pPr marL="1200150" lvl="2" indent="-285750">
+              <a:buClr>
+                <a:srgbClr val="5D9732"/>
+              </a:buClr>
+              <a:buFont typeface="Wingdings" panose="05000000000000000000" pitchFamily="2" charset="2"/>
+              <a:buChar char="Ø"/>
+            </a:pPr>
+            <a:endParaRPr lang="en-GB" sz="2400" dirty="0">
+              <a:latin typeface="Alegreya Sans" panose="00000500000000000000" pitchFamily="2" charset="0"/>
+              <a:ea typeface="Malgun Gothic" panose="020B0503020000020004" pitchFamily="34" charset="-127"/>
+            </a:endParaRPr>
+          </a:p>
+          <a:p>
+            <a:pPr marL="1200150" lvl="2" indent="-285750">
+              <a:buClr>
+                <a:srgbClr val="5D9732"/>
+              </a:buClr>
+              <a:buFont typeface="Wingdings" panose="05000000000000000000" pitchFamily="2" charset="2"/>
+              <a:buChar char="Ø"/>
+            </a:pPr>
+            <a:endParaRPr lang="en-GB" sz="2400" dirty="0">
+              <a:latin typeface="Alegreya Sans" panose="00000500000000000000" pitchFamily="2" charset="0"/>
+              <a:ea typeface="Malgun Gothic" panose="020B0503020000020004" pitchFamily="34" charset="-127"/>
+            </a:endParaRPr>
+          </a:p>
+          <a:p>
+            <a:pPr marL="1200150" lvl="2" indent="-285750">
+              <a:buClr>
+                <a:srgbClr val="5D9732"/>
+              </a:buClr>
+              <a:buFont typeface="Wingdings" panose="05000000000000000000" pitchFamily="2" charset="2"/>
+              <a:buChar char="Ø"/>
+            </a:pPr>
+            <a:endParaRPr lang="en-GB" sz="2400" dirty="0">
+              <a:latin typeface="Alegreya Sans" panose="00000500000000000000" pitchFamily="2" charset="0"/>
+              <a:ea typeface="Malgun Gothic" panose="020B0503020000020004" pitchFamily="34" charset="-127"/>
+            </a:endParaRPr>
+          </a:p>
+        </p:txBody>
+      </p:sp>
+      <p:sp>
+        <p:nvSpPr>
+          <p:cNvPr id="8" name="Subtitle 2">
+            <a:extLst>
+              <a:ext uri="{FF2B5EF4-FFF2-40B4-BE49-F238E27FC236}">
+                <a16:creationId xmlns:a16="http://schemas.microsoft.com/office/drawing/2014/main" id="{E51E2B93-3696-471D-94EB-612CA436A13C}"/>
+              </a:ext>
+            </a:extLst>
+          </p:cNvPr>
+          <p:cNvSpPr>
+            <a:spLocks noGrp="1"/>
+          </p:cNvSpPr>
+          <p:nvPr>
+            <p:ph type="subTitle" idx="1"/>
+          </p:nvPr>
+        </p:nvSpPr>
+        <p:spPr>
+          <a:xfrm>
+            <a:off x="1096731" y="6326231"/>
+            <a:ext cx="6950537" cy="531769"/>
+          </a:xfrm>
+        </p:spPr>
+        <p:txBody>
+          <a:bodyPr tIns="90000" anchor="ctr" anchorCtr="0">
+            <a:normAutofit fontScale="85000" lnSpcReduction="10000"/>
+          </a:bodyPr>
+          <a:lstStyle/>
+          <a:p>
+            <a:pPr algn="ctr"/>
+            <a:r>
+              <a:rPr lang="en-GB" sz="2000" dirty="0">
+                <a:solidFill>
+                  <a:schemeClr val="bg1"/>
+                </a:solidFill>
+                <a:latin typeface="Alegreya Sans" panose="00000500000000000000" pitchFamily="2" charset="0"/>
+              </a:rPr>
+              <a:t>MITIGATING JOULE EXPANSION IN MULTICELL ATOMIC QUANTUM MEMORY</a:t>
+            </a:r>
+          </a:p>
+        </p:txBody>
+      </p:sp>
+    </p:spTree>
+    <p:extLst>
+      <p:ext uri="{BB962C8B-B14F-4D97-AF65-F5344CB8AC3E}">
+        <p14:creationId xmlns:p14="http://schemas.microsoft.com/office/powerpoint/2010/main" val="1208263100"/>
+      </p:ext>
+    </p:extLst>
+  </p:cSld>
+  <p:clrMapOvr>
+    <a:masterClrMapping/>
+  </p:clrMapOvr>
+  <mc:AlternateContent xmlns:mc="http://schemas.openxmlformats.org/markup-compatibility/2006">
+    <mc:Choice xmlns:p14="http://schemas.microsoft.com/office/powerpoint/2010/main" Requires="p14">
+      <p:transition p14:dur="10"/>
+    </mc:Choice>
+    <mc:Fallback>
+      <p:transition/>
+    </mc:Fallback>
+  </mc:AlternateContent>
+  <p:timing>
+    <p:tnLst>
+      <p:par>
+        <p:cTn id="1" dur="indefinite" restart="never" nodeType="tmRoot">
+          <p:childTnLst>
+            <p:seq concurrent="1" nextAc="seek">
+              <p:cTn id="2" dur="indefinite" nodeType="mainSeq">
+                <p:childTnLst>
+                  <p:par>
+                    <p:cTn id="3" fill="hold">
+                      <p:stCondLst>
+                        <p:cond delay="indefinite"/>
+                      </p:stCondLst>
+                      <p:childTnLst>
+                        <p:par>
+                          <p:cTn id="4" fill="hold">
+                            <p:stCondLst>
+                              <p:cond delay="0"/>
+                            </p:stCondLst>
+                            <p:childTnLst>
+                              <p:par>
+                                <p:cTn id="5" presetID="1" presetClass="entr" presetSubtype="0" fill="hold" nodeType="clickEffect">
+                                  <p:stCondLst>
+                                    <p:cond delay="0"/>
+                                  </p:stCondLst>
+                                  <p:childTnLst>
+                                    <p:set>
+                                      <p:cBhvr>
+                                        <p:cTn id="6" dur="1" fill="hold">
+                                          <p:stCondLst>
+                                            <p:cond delay="0"/>
+                                          </p:stCondLst>
+                                        </p:cTn>
+                                        <p:tgtEl>
+                                          <p:spTgt spid="12">
+                                            <p:txEl>
+                                              <p:pRg st="0" end="0"/>
+                                            </p:txEl>
+                                          </p:spTgt>
+                                        </p:tgtEl>
+                                        <p:attrNameLst>
+                                          <p:attrName>style.visibility</p:attrName>
+                                        </p:attrNameLst>
+                                      </p:cBhvr>
+                                      <p:to>
+                                        <p:strVal val="visible"/>
+                                      </p:to>
+                                    </p:set>
+                                  </p:childTnLst>
+                                </p:cTn>
+                              </p:par>
+                            </p:childTnLst>
+                          </p:cTn>
+                        </p:par>
+                      </p:childTnLst>
+                    </p:cTn>
+                  </p:par>
+                </p:childTnLst>
+              </p:cTn>
+              <p:prevCondLst>
+                <p:cond evt="onPrev" delay="0">
+                  <p:tgtEl>
+                    <p:sldTgt/>
+                  </p:tgtEl>
+                </p:cond>
+              </p:prevCondLst>
+              <p:nextCondLst>
+                <p:cond evt="onNext" delay="0">
+                  <p:tgtEl>
+                    <p:sldTgt/>
+                  </p:tgtEl>
+                </p:cond>
+              </p:nextCondLst>
+            </p:seq>
+          </p:childTnLst>
+        </p:cTn>
+      </p:par>
+    </p:tnLst>
+  </p:timing>
+</p:sld>
+</file>
+
+<file path=ppt/slides/slide9.xml><?xml version="1.0" encoding="utf-8"?>
+<p:sld xmlns:a="http://schemas.openxmlformats.org/drawingml/2006/main" xmlns:r="http://schemas.openxmlformats.org/officeDocument/2006/relationships" xmlns:p="http://schemas.openxmlformats.org/presentationml/2006/main">
+  <p:cSld>
+    <p:spTree>
+      <p:nvGrpSpPr>
+        <p:cNvPr id="1" name=""/>
+        <p:cNvGrpSpPr/>
+        <p:nvPr/>
+      </p:nvGrpSpPr>
+      <p:grpSpPr>
+        <a:xfrm>
+          <a:off x="0" y="0"/>
+          <a:ext cx="0" cy="0"/>
+          <a:chOff x="0" y="0"/>
+          <a:chExt cx="0" cy="0"/>
+        </a:xfrm>
+      </p:grpSpPr>
+      <p:sp>
+        <p:nvSpPr>
+          <p:cNvPr id="10" name="Rectangle 9">
+            <a:extLst>
+              <a:ext uri="{FF2B5EF4-FFF2-40B4-BE49-F238E27FC236}">
+                <a16:creationId xmlns:a16="http://schemas.microsoft.com/office/drawing/2014/main" id="{FB81B96C-2B02-476F-A472-51925FF800F5}"/>
+              </a:ext>
+            </a:extLst>
+          </p:cNvPr>
+          <p:cNvSpPr/>
+          <p:nvPr/>
+        </p:nvSpPr>
+        <p:spPr>
+          <a:xfrm>
+            <a:off x="0" y="6326231"/>
+            <a:ext cx="9144000" cy="531769"/>
+          </a:xfrm>
+          <a:prstGeom prst="rect">
+            <a:avLst/>
+          </a:prstGeom>
+          <a:solidFill>
+            <a:srgbClr val="5D9732"/>
+          </a:solidFill>
+          <a:ln>
+            <a:noFill/>
+          </a:ln>
+        </p:spPr>
+        <p:style>
+          <a:lnRef idx="2">
+            <a:schemeClr val="accent1">
+              <a:shade val="50000"/>
+            </a:schemeClr>
+          </a:lnRef>
+          <a:fillRef idx="1">
+            <a:schemeClr val="accent1"/>
+          </a:fillRef>
+          <a:effectRef idx="0">
+            <a:schemeClr val="accent1"/>
+          </a:effectRef>
+          <a:fontRef idx="minor">
+            <a:schemeClr val="lt1"/>
+          </a:fontRef>
+        </p:style>
+        <p:txBody>
+          <a:bodyPr rtlCol="0" anchor="ctr"/>
+          <a:lstStyle/>
+          <a:p>
+            <a:pPr algn="ctr"/>
+            <a:endParaRPr lang="en-GB"/>
+          </a:p>
+        </p:txBody>
+      </p:sp>
+      <p:sp>
+        <p:nvSpPr>
+          <p:cNvPr id="9" name="Rectangle 8">
+            <a:extLst>
+              <a:ext uri="{FF2B5EF4-FFF2-40B4-BE49-F238E27FC236}">
+                <a16:creationId xmlns:a16="http://schemas.microsoft.com/office/drawing/2014/main" id="{DFC374E1-6D4E-4F6C-8705-D42E43DBC7CA}"/>
+              </a:ext>
+            </a:extLst>
+          </p:cNvPr>
+          <p:cNvSpPr/>
+          <p:nvPr/>
+        </p:nvSpPr>
+        <p:spPr>
+          <a:xfrm>
+            <a:off x="0" y="0"/>
+            <a:ext cx="7615988" cy="1041833"/>
+          </a:xfrm>
+          <a:prstGeom prst="rect">
+            <a:avLst/>
+          </a:prstGeom>
+          <a:solidFill>
+            <a:srgbClr val="5D9732">
+              <a:alpha val="50000"/>
+            </a:srgbClr>
+          </a:solidFill>
+          <a:ln>
+            <a:noFill/>
+          </a:ln>
+        </p:spPr>
+        <p:style>
+          <a:lnRef idx="2">
+            <a:schemeClr val="accent1">
+              <a:shade val="50000"/>
+            </a:schemeClr>
+          </a:lnRef>
+          <a:fillRef idx="1">
+            <a:schemeClr val="accent1"/>
+          </a:fillRef>
+          <a:effectRef idx="0">
+            <a:schemeClr val="accent1"/>
+          </a:effectRef>
+          <a:fontRef idx="minor">
+            <a:schemeClr val="lt1"/>
+          </a:fontRef>
+        </p:style>
+        <p:txBody>
+          <a:bodyPr rtlCol="0" anchor="ctr"/>
+          <a:lstStyle/>
+          <a:p>
+            <a:endParaRPr lang="en-GB" dirty="0"/>
+          </a:p>
+        </p:txBody>
+      </p:sp>
+      <p:sp>
+        <p:nvSpPr>
+          <p:cNvPr id="2" name="Title 1"/>
+          <p:cNvSpPr>
+            <a:spLocks noGrp="1"/>
+          </p:cNvSpPr>
+          <p:nvPr>
+            <p:ph type="ctrTitle"/>
+          </p:nvPr>
+        </p:nvSpPr>
+        <p:spPr>
+          <a:xfrm>
+            <a:off x="0" y="27512"/>
+            <a:ext cx="7615988" cy="1014321"/>
+          </a:xfrm>
+        </p:spPr>
+        <p:txBody>
+          <a:bodyPr anchor="ctr"/>
+          <a:lstStyle/>
+          <a:p>
+            <a:pPr algn="ctr"/>
+            <a:r>
+              <a:rPr lang="en-GB" sz="2800" b="1" dirty="0">
+                <a:latin typeface="Alegreya Sans" panose="00000500000000000000" pitchFamily="2" charset="0"/>
+                <a:ea typeface="Malgun Gothic" panose="020B0503020000020004" pitchFamily="34" charset="-127"/>
+              </a:rPr>
+              <a:t>Timeline</a:t>
+            </a:r>
+          </a:p>
+        </p:txBody>
+      </p:sp>
+      <p:sp>
+        <p:nvSpPr>
+          <p:cNvPr id="18" name="Rectangle 17">
+            <a:extLst>
+              <a:ext uri="{FF2B5EF4-FFF2-40B4-BE49-F238E27FC236}">
+                <a16:creationId xmlns:a16="http://schemas.microsoft.com/office/drawing/2014/main" id="{0D832764-832B-42B4-8FEF-8544C93A11C4}"/>
+              </a:ext>
+            </a:extLst>
+          </p:cNvPr>
+          <p:cNvSpPr/>
+          <p:nvPr/>
+        </p:nvSpPr>
+        <p:spPr>
+          <a:xfrm>
+            <a:off x="8682176" y="0"/>
+            <a:ext cx="461824" cy="1041833"/>
+          </a:xfrm>
+          <a:prstGeom prst="rect">
+            <a:avLst/>
+          </a:prstGeom>
+          <a:solidFill>
+            <a:srgbClr val="5D9732">
+              <a:alpha val="50000"/>
+            </a:srgbClr>
+          </a:solidFill>
+          <a:ln>
+            <a:noFill/>
+          </a:ln>
+        </p:spPr>
+        <p:style>
+          <a:lnRef idx="2">
+            <a:schemeClr val="accent1">
+              <a:shade val="50000"/>
+            </a:schemeClr>
+          </a:lnRef>
+          <a:fillRef idx="1">
+            <a:schemeClr val="accent1"/>
+          </a:fillRef>
+          <a:effectRef idx="0">
+            <a:schemeClr val="accent1"/>
+          </a:effectRef>
+          <a:fontRef idx="minor">
+            <a:schemeClr val="lt1"/>
+          </a:fontRef>
+        </p:style>
+        <p:txBody>
+          <a:bodyPr rtlCol="0" anchor="ctr"/>
+          <a:lstStyle/>
+          <a:p>
+            <a:endParaRPr lang="en-GB" dirty="0"/>
+          </a:p>
+        </p:txBody>
+      </p:sp>
+      <p:sp>
+        <p:nvSpPr>
+          <p:cNvPr id="12" name="TextBox 11">
+            <a:extLst>
+              <a:ext uri="{FF2B5EF4-FFF2-40B4-BE49-F238E27FC236}">
+                <a16:creationId xmlns:a16="http://schemas.microsoft.com/office/drawing/2014/main" id="{1647925E-1FC6-42F7-A717-C4157600B088}"/>
+              </a:ext>
+            </a:extLst>
+          </p:cNvPr>
+          <p:cNvSpPr txBox="1"/>
+          <p:nvPr/>
+        </p:nvSpPr>
+        <p:spPr>
+          <a:xfrm>
+            <a:off x="432048" y="1484784"/>
+            <a:ext cx="6732240" cy="2308324"/>
+          </a:xfrm>
+          <a:prstGeom prst="rect">
+            <a:avLst/>
+          </a:prstGeom>
+          <a:noFill/>
+        </p:spPr>
+        <p:txBody>
+          <a:bodyPr wrap="square" rtlCol="0">
+            <a:spAutoFit/>
+          </a:bodyPr>
+          <a:lstStyle/>
+          <a:p>
+            <a:pPr marL="285750" indent="-285750">
+              <a:buClr>
+                <a:srgbClr val="5D9732"/>
+              </a:buClr>
+              <a:buFont typeface="Wingdings" panose="05000000000000000000" pitchFamily="2" charset="2"/>
+              <a:buChar char="Ø"/>
+            </a:pPr>
+            <a:r>
+              <a:rPr lang="en-GB" sz="2400" dirty="0" err="1">
+                <a:latin typeface="Alegreya Sans" panose="00000500000000000000" pitchFamily="2" charset="0"/>
+                <a:ea typeface="Malgun Gothic" panose="020B0503020000020004" pitchFamily="34" charset="-127"/>
+              </a:rPr>
+              <a:t>Gnatt</a:t>
+            </a:r>
+            <a:r>
+              <a:rPr lang="en-GB" sz="2400" dirty="0">
+                <a:latin typeface="Alegreya Sans" panose="00000500000000000000" pitchFamily="2" charset="0"/>
+                <a:ea typeface="Malgun Gothic" panose="020B0503020000020004" pitchFamily="34" charset="-127"/>
+              </a:rPr>
+              <a:t> chart seems to be what Bernhard is after (3yrs)</a:t>
+            </a:r>
+            <a:r>
+              <a:rPr lang="en-GB" sz="2400" dirty="0">
+                <a:solidFill>
+                  <a:srgbClr val="5D9732"/>
+                </a:solidFill>
+                <a:latin typeface="Alegreya Sans" panose="00000500000000000000" pitchFamily="2" charset="0"/>
+                <a:ea typeface="Malgun Gothic" panose="020B0503020000020004" pitchFamily="34" charset="-127"/>
+              </a:rPr>
+              <a:t>…</a:t>
+            </a:r>
+          </a:p>
+          <a:p>
+            <a:pPr marL="1200150" lvl="2" indent="-285750">
+              <a:buClr>
+                <a:srgbClr val="5D9732"/>
+              </a:buClr>
+              <a:buFont typeface="Wingdings" panose="05000000000000000000" pitchFamily="2" charset="2"/>
+              <a:buChar char="Ø"/>
+            </a:pPr>
+            <a:endParaRPr lang="en-GB" sz="2400" dirty="0">
+              <a:latin typeface="Alegreya Sans" panose="00000500000000000000" pitchFamily="2" charset="0"/>
+              <a:ea typeface="Malgun Gothic" panose="020B0503020000020004" pitchFamily="34" charset="-127"/>
+            </a:endParaRPr>
+          </a:p>
+          <a:p>
+            <a:pPr marL="1200150" lvl="2" indent="-285750">
+              <a:buClr>
+                <a:srgbClr val="5D9732"/>
+              </a:buClr>
+              <a:buFont typeface="Wingdings" panose="05000000000000000000" pitchFamily="2" charset="2"/>
+              <a:buChar char="Ø"/>
+            </a:pPr>
+            <a:endParaRPr lang="en-GB" sz="2400" dirty="0">
+              <a:latin typeface="Alegreya Sans" panose="00000500000000000000" pitchFamily="2" charset="0"/>
+              <a:ea typeface="Malgun Gothic" panose="020B0503020000020004" pitchFamily="34" charset="-127"/>
+            </a:endParaRPr>
+          </a:p>
+          <a:p>
+            <a:pPr marL="1200150" lvl="2" indent="-285750">
+              <a:buClr>
+                <a:srgbClr val="5D9732"/>
+              </a:buClr>
+              <a:buFont typeface="Wingdings" panose="05000000000000000000" pitchFamily="2" charset="2"/>
+              <a:buChar char="Ø"/>
+            </a:pPr>
+            <a:endParaRPr lang="en-GB" sz="2400" dirty="0">
+              <a:latin typeface="Alegreya Sans" panose="00000500000000000000" pitchFamily="2" charset="0"/>
+              <a:ea typeface="Malgun Gothic" panose="020B0503020000020004" pitchFamily="34" charset="-127"/>
+            </a:endParaRPr>
+          </a:p>
+          <a:p>
+            <a:pPr marL="1200150" lvl="2" indent="-285750">
+              <a:buClr>
+                <a:srgbClr val="5D9732"/>
+              </a:buClr>
+              <a:buFont typeface="Wingdings" panose="05000000000000000000" pitchFamily="2" charset="2"/>
+              <a:buChar char="Ø"/>
+            </a:pPr>
+            <a:endParaRPr lang="en-GB" sz="2400" dirty="0">
+              <a:latin typeface="Alegreya Sans" panose="00000500000000000000" pitchFamily="2" charset="0"/>
+              <a:ea typeface="Malgun Gothic" panose="020B0503020000020004" pitchFamily="34" charset="-127"/>
+            </a:endParaRPr>
+          </a:p>
+        </p:txBody>
+      </p:sp>
+      <p:sp>
+        <p:nvSpPr>
+          <p:cNvPr id="8" name="Subtitle 2">
+            <a:extLst>
+              <a:ext uri="{FF2B5EF4-FFF2-40B4-BE49-F238E27FC236}">
+                <a16:creationId xmlns:a16="http://schemas.microsoft.com/office/drawing/2014/main" id="{E51E2B93-3696-471D-94EB-612CA436A13C}"/>
+              </a:ext>
+            </a:extLst>
+          </p:cNvPr>
+          <p:cNvSpPr>
+            <a:spLocks noGrp="1"/>
+          </p:cNvSpPr>
+          <p:nvPr>
+            <p:ph type="subTitle" idx="1"/>
+          </p:nvPr>
+        </p:nvSpPr>
+        <p:spPr>
+          <a:xfrm>
+            <a:off x="1096731" y="6326231"/>
+            <a:ext cx="6950537" cy="531769"/>
+          </a:xfrm>
+        </p:spPr>
+        <p:txBody>
+          <a:bodyPr tIns="90000" anchor="ctr" anchorCtr="0">
+            <a:normAutofit fontScale="85000" lnSpcReduction="10000"/>
+          </a:bodyPr>
+          <a:lstStyle/>
+          <a:p>
+            <a:pPr algn="ctr"/>
+            <a:r>
+              <a:rPr lang="en-GB" sz="2000" dirty="0">
+                <a:solidFill>
+                  <a:schemeClr val="bg1"/>
+                </a:solidFill>
+                <a:latin typeface="Alegreya Sans" panose="00000500000000000000" pitchFamily="2" charset="0"/>
+              </a:rPr>
+              <a:t>MITIGATING JOULE EXPANSION IN MULTICELL ATOMIC QUANTUM MEMORY</a:t>
+            </a:r>
+          </a:p>
+        </p:txBody>
+      </p:sp>
+    </p:spTree>
+    <p:extLst>
+      <p:ext uri="{BB962C8B-B14F-4D97-AF65-F5344CB8AC3E}">
+        <p14:creationId xmlns:p14="http://schemas.microsoft.com/office/powerpoint/2010/main" val="3980078656"/>
+      </p:ext>
+    </p:extLst>
+  </p:cSld>
+  <p:clrMapOvr>
+    <a:masterClrMapping/>
+  </p:clrMapOvr>
+  <mc:AlternateContent xmlns:mc="http://schemas.openxmlformats.org/markup-compatibility/2006">
+    <mc:Choice xmlns:p14="http://schemas.microsoft.com/office/powerpoint/2010/main" Requires="p14">
+      <p:transition p14:dur="10"/>
+    </mc:Choice>
+    <mc:Fallback>
+      <p:transition/>
+    </mc:Fallback>
+  </mc:AlternateContent>
+  <p:timing>
+    <p:tnLst>
+      <p:par>
+        <p:cTn id="1" dur="indefinite" restart="never" nodeType="tmRoot">
+          <p:childTnLst>
+            <p:seq concurrent="1" nextAc="seek">
+              <p:cTn id="2" dur="indefinite" nodeType="mainSeq">
+                <p:childTnLst>
+                  <p:par>
+                    <p:cTn id="3" fill="hold">
+                      <p:stCondLst>
+                        <p:cond delay="indefinite"/>
+                      </p:stCondLst>
+                      <p:childTnLst>
+                        <p:par>
+                          <p:cTn id="4" fill="hold">
+                            <p:stCondLst>
+                              <p:cond delay="0"/>
+                            </p:stCondLst>
+                            <p:childTnLst>
+                              <p:par>
+                                <p:cTn id="5" presetID="1" presetClass="entr" presetSubtype="0" fill="hold" nodeType="clickEffect">
+                                  <p:stCondLst>
+                                    <p:cond delay="0"/>
+                                  </p:stCondLst>
+                                  <p:childTnLst>
+                                    <p:set>
+                                      <p:cBhvr>
+                                        <p:cTn id="6" dur="1" fill="hold">
+                                          <p:stCondLst>
+                                            <p:cond delay="0"/>
+                                          </p:stCondLst>
+                                        </p:cTn>
+                                        <p:tgtEl>
+                                          <p:spTgt spid="12">
+                                            <p:txEl>
+                                              <p:pRg st="0" end="0"/>
+                                            </p:txEl>
+                                          </p:spTgt>
+                                        </p:tgtEl>
+                                        <p:attrNameLst>
+                                          <p:attrName>style.visibility</p:attrName>
+                                        </p:attrNameLst>
+                                      </p:cBhvr>
+                                      <p:to>
+                                        <p:strVal val="visible"/>
+                                      </p:to>
+                                    </p:set>
+                                  </p:childTnLst>
+                                </p:cTn>
+                              </p:par>
+                            </p:childTnLst>
+                          </p:cTn>
+                        </p:par>
+                      </p:childTnLst>
+                    </p:cTn>
+                  </p:par>
+                </p:childTnLst>
+              </p:cTn>
+              <p:prevCondLst>
+                <p:cond evt="onPrev" delay="0">
+                  <p:tgtEl>
+                    <p:sldTgt/>
+                  </p:tgtEl>
+                </p:cond>
+              </p:prevCondLst>
+              <p:nextCondLst>
+                <p:cond evt="onNext" delay="0">
+                  <p:tgtEl>
+                    <p:sldTgt/>
+                  </p:tgtEl>
+                </p:cond>
+              </p:nextCondLst>
+            </p:seq>
+          </p:childTnLst>
+        </p:cTn>
+      </p:par>
+    </p:tnLst>
+  </p:timing>
 </p:sld>
 </file>
 
